--- a/demo.pptx
+++ b/demo.pptx
@@ -4,8 +4,18 @@
   <p:sldMasterIdLst>
     <p:sldMasterId id="2147483648" r:id="rId1"/>
   </p:sldMasterIdLst>
+  <p:notesMasterIdLst>
+    <p:notesMasterId r:id="rId10"/>
+  </p:notesMasterIdLst>
   <p:sldIdLst>
     <p:sldId id="256" r:id="rId2"/>
+    <p:sldId id="257" r:id="rId3"/>
+    <p:sldId id="258" r:id="rId4"/>
+    <p:sldId id="259" r:id="rId5"/>
+    <p:sldId id="260" r:id="rId6"/>
+    <p:sldId id="261" r:id="rId7"/>
+    <p:sldId id="262" r:id="rId8"/>
+    <p:sldId id="263" r:id="rId9"/>
   </p:sldIdLst>
   <p:sldSz cx="9144000" cy="6858000" type="screen4x3"/>
   <p:notesSz cx="6858000" cy="9144000"/>
@@ -105,6 +115,356 @@
     </a:lvl9pPr>
   </p:defaultTextStyle>
 </p:presentation>
+</file>
+
+<file path=ppt/notesMasters/notesMaster1.xml><?xml version="1.0" encoding="utf-8"?>
+<p:notesMaster xmlns:a="http://schemas.openxmlformats.org/drawingml/2006/main" xmlns:r="http://schemas.openxmlformats.org/officeDocument/2006/relationships" xmlns:p="http://schemas.openxmlformats.org/presentationml/2006/main">
+  <p:cSld>
+    <p:bg>
+      <p:bgRef idx="1001">
+        <a:schemeClr val="bg1"/>
+      </p:bgRef>
+    </p:bg>
+    <p:spTree>
+      <p:nvGrpSpPr>
+        <p:cNvPr id="1" name=""/>
+        <p:cNvGrpSpPr/>
+        <p:nvPr/>
+      </p:nvGrpSpPr>
+      <p:grpSpPr>
+        <a:xfrm>
+          <a:off x="0" y="0"/>
+          <a:ext cx="0" cy="0"/>
+          <a:chOff x="0" y="0"/>
+          <a:chExt cx="0" cy="0"/>
+        </a:xfrm>
+      </p:grpSpPr>
+      <p:sp>
+        <p:nvSpPr>
+          <p:cNvPr id="2" name="页眉占位符 1"/>
+          <p:cNvSpPr>
+            <a:spLocks noGrp="1"/>
+          </p:cNvSpPr>
+          <p:nvPr>
+            <p:ph type="hdr" sz="quarter"/>
+          </p:nvPr>
+        </p:nvSpPr>
+        <p:spPr>
+          <a:xfrm>
+            <a:off x="0" y="0"/>
+            <a:ext cx="2971800" cy="457200"/>
+          </a:xfrm>
+          <a:prstGeom prst="rect">
+            <a:avLst/>
+          </a:prstGeom>
+        </p:spPr>
+        <p:txBody>
+          <a:bodyPr vert="horz" lIns="91440" tIns="45720" rIns="91440" bIns="45720" rtlCol="0"/>
+          <a:lstStyle>
+            <a:lvl1pPr algn="l">
+              <a:defRPr sz="1200"/>
+            </a:lvl1pPr>
+          </a:lstStyle>
+          <a:p>
+            <a:endParaRPr lang="zh-CN" altLang="en-US"/>
+          </a:p>
+        </p:txBody>
+      </p:sp>
+      <p:sp>
+        <p:nvSpPr>
+          <p:cNvPr id="3" name="日期占位符 2"/>
+          <p:cNvSpPr>
+            <a:spLocks noGrp="1"/>
+          </p:cNvSpPr>
+          <p:nvPr>
+            <p:ph type="dt" idx="1"/>
+          </p:nvPr>
+        </p:nvSpPr>
+        <p:spPr>
+          <a:xfrm>
+            <a:off x="3884613" y="0"/>
+            <a:ext cx="2971800" cy="457200"/>
+          </a:xfrm>
+          <a:prstGeom prst="rect">
+            <a:avLst/>
+          </a:prstGeom>
+        </p:spPr>
+        <p:txBody>
+          <a:bodyPr vert="horz" lIns="91440" tIns="45720" rIns="91440" bIns="45720" rtlCol="0"/>
+          <a:lstStyle>
+            <a:lvl1pPr algn="r">
+              <a:defRPr sz="1200"/>
+            </a:lvl1pPr>
+          </a:lstStyle>
+          <a:p>
+            <a:fld id="{277B8184-6EA0-499D-9DE7-3F76D54820E5}" type="datetimeFigureOut">
+              <a:rPr lang="zh-CN" altLang="en-US" smtClean="0"/>
+              <a:t>2017/10/8 Sunday</a:t>
+            </a:fld>
+            <a:endParaRPr lang="zh-CN" altLang="en-US"/>
+          </a:p>
+        </p:txBody>
+      </p:sp>
+      <p:sp>
+        <p:nvSpPr>
+          <p:cNvPr id="4" name="幻灯片图像占位符 3"/>
+          <p:cNvSpPr>
+            <a:spLocks noGrp="1" noRot="1" noChangeAspect="1"/>
+          </p:cNvSpPr>
+          <p:nvPr>
+            <p:ph type="sldImg" idx="2"/>
+          </p:nvPr>
+        </p:nvSpPr>
+        <p:spPr>
+          <a:xfrm>
+            <a:off x="1143000" y="685800"/>
+            <a:ext cx="4572000" cy="3429000"/>
+          </a:xfrm>
+          <a:prstGeom prst="rect">
+            <a:avLst/>
+          </a:prstGeom>
+          <a:noFill/>
+          <a:ln w="12700">
+            <a:solidFill>
+              <a:prstClr val="black"/>
+            </a:solidFill>
+          </a:ln>
+        </p:spPr>
+        <p:txBody>
+          <a:bodyPr vert="horz" lIns="91440" tIns="45720" rIns="91440" bIns="45720" rtlCol="0" anchor="ctr"/>
+          <a:lstStyle/>
+          <a:p>
+            <a:endParaRPr lang="zh-CN" altLang="en-US"/>
+          </a:p>
+        </p:txBody>
+      </p:sp>
+      <p:sp>
+        <p:nvSpPr>
+          <p:cNvPr id="5" name="备注占位符 4"/>
+          <p:cNvSpPr>
+            <a:spLocks noGrp="1"/>
+          </p:cNvSpPr>
+          <p:nvPr>
+            <p:ph type="body" sz="quarter" idx="3"/>
+          </p:nvPr>
+        </p:nvSpPr>
+        <p:spPr>
+          <a:xfrm>
+            <a:off x="685800" y="4343400"/>
+            <a:ext cx="5486400" cy="4114800"/>
+          </a:xfrm>
+          <a:prstGeom prst="rect">
+            <a:avLst/>
+          </a:prstGeom>
+        </p:spPr>
+        <p:txBody>
+          <a:bodyPr vert="horz" lIns="91440" tIns="45720" rIns="91440" bIns="45720" rtlCol="0"/>
+          <a:lstStyle/>
+          <a:p>
+            <a:pPr lvl="0"/>
+            <a:r>
+              <a:rPr lang="zh-CN" altLang="en-US" smtClean="0"/>
+              <a:t>单击此处编辑母版文本样式</a:t>
+            </a:r>
+          </a:p>
+          <a:p>
+            <a:pPr lvl="1"/>
+            <a:r>
+              <a:rPr lang="zh-CN" altLang="en-US" smtClean="0"/>
+              <a:t>第二级</a:t>
+            </a:r>
+          </a:p>
+          <a:p>
+            <a:pPr lvl="2"/>
+            <a:r>
+              <a:rPr lang="zh-CN" altLang="en-US" smtClean="0"/>
+              <a:t>第三级</a:t>
+            </a:r>
+          </a:p>
+          <a:p>
+            <a:pPr lvl="3"/>
+            <a:r>
+              <a:rPr lang="zh-CN" altLang="en-US" smtClean="0"/>
+              <a:t>第四级</a:t>
+            </a:r>
+          </a:p>
+          <a:p>
+            <a:pPr lvl="4"/>
+            <a:r>
+              <a:rPr lang="zh-CN" altLang="en-US" smtClean="0"/>
+              <a:t>第五级</a:t>
+            </a:r>
+            <a:endParaRPr lang="zh-CN" altLang="en-US"/>
+          </a:p>
+        </p:txBody>
+      </p:sp>
+      <p:sp>
+        <p:nvSpPr>
+          <p:cNvPr id="6" name="页脚占位符 5"/>
+          <p:cNvSpPr>
+            <a:spLocks noGrp="1"/>
+          </p:cNvSpPr>
+          <p:nvPr>
+            <p:ph type="ftr" sz="quarter" idx="4"/>
+          </p:nvPr>
+        </p:nvSpPr>
+        <p:spPr>
+          <a:xfrm>
+            <a:off x="0" y="8685213"/>
+            <a:ext cx="2971800" cy="457200"/>
+          </a:xfrm>
+          <a:prstGeom prst="rect">
+            <a:avLst/>
+          </a:prstGeom>
+        </p:spPr>
+        <p:txBody>
+          <a:bodyPr vert="horz" lIns="91440" tIns="45720" rIns="91440" bIns="45720" rtlCol="0" anchor="b"/>
+          <a:lstStyle>
+            <a:lvl1pPr algn="l">
+              <a:defRPr sz="1200"/>
+            </a:lvl1pPr>
+          </a:lstStyle>
+          <a:p>
+            <a:endParaRPr lang="zh-CN" altLang="en-US"/>
+          </a:p>
+        </p:txBody>
+      </p:sp>
+      <p:sp>
+        <p:nvSpPr>
+          <p:cNvPr id="7" name="灯片编号占位符 6"/>
+          <p:cNvSpPr>
+            <a:spLocks noGrp="1"/>
+          </p:cNvSpPr>
+          <p:nvPr>
+            <p:ph type="sldNum" sz="quarter" idx="5"/>
+          </p:nvPr>
+        </p:nvSpPr>
+        <p:spPr>
+          <a:xfrm>
+            <a:off x="3884613" y="8685213"/>
+            <a:ext cx="2971800" cy="457200"/>
+          </a:xfrm>
+          <a:prstGeom prst="rect">
+            <a:avLst/>
+          </a:prstGeom>
+        </p:spPr>
+        <p:txBody>
+          <a:bodyPr vert="horz" lIns="91440" tIns="45720" rIns="91440" bIns="45720" rtlCol="0" anchor="b"/>
+          <a:lstStyle>
+            <a:lvl1pPr algn="r">
+              <a:defRPr sz="1200"/>
+            </a:lvl1pPr>
+          </a:lstStyle>
+          <a:p>
+            <a:fld id="{949502D4-038C-4AE0-94B5-F40F9C7FE913}" type="slidenum">
+              <a:rPr lang="zh-CN" altLang="en-US" smtClean="0"/>
+              <a:t>‹#›</a:t>
+            </a:fld>
+            <a:endParaRPr lang="zh-CN" altLang="en-US"/>
+          </a:p>
+        </p:txBody>
+      </p:sp>
+    </p:spTree>
+    <p:extLst>
+      <p:ext uri="{BB962C8B-B14F-4D97-AF65-F5344CB8AC3E}">
+        <p14:creationId xmlns:p14="http://schemas.microsoft.com/office/powerpoint/2010/main" val="2108394061"/>
+      </p:ext>
+    </p:extLst>
+  </p:cSld>
+  <p:clrMap bg1="lt1" tx1="dk1" bg2="lt2" tx2="dk2" accent1="accent1" accent2="accent2" accent3="accent3" accent4="accent4" accent5="accent5" accent6="accent6" hlink="hlink" folHlink="folHlink"/>
+  <p:notesStyle>
+    <a:lvl1pPr marL="0" algn="l" defTabSz="914400" rtl="0" eaLnBrk="1" latinLnBrk="0" hangingPunct="1">
+      <a:defRPr sz="1200" kern="1200">
+        <a:solidFill>
+          <a:schemeClr val="tx1"/>
+        </a:solidFill>
+        <a:latin typeface="+mn-lt"/>
+        <a:ea typeface="+mn-ea"/>
+        <a:cs typeface="+mn-cs"/>
+      </a:defRPr>
+    </a:lvl1pPr>
+    <a:lvl2pPr marL="457200" algn="l" defTabSz="914400" rtl="0" eaLnBrk="1" latinLnBrk="0" hangingPunct="1">
+      <a:defRPr sz="1200" kern="1200">
+        <a:solidFill>
+          <a:schemeClr val="tx1"/>
+        </a:solidFill>
+        <a:latin typeface="+mn-lt"/>
+        <a:ea typeface="+mn-ea"/>
+        <a:cs typeface="+mn-cs"/>
+      </a:defRPr>
+    </a:lvl2pPr>
+    <a:lvl3pPr marL="914400" algn="l" defTabSz="914400" rtl="0" eaLnBrk="1" latinLnBrk="0" hangingPunct="1">
+      <a:defRPr sz="1200" kern="1200">
+        <a:solidFill>
+          <a:schemeClr val="tx1"/>
+        </a:solidFill>
+        <a:latin typeface="+mn-lt"/>
+        <a:ea typeface="+mn-ea"/>
+        <a:cs typeface="+mn-cs"/>
+      </a:defRPr>
+    </a:lvl3pPr>
+    <a:lvl4pPr marL="1371600" algn="l" defTabSz="914400" rtl="0" eaLnBrk="1" latinLnBrk="0" hangingPunct="1">
+      <a:defRPr sz="1200" kern="1200">
+        <a:solidFill>
+          <a:schemeClr val="tx1"/>
+        </a:solidFill>
+        <a:latin typeface="+mn-lt"/>
+        <a:ea typeface="+mn-ea"/>
+        <a:cs typeface="+mn-cs"/>
+      </a:defRPr>
+    </a:lvl4pPr>
+    <a:lvl5pPr marL="1828800" algn="l" defTabSz="914400" rtl="0" eaLnBrk="1" latinLnBrk="0" hangingPunct="1">
+      <a:defRPr sz="1200" kern="1200">
+        <a:solidFill>
+          <a:schemeClr val="tx1"/>
+        </a:solidFill>
+        <a:latin typeface="+mn-lt"/>
+        <a:ea typeface="+mn-ea"/>
+        <a:cs typeface="+mn-cs"/>
+      </a:defRPr>
+    </a:lvl5pPr>
+    <a:lvl6pPr marL="2286000" algn="l" defTabSz="914400" rtl="0" eaLnBrk="1" latinLnBrk="0" hangingPunct="1">
+      <a:defRPr sz="1200" kern="1200">
+        <a:solidFill>
+          <a:schemeClr val="tx1"/>
+        </a:solidFill>
+        <a:latin typeface="+mn-lt"/>
+        <a:ea typeface="+mn-ea"/>
+        <a:cs typeface="+mn-cs"/>
+      </a:defRPr>
+    </a:lvl6pPr>
+    <a:lvl7pPr marL="2743200" algn="l" defTabSz="914400" rtl="0" eaLnBrk="1" latinLnBrk="0" hangingPunct="1">
+      <a:defRPr sz="1200" kern="1200">
+        <a:solidFill>
+          <a:schemeClr val="tx1"/>
+        </a:solidFill>
+        <a:latin typeface="+mn-lt"/>
+        <a:ea typeface="+mn-ea"/>
+        <a:cs typeface="+mn-cs"/>
+      </a:defRPr>
+    </a:lvl7pPr>
+    <a:lvl8pPr marL="3200400" algn="l" defTabSz="914400" rtl="0" eaLnBrk="1" latinLnBrk="0" hangingPunct="1">
+      <a:defRPr sz="1200" kern="1200">
+        <a:solidFill>
+          <a:schemeClr val="tx1"/>
+        </a:solidFill>
+        <a:latin typeface="+mn-lt"/>
+        <a:ea typeface="+mn-ea"/>
+        <a:cs typeface="+mn-cs"/>
+      </a:defRPr>
+    </a:lvl8pPr>
+    <a:lvl9pPr marL="3657600" algn="l" defTabSz="914400" rtl="0" eaLnBrk="1" latinLnBrk="0" hangingPunct="1">
+      <a:defRPr sz="1200" kern="1200">
+        <a:solidFill>
+          <a:schemeClr val="tx1"/>
+        </a:solidFill>
+        <a:latin typeface="+mn-lt"/>
+        <a:ea typeface="+mn-ea"/>
+        <a:cs typeface="+mn-cs"/>
+      </a:defRPr>
+    </a:lvl9pPr>
+  </p:notesStyle>
+</p:notesMaster>
 </file>
 
 <file path=ppt/slideLayouts/slideLayout1.xml><?xml version="1.0" encoding="utf-8"?>
@@ -3095,50 +3455,343 @@
           <a:chExt cx="0" cy="0"/>
         </a:xfrm>
       </p:grpSpPr>
-      <p:sp>
-        <p:nvSpPr>
-          <p:cNvPr id="4" name="矩形 3"/>
-          <p:cNvSpPr/>
+      <p:grpSp>
+        <p:nvGrpSpPr>
+          <p:cNvPr id="13" name="组合 12"/>
+          <p:cNvGrpSpPr/>
           <p:nvPr/>
-        </p:nvSpPr>
-        <p:spPr>
+        </p:nvGrpSpPr>
+        <p:grpSpPr>
           <a:xfrm>
-            <a:off x="2411760" y="548680"/>
-            <a:ext cx="4572000" cy="1107996"/>
+            <a:off x="1544508" y="548680"/>
+            <a:ext cx="7043330" cy="4124617"/>
+            <a:chOff x="1544508" y="548680"/>
+            <a:chExt cx="7043330" cy="4124617"/>
           </a:xfrm>
-          <a:prstGeom prst="rect">
-            <a:avLst/>
-          </a:prstGeom>
-        </p:spPr>
-        <p:txBody>
-          <a:bodyPr>
-            <a:spAutoFit/>
-          </a:bodyPr>
-          <a:lstStyle/>
-          <a:p>
-            <a:endParaRPr lang="en-US" altLang="zh-CN" dirty="0" smtClean="0"/>
-          </a:p>
-          <a:p>
-            <a:pPr algn="ctr"/>
-            <a:r>
-              <a:rPr lang="en-US" altLang="zh-CN" sz="2400" dirty="0" smtClean="0"/>
-              <a:t>A </a:t>
-            </a:r>
-            <a:r>
-              <a:rPr lang="en-US" altLang="zh-CN" sz="2400" dirty="0"/>
-              <a:t>Neural Algorithm of Artistic Style</a:t>
-            </a:r>
-            <a:r>
-              <a:rPr lang="en-US" altLang="zh-CN" sz="2400" dirty="0" smtClean="0"/>
-              <a:t> </a:t>
-            </a:r>
-            <a:br>
-              <a:rPr lang="en-US" altLang="zh-CN" sz="2400" dirty="0" smtClean="0"/>
-            </a:br>
-            <a:endParaRPr lang="zh-CN" altLang="en-US" sz="2400" dirty="0"/>
-          </a:p>
-        </p:txBody>
-      </p:sp>
+        </p:grpSpPr>
+        <p:sp>
+          <p:nvSpPr>
+            <p:cNvPr id="4" name="矩形 3"/>
+            <p:cNvSpPr/>
+            <p:nvPr/>
+          </p:nvSpPr>
+          <p:spPr>
+            <a:xfrm>
+              <a:off x="2411760" y="548680"/>
+              <a:ext cx="4572000" cy="1107996"/>
+            </a:xfrm>
+            <a:prstGeom prst="rect">
+              <a:avLst/>
+            </a:prstGeom>
+          </p:spPr>
+          <p:txBody>
+            <a:bodyPr>
+              <a:spAutoFit/>
+            </a:bodyPr>
+            <a:lstStyle/>
+            <a:p>
+              <a:endParaRPr lang="en-US" altLang="zh-CN" dirty="0" smtClean="0"/>
+            </a:p>
+            <a:p>
+              <a:pPr algn="ctr"/>
+              <a:r>
+                <a:rPr lang="en-US" altLang="zh-CN" sz="2400" dirty="0" smtClean="0"/>
+                <a:t>A </a:t>
+              </a:r>
+              <a:r>
+                <a:rPr lang="en-US" altLang="zh-CN" sz="2400" dirty="0"/>
+                <a:t>Neural Algorithm of Artistic Style</a:t>
+              </a:r>
+              <a:r>
+                <a:rPr lang="en-US" altLang="zh-CN" sz="2400" dirty="0" smtClean="0"/>
+                <a:t> </a:t>
+              </a:r>
+              <a:br>
+                <a:rPr lang="en-US" altLang="zh-CN" sz="2400" dirty="0" smtClean="0"/>
+              </a:br>
+              <a:endParaRPr lang="zh-CN" altLang="en-US" sz="2400" dirty="0"/>
+            </a:p>
+          </p:txBody>
+        </p:sp>
+        <p:grpSp>
+          <p:nvGrpSpPr>
+            <p:cNvPr id="12" name="组合 11"/>
+            <p:cNvGrpSpPr/>
+            <p:nvPr/>
+          </p:nvGrpSpPr>
+          <p:grpSpPr>
+            <a:xfrm>
+              <a:off x="1544508" y="2431921"/>
+              <a:ext cx="7043330" cy="2241376"/>
+              <a:chOff x="1777142" y="1987932"/>
+              <a:chExt cx="7043330" cy="2241376"/>
+            </a:xfrm>
+          </p:grpSpPr>
+          <p:grpSp>
+            <p:nvGrpSpPr>
+              <p:cNvPr id="5" name="组合 4"/>
+              <p:cNvGrpSpPr/>
+              <p:nvPr/>
+            </p:nvGrpSpPr>
+            <p:grpSpPr>
+              <a:xfrm>
+                <a:off x="1777142" y="3582977"/>
+                <a:ext cx="7043330" cy="646331"/>
+                <a:chOff x="755576" y="1912186"/>
+                <a:chExt cx="6146034" cy="646331"/>
+              </a:xfrm>
+            </p:grpSpPr>
+            <p:sp>
+              <p:nvSpPr>
+                <p:cNvPr id="2" name="椭圆 1"/>
+                <p:cNvSpPr/>
+                <p:nvPr/>
+              </p:nvSpPr>
+              <p:spPr>
+                <a:xfrm>
+                  <a:off x="755576" y="1988840"/>
+                  <a:ext cx="216024" cy="216024"/>
+                </a:xfrm>
+                <a:prstGeom prst="ellipse">
+                  <a:avLst/>
+                </a:prstGeom>
+              </p:spPr>
+              <p:style>
+                <a:lnRef idx="2">
+                  <a:schemeClr val="accent1">
+                    <a:shade val="50000"/>
+                  </a:schemeClr>
+                </a:lnRef>
+                <a:fillRef idx="1">
+                  <a:schemeClr val="accent1"/>
+                </a:fillRef>
+                <a:effectRef idx="0">
+                  <a:schemeClr val="accent1"/>
+                </a:effectRef>
+                <a:fontRef idx="minor">
+                  <a:schemeClr val="lt1"/>
+                </a:fontRef>
+              </p:style>
+              <p:txBody>
+                <a:bodyPr rtlCol="0" anchor="ctr"/>
+                <a:lstStyle/>
+                <a:p>
+                  <a:pPr algn="ctr"/>
+                  <a:endParaRPr lang="zh-CN" altLang="en-US"/>
+                </a:p>
+              </p:txBody>
+            </p:sp>
+            <p:sp>
+              <p:nvSpPr>
+                <p:cNvPr id="3" name="TextBox 2"/>
+                <p:cNvSpPr txBox="1"/>
+                <p:nvPr/>
+              </p:nvSpPr>
+              <p:spPr>
+                <a:xfrm>
+                  <a:off x="1140970" y="1912186"/>
+                  <a:ext cx="5760640" cy="646331"/>
+                </a:xfrm>
+                <a:prstGeom prst="rect">
+                  <a:avLst/>
+                </a:prstGeom>
+                <a:noFill/>
+              </p:spPr>
+              <p:txBody>
+                <a:bodyPr wrap="square" rtlCol="0">
+                  <a:spAutoFit/>
+                </a:bodyPr>
+                <a:lstStyle/>
+                <a:p>
+                  <a:r>
+                    <a:rPr lang="zh-CN" altLang="en-US" dirty="0"/>
+                    <a:t>艺</a:t>
+                  </a:r>
+                  <a:r>
+                    <a:rPr lang="zh-CN" altLang="en-US" dirty="0" smtClean="0"/>
+                    <a:t>术品的风格与图片内容融合生成具有人工艺术风格的作品</a:t>
+                  </a:r>
+                  <a:r>
+                    <a:rPr lang="en-US" altLang="zh-CN" dirty="0" smtClean="0"/>
+                    <a:t>		</a:t>
+                  </a:r>
+                  <a:endParaRPr lang="zh-CN" altLang="en-US" dirty="0"/>
+                </a:p>
+              </p:txBody>
+            </p:sp>
+          </p:grpSp>
+          <p:grpSp>
+            <p:nvGrpSpPr>
+              <p:cNvPr id="6" name="组合 5"/>
+              <p:cNvGrpSpPr/>
+              <p:nvPr/>
+            </p:nvGrpSpPr>
+            <p:grpSpPr>
+              <a:xfrm>
+                <a:off x="1777143" y="2708920"/>
+                <a:ext cx="6146034" cy="369332"/>
+                <a:chOff x="755576" y="1912186"/>
+                <a:chExt cx="6146034" cy="369332"/>
+              </a:xfrm>
+            </p:grpSpPr>
+            <p:sp>
+              <p:nvSpPr>
+                <p:cNvPr id="7" name="椭圆 6"/>
+                <p:cNvSpPr/>
+                <p:nvPr/>
+              </p:nvSpPr>
+              <p:spPr>
+                <a:xfrm>
+                  <a:off x="755576" y="1988840"/>
+                  <a:ext cx="216024" cy="216024"/>
+                </a:xfrm>
+                <a:prstGeom prst="ellipse">
+                  <a:avLst/>
+                </a:prstGeom>
+              </p:spPr>
+              <p:style>
+                <a:lnRef idx="2">
+                  <a:schemeClr val="accent1">
+                    <a:shade val="50000"/>
+                  </a:schemeClr>
+                </a:lnRef>
+                <a:fillRef idx="1">
+                  <a:schemeClr val="accent1"/>
+                </a:fillRef>
+                <a:effectRef idx="0">
+                  <a:schemeClr val="accent1"/>
+                </a:effectRef>
+                <a:fontRef idx="minor">
+                  <a:schemeClr val="lt1"/>
+                </a:fontRef>
+              </p:style>
+              <p:txBody>
+                <a:bodyPr rtlCol="0" anchor="ctr"/>
+                <a:lstStyle/>
+                <a:p>
+                  <a:pPr algn="ctr"/>
+                  <a:endParaRPr lang="zh-CN" altLang="en-US"/>
+                </a:p>
+              </p:txBody>
+            </p:sp>
+            <p:sp>
+              <p:nvSpPr>
+                <p:cNvPr id="8" name="TextBox 7"/>
+                <p:cNvSpPr txBox="1"/>
+                <p:nvPr/>
+              </p:nvSpPr>
+              <p:spPr>
+                <a:xfrm>
+                  <a:off x="1140970" y="1912186"/>
+                  <a:ext cx="5760640" cy="369332"/>
+                </a:xfrm>
+                <a:prstGeom prst="rect">
+                  <a:avLst/>
+                </a:prstGeom>
+                <a:noFill/>
+              </p:spPr>
+              <p:txBody>
+                <a:bodyPr wrap="square" rtlCol="0">
+                  <a:spAutoFit/>
+                </a:bodyPr>
+                <a:lstStyle/>
+                <a:p>
+                  <a:r>
+                    <a:rPr lang="zh-CN" altLang="en-US" dirty="0" smtClean="0"/>
+                    <a:t>使用神经网络分别提取图像的内容和风格</a:t>
+                  </a:r>
+                  <a:endParaRPr lang="zh-CN" altLang="en-US" dirty="0"/>
+                </a:p>
+              </p:txBody>
+            </p:sp>
+          </p:grpSp>
+          <p:grpSp>
+            <p:nvGrpSpPr>
+              <p:cNvPr id="9" name="组合 8"/>
+              <p:cNvGrpSpPr/>
+              <p:nvPr/>
+            </p:nvGrpSpPr>
+            <p:grpSpPr>
+              <a:xfrm>
+                <a:off x="1777143" y="1987932"/>
+                <a:ext cx="6146034" cy="369332"/>
+                <a:chOff x="755576" y="1912186"/>
+                <a:chExt cx="6146034" cy="369332"/>
+              </a:xfrm>
+            </p:grpSpPr>
+            <p:sp>
+              <p:nvSpPr>
+                <p:cNvPr id="10" name="椭圆 9"/>
+                <p:cNvSpPr/>
+                <p:nvPr/>
+              </p:nvSpPr>
+              <p:spPr>
+                <a:xfrm>
+                  <a:off x="755576" y="1988840"/>
+                  <a:ext cx="216024" cy="216024"/>
+                </a:xfrm>
+                <a:prstGeom prst="ellipse">
+                  <a:avLst/>
+                </a:prstGeom>
+              </p:spPr>
+              <p:style>
+                <a:lnRef idx="2">
+                  <a:schemeClr val="accent1">
+                    <a:shade val="50000"/>
+                  </a:schemeClr>
+                </a:lnRef>
+                <a:fillRef idx="1">
+                  <a:schemeClr val="accent1"/>
+                </a:fillRef>
+                <a:effectRef idx="0">
+                  <a:schemeClr val="accent1"/>
+                </a:effectRef>
+                <a:fontRef idx="minor">
+                  <a:schemeClr val="lt1"/>
+                </a:fontRef>
+              </p:style>
+              <p:txBody>
+                <a:bodyPr rtlCol="0" anchor="ctr"/>
+                <a:lstStyle/>
+                <a:p>
+                  <a:pPr algn="ctr"/>
+                  <a:endParaRPr lang="zh-CN" altLang="en-US"/>
+                </a:p>
+              </p:txBody>
+            </p:sp>
+            <p:sp>
+              <p:nvSpPr>
+                <p:cNvPr id="11" name="TextBox 10"/>
+                <p:cNvSpPr txBox="1"/>
+                <p:nvPr/>
+              </p:nvSpPr>
+              <p:spPr>
+                <a:xfrm>
+                  <a:off x="1140970" y="1912186"/>
+                  <a:ext cx="5760640" cy="369332"/>
+                </a:xfrm>
+                <a:prstGeom prst="rect">
+                  <a:avLst/>
+                </a:prstGeom>
+                <a:noFill/>
+              </p:spPr>
+              <p:txBody>
+                <a:bodyPr wrap="square" rtlCol="0">
+                  <a:spAutoFit/>
+                </a:bodyPr>
+                <a:lstStyle/>
+                <a:p>
+                  <a:r>
+                    <a:rPr lang="zh-CN" altLang="en-US" dirty="0" smtClean="0"/>
+                    <a:t>文章提出使用卷积神经网络生成具有艺术风格的作品</a:t>
+                  </a:r>
+                  <a:endParaRPr lang="zh-CN" altLang="en-US" dirty="0"/>
+                </a:p>
+              </p:txBody>
+            </p:sp>
+          </p:grpSp>
+        </p:grpSp>
+      </p:grpSp>
     </p:spTree>
     <p:extLst>
       <p:ext uri="{BB962C8B-B14F-4D97-AF65-F5344CB8AC3E}">
@@ -3149,6 +3802,1488 @@
   <p:clrMapOvr>
     <a:masterClrMapping/>
   </p:clrMapOvr>
+  <p:timing>
+    <p:tnLst>
+      <p:par>
+        <p:cTn id="1" dur="indefinite" restart="never" nodeType="tmRoot"/>
+      </p:par>
+    </p:tnLst>
+  </p:timing>
+</p:sld>
+</file>
+
+<file path=ppt/slides/slide2.xml><?xml version="1.0" encoding="utf-8"?>
+<p:sld xmlns:a="http://schemas.openxmlformats.org/drawingml/2006/main" xmlns:r="http://schemas.openxmlformats.org/officeDocument/2006/relationships" xmlns:p="http://schemas.openxmlformats.org/presentationml/2006/main">
+  <p:cSld>
+    <p:spTree>
+      <p:nvGrpSpPr>
+        <p:cNvPr id="1" name=""/>
+        <p:cNvGrpSpPr/>
+        <p:nvPr/>
+      </p:nvGrpSpPr>
+      <p:grpSpPr>
+        <a:xfrm>
+          <a:off x="0" y="0"/>
+          <a:ext cx="0" cy="0"/>
+          <a:chOff x="0" y="0"/>
+          <a:chExt cx="0" cy="0"/>
+        </a:xfrm>
+      </p:grpSpPr>
+      <p:grpSp>
+        <p:nvGrpSpPr>
+          <p:cNvPr id="19" name="组合 18"/>
+          <p:cNvGrpSpPr/>
+          <p:nvPr/>
+        </p:nvGrpSpPr>
+        <p:grpSpPr>
+          <a:xfrm>
+            <a:off x="1115616" y="749278"/>
+            <a:ext cx="7474742" cy="4683172"/>
+            <a:chOff x="1115616" y="749278"/>
+            <a:chExt cx="7474742" cy="4683172"/>
+          </a:xfrm>
+        </p:grpSpPr>
+        <p:grpSp>
+          <p:nvGrpSpPr>
+            <p:cNvPr id="15" name="组合 14"/>
+            <p:cNvGrpSpPr/>
+            <p:nvPr/>
+          </p:nvGrpSpPr>
+          <p:grpSpPr>
+            <a:xfrm>
+              <a:off x="1115616" y="749278"/>
+              <a:ext cx="431113" cy="369332"/>
+              <a:chOff x="1544509" y="2431921"/>
+              <a:chExt cx="431113" cy="369332"/>
+            </a:xfrm>
+          </p:grpSpPr>
+          <p:sp>
+            <p:nvSpPr>
+              <p:cNvPr id="13" name="椭圆 12"/>
+              <p:cNvSpPr/>
+              <p:nvPr/>
+            </p:nvSpPr>
+            <p:spPr>
+              <a:xfrm>
+                <a:off x="1544509" y="2508575"/>
+                <a:ext cx="216024" cy="216024"/>
+              </a:xfrm>
+              <a:prstGeom prst="ellipse">
+                <a:avLst/>
+              </a:prstGeom>
+            </p:spPr>
+            <p:style>
+              <a:lnRef idx="2">
+                <a:schemeClr val="accent1">
+                  <a:shade val="50000"/>
+                </a:schemeClr>
+              </a:lnRef>
+              <a:fillRef idx="1">
+                <a:schemeClr val="accent1"/>
+              </a:fillRef>
+              <a:effectRef idx="0">
+                <a:schemeClr val="accent1"/>
+              </a:effectRef>
+              <a:fontRef idx="minor">
+                <a:schemeClr val="lt1"/>
+              </a:fontRef>
+            </p:style>
+            <p:txBody>
+              <a:bodyPr rtlCol="0" anchor="ctr"/>
+              <a:lstStyle/>
+              <a:p>
+                <a:pPr algn="ctr"/>
+                <a:endParaRPr lang="zh-CN" altLang="en-US"/>
+              </a:p>
+            </p:txBody>
+          </p:sp>
+          <p:sp>
+            <p:nvSpPr>
+              <p:cNvPr id="14" name="TextBox 13"/>
+              <p:cNvSpPr txBox="1"/>
+              <p:nvPr/>
+            </p:nvSpPr>
+            <p:spPr>
+              <a:xfrm>
+                <a:off x="1929903" y="2431921"/>
+                <a:ext cx="45719" cy="369332"/>
+              </a:xfrm>
+              <a:prstGeom prst="rect">
+                <a:avLst/>
+              </a:prstGeom>
+              <a:noFill/>
+            </p:spPr>
+            <p:txBody>
+              <a:bodyPr wrap="square" rtlCol="0">
+                <a:spAutoFit/>
+              </a:bodyPr>
+              <a:lstStyle/>
+              <a:p>
+                <a:endParaRPr lang="zh-CN" altLang="en-US" dirty="0"/>
+              </a:p>
+            </p:txBody>
+          </p:sp>
+        </p:grpSp>
+        <p:sp>
+          <p:nvSpPr>
+            <p:cNvPr id="16" name="TextBox 15"/>
+            <p:cNvSpPr txBox="1"/>
+            <p:nvPr/>
+          </p:nvSpPr>
+          <p:spPr>
+            <a:xfrm>
+              <a:off x="1331640" y="1484784"/>
+              <a:ext cx="7258718" cy="1754326"/>
+            </a:xfrm>
+            <a:prstGeom prst="rect">
+              <a:avLst/>
+            </a:prstGeom>
+            <a:noFill/>
+          </p:spPr>
+          <p:txBody>
+            <a:bodyPr wrap="none" rtlCol="0">
+              <a:spAutoFit/>
+            </a:bodyPr>
+            <a:lstStyle/>
+            <a:p>
+              <a:pPr>
+                <a:lnSpc>
+                  <a:spcPct val="150000"/>
+                </a:lnSpc>
+              </a:pPr>
+              <a:r>
+                <a:rPr lang="en-US" altLang="zh-CN" spc="150" dirty="0"/>
+                <a:t> </a:t>
+              </a:r>
+              <a:r>
+                <a:rPr lang="zh-CN" altLang="en-US" spc="150" dirty="0" smtClean="0"/>
+                <a:t>文章首先论述了卷积神经网络在对象识别中的应用，陈述了这样</a:t>
+              </a:r>
+              <a:endParaRPr lang="en-US" altLang="zh-CN" spc="150" dirty="0" smtClean="0"/>
+            </a:p>
+            <a:p>
+              <a:pPr>
+                <a:lnSpc>
+                  <a:spcPct val="150000"/>
+                </a:lnSpc>
+              </a:pPr>
+              <a:r>
+                <a:rPr lang="zh-CN" altLang="en-US" spc="150" dirty="0"/>
+                <a:t>一</a:t>
+              </a:r>
+              <a:r>
+                <a:rPr lang="zh-CN" altLang="en-US" spc="150" dirty="0" smtClean="0"/>
+                <a:t>个事实，即在较深层的卷积特征能够很好地获取图像高级的、</a:t>
+              </a:r>
+              <a:endParaRPr lang="en-US" altLang="zh-CN" spc="150" dirty="0" smtClean="0"/>
+            </a:p>
+            <a:p>
+              <a:pPr>
+                <a:lnSpc>
+                  <a:spcPct val="150000"/>
+                </a:lnSpc>
+              </a:pPr>
+              <a:r>
+                <a:rPr lang="zh-CN" altLang="en-US" spc="150" dirty="0" smtClean="0"/>
+                <a:t>目标级的内容信息，以及特征在原图像上的位置信息，而较间层</a:t>
+              </a:r>
+              <a:endParaRPr lang="en-US" altLang="zh-CN" spc="150" dirty="0" smtClean="0"/>
+            </a:p>
+            <a:p>
+              <a:pPr>
+                <a:lnSpc>
+                  <a:spcPct val="150000"/>
+                </a:lnSpc>
+              </a:pPr>
+              <a:r>
+                <a:rPr lang="zh-CN" altLang="en-US" spc="150" dirty="0" smtClean="0"/>
+                <a:t>的卷积特征却能生成较为准确的像素值</a:t>
+              </a:r>
+              <a:endParaRPr lang="zh-CN" altLang="en-US" spc="150" dirty="0"/>
+            </a:p>
+          </p:txBody>
+        </p:sp>
+        <p:sp>
+          <p:nvSpPr>
+            <p:cNvPr id="17" name="下箭头 16"/>
+            <p:cNvSpPr/>
+            <p:nvPr/>
+          </p:nvSpPr>
+          <p:spPr>
+            <a:xfrm>
+              <a:off x="4716016" y="3658053"/>
+              <a:ext cx="244983" cy="494588"/>
+            </a:xfrm>
+            <a:prstGeom prst="downArrow">
+              <a:avLst/>
+            </a:prstGeom>
+          </p:spPr>
+          <p:style>
+            <a:lnRef idx="2">
+              <a:schemeClr val="accent1">
+                <a:shade val="50000"/>
+              </a:schemeClr>
+            </a:lnRef>
+            <a:fillRef idx="1">
+              <a:schemeClr val="accent1"/>
+            </a:fillRef>
+            <a:effectRef idx="0">
+              <a:schemeClr val="accent1"/>
+            </a:effectRef>
+            <a:fontRef idx="minor">
+              <a:schemeClr val="lt1"/>
+            </a:fontRef>
+          </p:style>
+          <p:txBody>
+            <a:bodyPr rtlCol="0" anchor="ctr"/>
+            <a:lstStyle/>
+            <a:p>
+              <a:pPr algn="ctr"/>
+              <a:endParaRPr lang="zh-CN" altLang="en-US"/>
+            </a:p>
+          </p:txBody>
+        </p:sp>
+        <p:sp>
+          <p:nvSpPr>
+            <p:cNvPr id="18" name="TextBox 17"/>
+            <p:cNvSpPr txBox="1"/>
+            <p:nvPr/>
+          </p:nvSpPr>
+          <p:spPr>
+            <a:xfrm>
+              <a:off x="1367707" y="4509120"/>
+              <a:ext cx="7186583" cy="923330"/>
+            </a:xfrm>
+            <a:prstGeom prst="rect">
+              <a:avLst/>
+            </a:prstGeom>
+            <a:noFill/>
+          </p:spPr>
+          <p:txBody>
+            <a:bodyPr wrap="none" rtlCol="0">
+              <a:spAutoFit/>
+            </a:bodyPr>
+            <a:lstStyle/>
+            <a:p>
+              <a:pPr>
+                <a:lnSpc>
+                  <a:spcPct val="150000"/>
+                </a:lnSpc>
+              </a:pPr>
+              <a:r>
+                <a:rPr lang="zh-CN" altLang="en-US" spc="150" dirty="0"/>
+                <a:t>基</a:t>
+              </a:r>
+              <a:r>
+                <a:rPr lang="zh-CN" altLang="en-US" spc="150" dirty="0"/>
+                <a:t>于上面的现</a:t>
+              </a:r>
+              <a:r>
+                <a:rPr lang="zh-CN" altLang="en-US" spc="150" dirty="0" smtClean="0"/>
+                <a:t>象作者使</a:t>
+              </a:r>
+              <a:r>
+                <a:rPr lang="zh-CN" altLang="en-US" spc="150" dirty="0"/>
+                <a:t>用较深层的卷积特征进行艺术作品的内</a:t>
+              </a:r>
+              <a:r>
+                <a:rPr lang="zh-CN" altLang="en-US" spc="150" dirty="0" smtClean="0"/>
+                <a:t>容</a:t>
+              </a:r>
+              <a:endParaRPr lang="en-US" altLang="zh-CN" spc="150" dirty="0" smtClean="0"/>
+            </a:p>
+            <a:p>
+              <a:pPr>
+                <a:lnSpc>
+                  <a:spcPct val="150000"/>
+                </a:lnSpc>
+              </a:pPr>
+              <a:r>
+                <a:rPr lang="zh-CN" altLang="en-US" spc="150" dirty="0" smtClean="0"/>
+                <a:t>重构。</a:t>
+              </a:r>
+              <a:endParaRPr lang="en-US" altLang="zh-CN" spc="150" dirty="0"/>
+            </a:p>
+          </p:txBody>
+        </p:sp>
+      </p:grpSp>
+    </p:spTree>
+    <p:extLst>
+      <p:ext uri="{BB962C8B-B14F-4D97-AF65-F5344CB8AC3E}">
+        <p14:creationId xmlns:p14="http://schemas.microsoft.com/office/powerpoint/2010/main" val="354435498"/>
+      </p:ext>
+    </p:extLst>
+  </p:cSld>
+  <p:clrMapOvr>
+    <a:masterClrMapping/>
+  </p:clrMapOvr>
+  <p:timing>
+    <p:tnLst>
+      <p:par>
+        <p:cTn id="1" dur="indefinite" restart="never" nodeType="tmRoot"/>
+      </p:par>
+    </p:tnLst>
+  </p:timing>
+</p:sld>
+</file>
+
+<file path=ppt/slides/slide3.xml><?xml version="1.0" encoding="utf-8"?>
+<p:sld xmlns:a="http://schemas.openxmlformats.org/drawingml/2006/main" xmlns:r="http://schemas.openxmlformats.org/officeDocument/2006/relationships" xmlns:p="http://schemas.openxmlformats.org/presentationml/2006/main">
+  <p:cSld>
+    <p:spTree>
+      <p:nvGrpSpPr>
+        <p:cNvPr id="1" name=""/>
+        <p:cNvGrpSpPr/>
+        <p:nvPr/>
+      </p:nvGrpSpPr>
+      <p:grpSpPr>
+        <a:xfrm>
+          <a:off x="0" y="0"/>
+          <a:ext cx="0" cy="0"/>
+          <a:chOff x="0" y="0"/>
+          <a:chExt cx="0" cy="0"/>
+        </a:xfrm>
+      </p:grpSpPr>
+      <p:grpSp>
+        <p:nvGrpSpPr>
+          <p:cNvPr id="6" name="组合 5"/>
+          <p:cNvGrpSpPr/>
+          <p:nvPr/>
+        </p:nvGrpSpPr>
+        <p:grpSpPr>
+          <a:xfrm>
+            <a:off x="1272321" y="1266692"/>
+            <a:ext cx="7086029" cy="4138599"/>
+            <a:chOff x="1245118" y="1116735"/>
+            <a:chExt cx="7086029" cy="4138599"/>
+          </a:xfrm>
+        </p:grpSpPr>
+        <p:sp>
+          <p:nvSpPr>
+            <p:cNvPr id="3" name="TextBox 2"/>
+            <p:cNvSpPr txBox="1"/>
+            <p:nvPr/>
+          </p:nvSpPr>
+          <p:spPr>
+            <a:xfrm>
+              <a:off x="1245118" y="1116735"/>
+              <a:ext cx="5032147" cy="369332"/>
+            </a:xfrm>
+            <a:prstGeom prst="rect">
+              <a:avLst/>
+            </a:prstGeom>
+            <a:noFill/>
+          </p:spPr>
+          <p:txBody>
+            <a:bodyPr wrap="none" rtlCol="0">
+              <a:spAutoFit/>
+            </a:bodyPr>
+            <a:lstStyle/>
+            <a:p>
+              <a:r>
+                <a:rPr lang="zh-CN" altLang="en-US" b="1" dirty="0" smtClean="0"/>
+                <a:t>算法的重点在于算法中作者对艺术品风格的提取</a:t>
+              </a:r>
+              <a:endParaRPr lang="zh-CN" altLang="en-US" b="1" dirty="0"/>
+            </a:p>
+          </p:txBody>
+        </p:sp>
+        <p:sp>
+          <p:nvSpPr>
+            <p:cNvPr id="4" name="TextBox 3"/>
+            <p:cNvSpPr txBox="1"/>
+            <p:nvPr/>
+          </p:nvSpPr>
+          <p:spPr>
+            <a:xfrm>
+              <a:off x="1403648" y="1776016"/>
+              <a:ext cx="6762373" cy="1291379"/>
+            </a:xfrm>
+            <a:prstGeom prst="rect">
+              <a:avLst/>
+            </a:prstGeom>
+            <a:noFill/>
+          </p:spPr>
+          <p:txBody>
+            <a:bodyPr wrap="square" rtlCol="0">
+              <a:spAutoFit/>
+            </a:bodyPr>
+            <a:lstStyle/>
+            <a:p>
+              <a:pPr>
+                <a:lnSpc>
+                  <a:spcPct val="150000"/>
+                </a:lnSpc>
+              </a:pPr>
+              <a:r>
+                <a:rPr lang="zh-CN" altLang="en-US" dirty="0" smtClean="0"/>
+                <a:t>       </a:t>
+              </a:r>
+              <a:r>
+                <a:rPr lang="zh-CN" altLang="en-US" spc="150" dirty="0"/>
+                <a:t>在具体的操作中，作者使用特征空间获取纹理信息。此特征基于</a:t>
+              </a:r>
+              <a:r>
+                <a:rPr lang="en-US" altLang="zh-CN" spc="150" dirty="0"/>
+                <a:t>CNN</a:t>
+              </a:r>
+              <a:r>
+                <a:rPr lang="zh-CN" altLang="en-US" spc="150" dirty="0"/>
+                <a:t>的各个卷积阶段得到的特征，由不同特征图之间的相关性构成，在算法中作者使用格拉姆矩阵表示特征空</a:t>
+              </a:r>
+              <a:r>
+                <a:rPr lang="zh-CN" altLang="en-US" spc="150" dirty="0" smtClean="0"/>
+                <a:t>间。</a:t>
+              </a:r>
+              <a:endParaRPr lang="en-US" altLang="zh-CN" spc="150" dirty="0"/>
+            </a:p>
+          </p:txBody>
+        </p:sp>
+        <p:sp>
+          <p:nvSpPr>
+            <p:cNvPr id="5" name="TextBox 4"/>
+            <p:cNvSpPr txBox="1"/>
+            <p:nvPr/>
+          </p:nvSpPr>
+          <p:spPr>
+            <a:xfrm>
+              <a:off x="1394633" y="3501008"/>
+              <a:ext cx="6936514" cy="1754326"/>
+            </a:xfrm>
+            <a:prstGeom prst="rect">
+              <a:avLst/>
+            </a:prstGeom>
+            <a:noFill/>
+          </p:spPr>
+          <p:txBody>
+            <a:bodyPr wrap="none" rtlCol="0">
+              <a:spAutoFit/>
+            </a:bodyPr>
+            <a:lstStyle/>
+            <a:p>
+              <a:pPr>
+                <a:lnSpc>
+                  <a:spcPct val="150000"/>
+                </a:lnSpc>
+              </a:pPr>
+              <a:r>
+                <a:rPr lang="zh-CN" altLang="en-US" spc="150" dirty="0">
+                  <a:solidFill>
+                    <a:srgbClr val="FF0000"/>
+                  </a:solidFill>
+                </a:rPr>
+                <a:t>可以在艺术品的风格提取方面有自己的想法，比如考虑完全</a:t>
+              </a:r>
+              <a:r>
+                <a:rPr lang="zh-CN" altLang="en-US" spc="150" dirty="0" smtClean="0">
+                  <a:solidFill>
+                    <a:srgbClr val="FF0000"/>
+                  </a:solidFill>
+                </a:rPr>
+                <a:t>不</a:t>
+              </a:r>
+              <a:endParaRPr lang="en-US" altLang="zh-CN" spc="150" dirty="0" smtClean="0">
+                <a:solidFill>
+                  <a:srgbClr val="FF0000"/>
+                </a:solidFill>
+              </a:endParaRPr>
+            </a:p>
+            <a:p>
+              <a:pPr>
+                <a:lnSpc>
+                  <a:spcPct val="150000"/>
+                </a:lnSpc>
+              </a:pPr>
+              <a:r>
+                <a:rPr lang="zh-CN" altLang="en-US" spc="150" dirty="0" smtClean="0">
+                  <a:solidFill>
+                    <a:srgbClr val="FF0000"/>
+                  </a:solidFill>
+                </a:rPr>
+                <a:t>同的方</a:t>
+              </a:r>
+              <a:r>
+                <a:rPr lang="zh-CN" altLang="en-US" spc="150" dirty="0">
+                  <a:solidFill>
+                    <a:srgbClr val="FF0000"/>
+                  </a:solidFill>
+                </a:rPr>
+                <a:t>式提取风格，或者是在作者方法的基础上考虑不同卷</a:t>
+              </a:r>
+              <a:r>
+                <a:rPr lang="zh-CN" altLang="en-US" spc="150" dirty="0" smtClean="0">
+                  <a:solidFill>
+                    <a:srgbClr val="FF0000"/>
+                  </a:solidFill>
+                </a:rPr>
+                <a:t>积</a:t>
+              </a:r>
+              <a:endParaRPr lang="en-US" altLang="zh-CN" spc="150" dirty="0" smtClean="0">
+                <a:solidFill>
+                  <a:srgbClr val="FF0000"/>
+                </a:solidFill>
+              </a:endParaRPr>
+            </a:p>
+            <a:p>
+              <a:pPr>
+                <a:lnSpc>
+                  <a:spcPct val="150000"/>
+                </a:lnSpc>
+              </a:pPr>
+              <a:r>
+                <a:rPr lang="zh-CN" altLang="en-US" spc="150" dirty="0" smtClean="0">
+                  <a:solidFill>
+                    <a:srgbClr val="FF0000"/>
+                  </a:solidFill>
+                </a:rPr>
+                <a:t>特</a:t>
+              </a:r>
+              <a:r>
+                <a:rPr lang="zh-CN" altLang="en-US" spc="150" dirty="0">
+                  <a:solidFill>
+                    <a:srgbClr val="FF0000"/>
+                  </a:solidFill>
+                </a:rPr>
+                <a:t>征之</a:t>
+              </a:r>
+              <a:r>
+                <a:rPr lang="zh-CN" altLang="en-US" spc="150" dirty="0" smtClean="0">
+                  <a:solidFill>
+                    <a:srgbClr val="FF0000"/>
+                  </a:solidFill>
+                </a:rPr>
+                <a:t>间的</a:t>
+              </a:r>
+              <a:r>
+                <a:rPr lang="zh-CN" altLang="en-US" spc="150" dirty="0">
+                  <a:solidFill>
+                    <a:srgbClr val="FF0000"/>
+                  </a:solidFill>
+                </a:rPr>
+                <a:t>相关性（作者在文章中提到的是连续的卷积特征</a:t>
+              </a:r>
+              <a:r>
+                <a:rPr lang="zh-CN" altLang="en-US" spc="150" dirty="0" smtClean="0">
+                  <a:solidFill>
+                    <a:srgbClr val="FF0000"/>
+                  </a:solidFill>
+                </a:rPr>
+                <a:t>之</a:t>
+              </a:r>
+              <a:endParaRPr lang="en-US" altLang="zh-CN" spc="150" dirty="0" smtClean="0">
+                <a:solidFill>
+                  <a:srgbClr val="FF0000"/>
+                </a:solidFill>
+              </a:endParaRPr>
+            </a:p>
+            <a:p>
+              <a:pPr>
+                <a:lnSpc>
+                  <a:spcPct val="150000"/>
+                </a:lnSpc>
+              </a:pPr>
+              <a:r>
+                <a:rPr lang="zh-CN" altLang="en-US" spc="150" dirty="0" smtClean="0">
+                  <a:solidFill>
+                    <a:srgbClr val="FF0000"/>
+                  </a:solidFill>
+                </a:rPr>
+                <a:t>间</a:t>
+              </a:r>
+              <a:r>
+                <a:rPr lang="zh-CN" altLang="en-US" spc="150" dirty="0">
+                  <a:solidFill>
+                    <a:srgbClr val="FF0000"/>
+                  </a:solidFill>
+                </a:rPr>
+                <a:t>的相关性</a:t>
+              </a:r>
+              <a:r>
+                <a:rPr lang="zh-CN" altLang="en-US" spc="150" dirty="0" smtClean="0">
+                  <a:solidFill>
+                    <a:srgbClr val="FF0000"/>
+                  </a:solidFill>
+                </a:rPr>
+                <a:t>，对</a:t>
+              </a:r>
+              <a:r>
+                <a:rPr lang="zh-CN" altLang="en-US" spc="150" dirty="0">
+                  <a:solidFill>
+                    <a:srgbClr val="FF0000"/>
+                  </a:solidFill>
+                </a:rPr>
+                <a:t>于相隔的卷积特征之间的相关性）</a:t>
+              </a:r>
+              <a:endParaRPr lang="zh-CN" altLang="en-US" spc="150" dirty="0">
+                <a:solidFill>
+                  <a:srgbClr val="FF0000"/>
+                </a:solidFill>
+              </a:endParaRPr>
+            </a:p>
+          </p:txBody>
+        </p:sp>
+      </p:grpSp>
+      <p:sp>
+        <p:nvSpPr>
+          <p:cNvPr id="20" name="椭圆 19"/>
+          <p:cNvSpPr/>
+          <p:nvPr/>
+        </p:nvSpPr>
+        <p:spPr>
+          <a:xfrm>
+            <a:off x="1115616" y="825932"/>
+            <a:ext cx="216024" cy="216024"/>
+          </a:xfrm>
+          <a:prstGeom prst="ellipse">
+            <a:avLst/>
+          </a:prstGeom>
+        </p:spPr>
+        <p:style>
+          <a:lnRef idx="2">
+            <a:schemeClr val="accent1">
+              <a:shade val="50000"/>
+            </a:schemeClr>
+          </a:lnRef>
+          <a:fillRef idx="1">
+            <a:schemeClr val="accent1"/>
+          </a:fillRef>
+          <a:effectRef idx="0">
+            <a:schemeClr val="accent1"/>
+          </a:effectRef>
+          <a:fontRef idx="minor">
+            <a:schemeClr val="lt1"/>
+          </a:fontRef>
+        </p:style>
+        <p:txBody>
+          <a:bodyPr rtlCol="0" anchor="ctr"/>
+          <a:lstStyle/>
+          <a:p>
+            <a:pPr algn="ctr"/>
+            <a:endParaRPr lang="zh-CN" altLang="en-US"/>
+          </a:p>
+        </p:txBody>
+      </p:sp>
+    </p:spTree>
+    <p:extLst>
+      <p:ext uri="{BB962C8B-B14F-4D97-AF65-F5344CB8AC3E}">
+        <p14:creationId xmlns:p14="http://schemas.microsoft.com/office/powerpoint/2010/main" val="1958322324"/>
+      </p:ext>
+    </p:extLst>
+  </p:cSld>
+  <p:clrMapOvr>
+    <a:masterClrMapping/>
+  </p:clrMapOvr>
+  <p:timing>
+    <p:tnLst>
+      <p:par>
+        <p:cTn id="1" dur="indefinite" restart="never" nodeType="tmRoot"/>
+      </p:par>
+    </p:tnLst>
+  </p:timing>
+</p:sld>
+</file>
+
+<file path=ppt/slides/slide4.xml><?xml version="1.0" encoding="utf-8"?>
+<p:sld xmlns:a="http://schemas.openxmlformats.org/drawingml/2006/main" xmlns:r="http://schemas.openxmlformats.org/officeDocument/2006/relationships" xmlns:p="http://schemas.openxmlformats.org/presentationml/2006/main">
+  <p:cSld>
+    <p:spTree>
+      <p:nvGrpSpPr>
+        <p:cNvPr id="1" name=""/>
+        <p:cNvGrpSpPr/>
+        <p:nvPr/>
+      </p:nvGrpSpPr>
+      <p:grpSpPr>
+        <a:xfrm>
+          <a:off x="0" y="0"/>
+          <a:ext cx="0" cy="0"/>
+          <a:chOff x="0" y="0"/>
+          <a:chExt cx="0" cy="0"/>
+        </a:xfrm>
+      </p:grpSpPr>
+      <p:grpSp>
+        <p:nvGrpSpPr>
+          <p:cNvPr id="9" name="组合 8"/>
+          <p:cNvGrpSpPr/>
+          <p:nvPr/>
+        </p:nvGrpSpPr>
+        <p:grpSpPr>
+          <a:xfrm>
+            <a:off x="1043608" y="476672"/>
+            <a:ext cx="7345901" cy="5738182"/>
+            <a:chOff x="1124198" y="116632"/>
+            <a:chExt cx="7345901" cy="5738182"/>
+          </a:xfrm>
+        </p:grpSpPr>
+        <p:pic>
+          <p:nvPicPr>
+            <p:cNvPr id="2" name="Picture 2"/>
+            <p:cNvPicPr>
+              <a:picLocks noChangeAspect="1" noChangeArrowheads="1"/>
+            </p:cNvPicPr>
+            <p:nvPr/>
+          </p:nvPicPr>
+          <p:blipFill>
+            <a:blip r:embed="rId2">
+              <a:extLst>
+                <a:ext uri="{28A0092B-C50C-407E-A947-70E740481C1C}">
+                  <a14:useLocalDpi xmlns:a14="http://schemas.microsoft.com/office/drawing/2010/main" val="0"/>
+                </a:ext>
+              </a:extLst>
+            </a:blip>
+            <a:srcRect/>
+            <a:stretch>
+              <a:fillRect/>
+            </a:stretch>
+          </p:blipFill>
+          <p:spPr bwMode="auto">
+            <a:xfrm>
+              <a:off x="1614173" y="116632"/>
+              <a:ext cx="5653542" cy="3935901"/>
+            </a:xfrm>
+            <a:prstGeom prst="rect">
+              <a:avLst/>
+            </a:prstGeom>
+            <a:noFill/>
+            <a:ln>
+              <a:noFill/>
+            </a:ln>
+            <a:effectLst/>
+            <a:extLst>
+              <a:ext uri="{909E8E84-426E-40DD-AFC4-6F175D3DCCD1}">
+                <a14:hiddenFill xmlns:a14="http://schemas.microsoft.com/office/drawing/2010/main">
+                  <a:solidFill>
+                    <a:schemeClr val="accent1"/>
+                  </a:solidFill>
+                </a14:hiddenFill>
+              </a:ext>
+              <a:ext uri="{91240B29-F687-4F45-9708-019B960494DF}">
+                <a14:hiddenLine xmlns:a14="http://schemas.microsoft.com/office/drawing/2010/main" w="9525">
+                  <a:solidFill>
+                    <a:schemeClr val="tx1"/>
+                  </a:solidFill>
+                  <a:miter lim="800000"/>
+                  <a:headEnd/>
+                  <a:tailEnd/>
+                </a14:hiddenLine>
+              </a:ext>
+              <a:ext uri="{AF507438-7753-43E0-B8FC-AC1667EBCBE1}">
+                <a14:hiddenEffects xmlns:a14="http://schemas.microsoft.com/office/drawing/2010/main">
+                  <a:effectLst>
+                    <a:outerShdw dist="35921" dir="2700000" algn="ctr" rotWithShape="0">
+                      <a:schemeClr val="bg2"/>
+                    </a:outerShdw>
+                  </a:effectLst>
+                </a14:hiddenEffects>
+              </a:ext>
+            </a:extLst>
+          </p:spPr>
+        </p:pic>
+        <p:grpSp>
+          <p:nvGrpSpPr>
+            <p:cNvPr id="5" name="组合 4"/>
+            <p:cNvGrpSpPr/>
+            <p:nvPr/>
+          </p:nvGrpSpPr>
+          <p:grpSpPr>
+            <a:xfrm>
+              <a:off x="1124198" y="4112891"/>
+              <a:ext cx="7053835" cy="923330"/>
+              <a:chOff x="1135332" y="4251390"/>
+              <a:chExt cx="7053835" cy="923330"/>
+            </a:xfrm>
+          </p:grpSpPr>
+          <p:sp>
+            <p:nvSpPr>
+              <p:cNvPr id="3" name="椭圆 2"/>
+              <p:cNvSpPr/>
+              <p:nvPr/>
+            </p:nvSpPr>
+            <p:spPr>
+              <a:xfrm>
+                <a:off x="1135332" y="4509120"/>
+                <a:ext cx="130872" cy="130872"/>
+              </a:xfrm>
+              <a:prstGeom prst="ellipse">
+                <a:avLst/>
+              </a:prstGeom>
+            </p:spPr>
+            <p:style>
+              <a:lnRef idx="2">
+                <a:schemeClr val="accent1">
+                  <a:shade val="50000"/>
+                </a:schemeClr>
+              </a:lnRef>
+              <a:fillRef idx="1">
+                <a:schemeClr val="accent1"/>
+              </a:fillRef>
+              <a:effectRef idx="0">
+                <a:schemeClr val="accent1"/>
+              </a:effectRef>
+              <a:fontRef idx="minor">
+                <a:schemeClr val="lt1"/>
+              </a:fontRef>
+            </p:style>
+            <p:txBody>
+              <a:bodyPr rtlCol="0" anchor="ctr"/>
+              <a:lstStyle/>
+              <a:p>
+                <a:pPr algn="ctr"/>
+                <a:endParaRPr lang="zh-CN" altLang="en-US"/>
+              </a:p>
+            </p:txBody>
+          </p:sp>
+          <p:sp>
+            <p:nvSpPr>
+              <p:cNvPr id="4" name="TextBox 3"/>
+              <p:cNvSpPr txBox="1"/>
+              <p:nvPr/>
+            </p:nvSpPr>
+            <p:spPr>
+              <a:xfrm>
+                <a:off x="1480727" y="4251390"/>
+                <a:ext cx="6708440" cy="923330"/>
+              </a:xfrm>
+              <a:prstGeom prst="rect">
+                <a:avLst/>
+              </a:prstGeom>
+              <a:noFill/>
+            </p:spPr>
+            <p:txBody>
+              <a:bodyPr wrap="none" rtlCol="0">
+                <a:spAutoFit/>
+              </a:bodyPr>
+              <a:lstStyle/>
+              <a:p>
+                <a:r>
+                  <a:rPr lang="zh-CN" altLang="en-US" dirty="0" smtClean="0"/>
+                  <a:t>在</a:t>
+                </a:r>
+                <a:r>
+                  <a:rPr lang="en-US" altLang="zh-CN" dirty="0" smtClean="0"/>
+                  <a:t>style reconstruction </a:t>
+                </a:r>
+                <a:r>
+                  <a:rPr lang="zh-CN" altLang="en-US" dirty="0" smtClean="0"/>
+                  <a:t>中</a:t>
+                </a:r>
+                <a:r>
+                  <a:rPr lang="en-US" altLang="zh-CN" dirty="0" smtClean="0"/>
+                  <a:t>a</a:t>
+                </a:r>
+                <a:r>
+                  <a:rPr lang="zh-CN" altLang="en-US" dirty="0" smtClean="0"/>
+                  <a:t>至</a:t>
+                </a:r>
+                <a:r>
+                  <a:rPr lang="en-US" altLang="zh-CN" dirty="0" smtClean="0"/>
+                  <a:t>e</a:t>
+                </a:r>
+                <a:r>
+                  <a:rPr lang="zh-CN" altLang="en-US" dirty="0" smtClean="0"/>
+                  <a:t>表示的是随着相关卷积层数目的增加</a:t>
+                </a:r>
+                <a:endParaRPr lang="en-US" altLang="zh-CN" dirty="0" smtClean="0"/>
+              </a:p>
+              <a:p>
+                <a:r>
+                  <a:rPr lang="zh-CN" altLang="en-US" dirty="0" smtClean="0"/>
+                  <a:t>而得到的不同风格提取结果</a:t>
+                </a:r>
+                <a:r>
+                  <a:rPr lang="en-US" altLang="zh-CN" dirty="0" smtClean="0"/>
+                  <a:t> </a:t>
+                </a:r>
+                <a:r>
+                  <a:rPr lang="zh-CN" altLang="en-US" dirty="0" smtClean="0"/>
+                  <a:t>，</a:t>
+                </a:r>
+                <a:r>
+                  <a:rPr lang="en-US" altLang="zh-CN" dirty="0" smtClean="0"/>
+                  <a:t>a</a:t>
+                </a:r>
+                <a:r>
+                  <a:rPr lang="zh-CN" altLang="en-US" dirty="0" smtClean="0"/>
+                  <a:t>只有</a:t>
+                </a:r>
+                <a:r>
+                  <a:rPr lang="en-US" altLang="zh-CN" dirty="0" smtClean="0"/>
+                  <a:t>1</a:t>
+                </a:r>
+                <a:r>
+                  <a:rPr lang="zh-CN" altLang="en-US" dirty="0" smtClean="0"/>
+                  <a:t>层相关，</a:t>
+                </a:r>
+                <a:r>
+                  <a:rPr lang="en-US" altLang="zh-CN" dirty="0" smtClean="0"/>
+                  <a:t>e</a:t>
+                </a:r>
+                <a:r>
+                  <a:rPr lang="zh-CN" altLang="en-US" dirty="0" smtClean="0"/>
+                  <a:t>则考虑了</a:t>
+                </a:r>
+                <a:r>
+                  <a:rPr lang="en-US" altLang="zh-CN" dirty="0" smtClean="0"/>
+                  <a:t>5</a:t>
+                </a:r>
+                <a:r>
+                  <a:rPr lang="zh-CN" altLang="en-US" dirty="0" smtClean="0"/>
+                  <a:t>个层之</a:t>
+                </a:r>
+                <a:endParaRPr lang="en-US" altLang="zh-CN" dirty="0" smtClean="0"/>
+              </a:p>
+              <a:p>
+                <a:r>
+                  <a:rPr lang="zh-CN" altLang="en-US" dirty="0" smtClean="0"/>
+                  <a:t>间的相关性</a:t>
+                </a:r>
+                <a:endParaRPr lang="zh-CN" altLang="en-US" dirty="0"/>
+              </a:p>
+            </p:txBody>
+          </p:sp>
+        </p:grpSp>
+        <p:grpSp>
+          <p:nvGrpSpPr>
+            <p:cNvPr id="6" name="组合 5"/>
+            <p:cNvGrpSpPr/>
+            <p:nvPr/>
+          </p:nvGrpSpPr>
+          <p:grpSpPr>
+            <a:xfrm>
+              <a:off x="1124198" y="5208483"/>
+              <a:ext cx="7345901" cy="646331"/>
+              <a:chOff x="1135332" y="4251390"/>
+              <a:chExt cx="7345901" cy="646331"/>
+            </a:xfrm>
+          </p:grpSpPr>
+          <p:sp>
+            <p:nvSpPr>
+              <p:cNvPr id="7" name="椭圆 6"/>
+              <p:cNvSpPr/>
+              <p:nvPr/>
+            </p:nvSpPr>
+            <p:spPr>
+              <a:xfrm>
+                <a:off x="1135332" y="4509120"/>
+                <a:ext cx="130872" cy="130872"/>
+              </a:xfrm>
+              <a:prstGeom prst="ellipse">
+                <a:avLst/>
+              </a:prstGeom>
+            </p:spPr>
+            <p:style>
+              <a:lnRef idx="2">
+                <a:schemeClr val="accent1">
+                  <a:shade val="50000"/>
+                </a:schemeClr>
+              </a:lnRef>
+              <a:fillRef idx="1">
+                <a:schemeClr val="accent1"/>
+              </a:fillRef>
+              <a:effectRef idx="0">
+                <a:schemeClr val="accent1"/>
+              </a:effectRef>
+              <a:fontRef idx="minor">
+                <a:schemeClr val="lt1"/>
+              </a:fontRef>
+            </p:style>
+            <p:txBody>
+              <a:bodyPr rtlCol="0" anchor="ctr"/>
+              <a:lstStyle/>
+              <a:p>
+                <a:pPr algn="ctr"/>
+                <a:endParaRPr lang="zh-CN" altLang="en-US"/>
+              </a:p>
+            </p:txBody>
+          </p:sp>
+          <p:sp>
+            <p:nvSpPr>
+              <p:cNvPr id="8" name="TextBox 7"/>
+              <p:cNvSpPr txBox="1"/>
+              <p:nvPr/>
+            </p:nvSpPr>
+            <p:spPr>
+              <a:xfrm>
+                <a:off x="1480727" y="4251390"/>
+                <a:ext cx="7000506" cy="646331"/>
+              </a:xfrm>
+              <a:prstGeom prst="rect">
+                <a:avLst/>
+              </a:prstGeom>
+              <a:noFill/>
+            </p:spPr>
+            <p:txBody>
+              <a:bodyPr wrap="none" rtlCol="0">
+                <a:spAutoFit/>
+              </a:bodyPr>
+              <a:lstStyle/>
+              <a:p>
+                <a:r>
+                  <a:rPr lang="zh-CN" altLang="en-US" dirty="0" smtClean="0"/>
+                  <a:t>在</a:t>
+                </a:r>
+                <a:r>
+                  <a:rPr lang="en-US" altLang="zh-CN" dirty="0" smtClean="0"/>
+                  <a:t>content reconstruction </a:t>
+                </a:r>
+                <a:r>
+                  <a:rPr lang="zh-CN" altLang="en-US" dirty="0" smtClean="0"/>
+                  <a:t>中随着卷积层的加深，像素信息丢失严重，</a:t>
+                </a:r>
+                <a:endParaRPr lang="en-US" altLang="zh-CN" dirty="0" smtClean="0"/>
+              </a:p>
+              <a:p>
+                <a:r>
+                  <a:rPr lang="zh-CN" altLang="en-US" dirty="0" smtClean="0"/>
+                  <a:t>但特征之间的排列信息却保持完整</a:t>
+                </a:r>
+                <a:endParaRPr lang="zh-CN" altLang="en-US" dirty="0"/>
+              </a:p>
+            </p:txBody>
+          </p:sp>
+        </p:grpSp>
+      </p:grpSp>
+    </p:spTree>
+    <p:extLst>
+      <p:ext uri="{BB962C8B-B14F-4D97-AF65-F5344CB8AC3E}">
+        <p14:creationId xmlns:p14="http://schemas.microsoft.com/office/powerpoint/2010/main" val="2301124764"/>
+      </p:ext>
+    </p:extLst>
+  </p:cSld>
+  <p:clrMapOvr>
+    <a:masterClrMapping/>
+  </p:clrMapOvr>
+  <p:timing>
+    <p:tnLst>
+      <p:par>
+        <p:cTn id="1" dur="indefinite" restart="never" nodeType="tmRoot"/>
+      </p:par>
+    </p:tnLst>
+  </p:timing>
+</p:sld>
+</file>
+
+<file path=ppt/slides/slide5.xml><?xml version="1.0" encoding="utf-8"?>
+<p:sld xmlns:a="http://schemas.openxmlformats.org/drawingml/2006/main" xmlns:r="http://schemas.openxmlformats.org/officeDocument/2006/relationships" xmlns:p="http://schemas.openxmlformats.org/presentationml/2006/main">
+  <p:cSld>
+    <p:spTree>
+      <p:nvGrpSpPr>
+        <p:cNvPr id="1" name=""/>
+        <p:cNvGrpSpPr/>
+        <p:nvPr/>
+      </p:nvGrpSpPr>
+      <p:grpSpPr>
+        <a:xfrm>
+          <a:off x="0" y="0"/>
+          <a:ext cx="0" cy="0"/>
+          <a:chOff x="0" y="0"/>
+          <a:chExt cx="0" cy="0"/>
+        </a:xfrm>
+      </p:grpSpPr>
+      <p:grpSp>
+        <p:nvGrpSpPr>
+          <p:cNvPr id="3" name="组合 2"/>
+          <p:cNvGrpSpPr/>
+          <p:nvPr/>
+        </p:nvGrpSpPr>
+        <p:grpSpPr>
+          <a:xfrm>
+            <a:off x="611560" y="431429"/>
+            <a:ext cx="7776864" cy="5949900"/>
+            <a:chOff x="251520" y="103056"/>
+            <a:chExt cx="8496944" cy="6606645"/>
+          </a:xfrm>
+        </p:grpSpPr>
+        <p:sp>
+          <p:nvSpPr>
+            <p:cNvPr id="2" name="TextBox 1"/>
+            <p:cNvSpPr txBox="1"/>
+            <p:nvPr/>
+          </p:nvSpPr>
+          <p:spPr>
+            <a:xfrm>
+              <a:off x="251520" y="103056"/>
+              <a:ext cx="8496944" cy="830997"/>
+            </a:xfrm>
+            <a:prstGeom prst="rect">
+              <a:avLst/>
+            </a:prstGeom>
+            <a:noFill/>
+          </p:spPr>
+          <p:txBody>
+            <a:bodyPr wrap="square" rtlCol="0">
+              <a:spAutoFit/>
+            </a:bodyPr>
+            <a:lstStyle/>
+            <a:p>
+              <a:r>
+                <a:rPr lang="zh-CN" altLang="en-US" sz="1600" dirty="0"/>
+                <a:t>风格和内容之间不是毫无相关的融合到一起的</a:t>
+              </a:r>
+              <a:r>
+                <a:rPr lang="zh-CN" altLang="en-US" sz="1600" dirty="0" smtClean="0"/>
+                <a:t>，过</a:t>
+              </a:r>
+              <a:r>
+                <a:rPr lang="zh-CN" altLang="en-US" sz="1600" dirty="0"/>
+                <a:t>分强调风格会导致融合成的图片中显示出少</a:t>
+              </a:r>
+              <a:r>
+                <a:rPr lang="zh-CN" altLang="en-US" sz="1600" dirty="0" smtClean="0"/>
+                <a:t>量的</a:t>
+              </a:r>
+              <a:r>
+                <a:rPr lang="zh-CN" altLang="en-US" sz="1600" dirty="0"/>
+                <a:t>内容，即掩盖了内容的表达，反之亦然，所</a:t>
+              </a:r>
+              <a:r>
+                <a:rPr lang="zh-CN" altLang="en-US" sz="1600" dirty="0" smtClean="0"/>
+                <a:t>以需</a:t>
+              </a:r>
+              <a:r>
+                <a:rPr lang="zh-CN" altLang="en-US" sz="1600" dirty="0"/>
+                <a:t>要权衡两者之间的比重。继而</a:t>
+              </a:r>
+              <a:r>
+                <a:rPr lang="zh-CN" altLang="en-US" sz="1600" dirty="0" smtClean="0"/>
+                <a:t>在算法损</a:t>
+              </a:r>
+              <a:r>
+                <a:rPr lang="zh-CN" altLang="en-US" sz="1600" dirty="0"/>
+                <a:t>失函数最</a:t>
+              </a:r>
+              <a:r>
+                <a:rPr lang="zh-CN" altLang="en-US" sz="1600" dirty="0" smtClean="0"/>
+                <a:t>小化</a:t>
+              </a:r>
+              <a:r>
+                <a:rPr lang="zh-CN" altLang="en-US" sz="1600" dirty="0"/>
+                <a:t>中同时考虑了风格损失和内容损</a:t>
+              </a:r>
+              <a:r>
+                <a:rPr lang="zh-CN" altLang="en-US" sz="1600" dirty="0" smtClean="0"/>
+                <a:t>失。</a:t>
+              </a:r>
+              <a:endParaRPr lang="zh-CN" altLang="en-US" sz="1600" dirty="0"/>
+            </a:p>
+          </p:txBody>
+        </p:sp>
+        <p:pic>
+          <p:nvPicPr>
+            <p:cNvPr id="2051" name="Picture 3"/>
+            <p:cNvPicPr>
+              <a:picLocks noChangeAspect="1" noChangeArrowheads="1"/>
+            </p:cNvPicPr>
+            <p:nvPr/>
+          </p:nvPicPr>
+          <p:blipFill>
+            <a:blip r:embed="rId2">
+              <a:extLst>
+                <a:ext uri="{28A0092B-C50C-407E-A947-70E740481C1C}">
+                  <a14:useLocalDpi xmlns:a14="http://schemas.microsoft.com/office/drawing/2010/main" val="0"/>
+                </a:ext>
+              </a:extLst>
+            </a:blip>
+            <a:srcRect/>
+            <a:stretch>
+              <a:fillRect/>
+            </a:stretch>
+          </p:blipFill>
+          <p:spPr bwMode="auto">
+            <a:xfrm>
+              <a:off x="1619671" y="934053"/>
+              <a:ext cx="5904658" cy="5775648"/>
+            </a:xfrm>
+            <a:prstGeom prst="rect">
+              <a:avLst/>
+            </a:prstGeom>
+            <a:noFill/>
+            <a:ln>
+              <a:noFill/>
+            </a:ln>
+            <a:effectLst/>
+            <a:extLst>
+              <a:ext uri="{909E8E84-426E-40DD-AFC4-6F175D3DCCD1}">
+                <a14:hiddenFill xmlns:a14="http://schemas.microsoft.com/office/drawing/2010/main">
+                  <a:solidFill>
+                    <a:schemeClr val="accent1"/>
+                  </a:solidFill>
+                </a14:hiddenFill>
+              </a:ext>
+              <a:ext uri="{91240B29-F687-4F45-9708-019B960494DF}">
+                <a14:hiddenLine xmlns:a14="http://schemas.microsoft.com/office/drawing/2010/main" w="9525">
+                  <a:solidFill>
+                    <a:schemeClr val="tx1"/>
+                  </a:solidFill>
+                  <a:miter lim="800000"/>
+                  <a:headEnd/>
+                  <a:tailEnd/>
+                </a14:hiddenLine>
+              </a:ext>
+              <a:ext uri="{AF507438-7753-43E0-B8FC-AC1667EBCBE1}">
+                <a14:hiddenEffects xmlns:a14="http://schemas.microsoft.com/office/drawing/2010/main">
+                  <a:effectLst>
+                    <a:outerShdw dist="35921" dir="2700000" algn="ctr" rotWithShape="0">
+                      <a:schemeClr val="bg2"/>
+                    </a:outerShdw>
+                  </a:effectLst>
+                </a14:hiddenEffects>
+              </a:ext>
+            </a:extLst>
+          </p:spPr>
+        </p:pic>
+      </p:grpSp>
+    </p:spTree>
+    <p:extLst>
+      <p:ext uri="{BB962C8B-B14F-4D97-AF65-F5344CB8AC3E}">
+        <p14:creationId xmlns:p14="http://schemas.microsoft.com/office/powerpoint/2010/main" val="2301124764"/>
+      </p:ext>
+    </p:extLst>
+  </p:cSld>
+  <p:clrMapOvr>
+    <a:masterClrMapping/>
+  </p:clrMapOvr>
+  <p:timing>
+    <p:tnLst>
+      <p:par>
+        <p:cTn id="1" dur="indefinite" restart="never" nodeType="tmRoot"/>
+      </p:par>
+    </p:tnLst>
+  </p:timing>
+</p:sld>
+</file>
+
+<file path=ppt/slides/slide6.xml><?xml version="1.0" encoding="utf-8"?>
+<p:sld xmlns:a="http://schemas.openxmlformats.org/drawingml/2006/main" xmlns:r="http://schemas.openxmlformats.org/officeDocument/2006/relationships" xmlns:p="http://schemas.openxmlformats.org/presentationml/2006/main">
+  <p:cSld>
+    <p:spTree>
+      <p:nvGrpSpPr>
+        <p:cNvPr id="1" name=""/>
+        <p:cNvGrpSpPr/>
+        <p:nvPr/>
+      </p:nvGrpSpPr>
+      <p:grpSpPr>
+        <a:xfrm>
+          <a:off x="0" y="0"/>
+          <a:ext cx="0" cy="0"/>
+          <a:chOff x="0" y="0"/>
+          <a:chExt cx="0" cy="0"/>
+        </a:xfrm>
+      </p:grpSpPr>
+      <p:grpSp>
+        <p:nvGrpSpPr>
+          <p:cNvPr id="6" name="组合 5"/>
+          <p:cNvGrpSpPr/>
+          <p:nvPr/>
+        </p:nvGrpSpPr>
+        <p:grpSpPr>
+          <a:xfrm>
+            <a:off x="971600" y="825932"/>
+            <a:ext cx="7358107" cy="921590"/>
+            <a:chOff x="1115616" y="825932"/>
+            <a:chExt cx="7358107" cy="921590"/>
+          </a:xfrm>
+        </p:grpSpPr>
+        <p:sp>
+          <p:nvSpPr>
+            <p:cNvPr id="2" name="椭圆 1"/>
+            <p:cNvSpPr/>
+            <p:nvPr/>
+          </p:nvSpPr>
+          <p:spPr>
+            <a:xfrm>
+              <a:off x="1115616" y="825932"/>
+              <a:ext cx="216024" cy="216024"/>
+            </a:xfrm>
+            <a:prstGeom prst="ellipse">
+              <a:avLst/>
+            </a:prstGeom>
+          </p:spPr>
+          <p:style>
+            <a:lnRef idx="2">
+              <a:schemeClr val="accent1">
+                <a:shade val="50000"/>
+              </a:schemeClr>
+            </a:lnRef>
+            <a:fillRef idx="1">
+              <a:schemeClr val="accent1"/>
+            </a:fillRef>
+            <a:effectRef idx="0">
+              <a:schemeClr val="accent1"/>
+            </a:effectRef>
+            <a:fontRef idx="minor">
+              <a:schemeClr val="lt1"/>
+            </a:fontRef>
+          </p:style>
+          <p:txBody>
+            <a:bodyPr rtlCol="0" anchor="ctr"/>
+            <a:lstStyle/>
+            <a:p>
+              <a:pPr algn="ctr"/>
+              <a:endParaRPr lang="zh-CN" altLang="en-US"/>
+            </a:p>
+          </p:txBody>
+        </p:sp>
+        <p:sp>
+          <p:nvSpPr>
+            <p:cNvPr id="4" name="TextBox 3"/>
+            <p:cNvSpPr txBox="1"/>
+            <p:nvPr/>
+          </p:nvSpPr>
+          <p:spPr>
+            <a:xfrm>
+              <a:off x="1331640" y="1101191"/>
+              <a:ext cx="7142083" cy="646331"/>
+            </a:xfrm>
+            <a:prstGeom prst="rect">
+              <a:avLst/>
+            </a:prstGeom>
+            <a:noFill/>
+          </p:spPr>
+          <p:txBody>
+            <a:bodyPr wrap="none" rtlCol="0">
+              <a:spAutoFit/>
+            </a:bodyPr>
+            <a:lstStyle/>
+            <a:p>
+              <a:r>
+                <a:rPr lang="zh-CN" altLang="en-US" dirty="0"/>
+                <a:t>文</a:t>
+              </a:r>
+              <a:r>
+                <a:rPr lang="zh-CN" altLang="en-US" dirty="0" smtClean="0"/>
+                <a:t>章使用</a:t>
+              </a:r>
+              <a:r>
+                <a:rPr lang="en-US" altLang="zh-CN" dirty="0" smtClean="0"/>
+                <a:t>VGG-19</a:t>
+              </a:r>
+              <a:r>
+                <a:rPr lang="zh-CN" altLang="en-US" dirty="0" smtClean="0"/>
+                <a:t>模型实现算法，在实现的过程中，作者丢弃了全连接</a:t>
+              </a:r>
+              <a:endParaRPr lang="en-US" altLang="zh-CN" dirty="0" smtClean="0"/>
+            </a:p>
+            <a:p>
+              <a:r>
+                <a:rPr lang="zh-CN" altLang="en-US" dirty="0" smtClean="0"/>
+                <a:t>层，池化方法选择了</a:t>
+              </a:r>
+              <a:r>
+                <a:rPr lang="en-US" altLang="zh-CN" dirty="0" smtClean="0"/>
+                <a:t>average-pooling</a:t>
+              </a:r>
+              <a:r>
+                <a:rPr lang="zh-CN" altLang="en-US" dirty="0" smtClean="0"/>
+                <a:t>而不是</a:t>
+              </a:r>
+              <a:r>
+                <a:rPr lang="en-US" altLang="zh-CN" dirty="0" smtClean="0"/>
+                <a:t>VGG-19</a:t>
+              </a:r>
+              <a:r>
+                <a:rPr lang="zh-CN" altLang="en-US" dirty="0" smtClean="0"/>
+                <a:t>模型的</a:t>
+              </a:r>
+              <a:r>
+                <a:rPr lang="en-US" altLang="zh-CN" dirty="0" smtClean="0"/>
+                <a:t>max-pooling</a:t>
+              </a:r>
+              <a:endParaRPr lang="zh-CN" altLang="en-US" dirty="0"/>
+            </a:p>
+          </p:txBody>
+        </p:sp>
+      </p:grpSp>
+    </p:spTree>
+    <p:extLst>
+      <p:ext uri="{BB962C8B-B14F-4D97-AF65-F5344CB8AC3E}">
+        <p14:creationId xmlns:p14="http://schemas.microsoft.com/office/powerpoint/2010/main" val="2301124764"/>
+      </p:ext>
+    </p:extLst>
+  </p:cSld>
+  <p:clrMapOvr>
+    <a:masterClrMapping/>
+  </p:clrMapOvr>
+  <p:timing>
+    <p:tnLst>
+      <p:par>
+        <p:cTn id="1" dur="indefinite" restart="never" nodeType="tmRoot"/>
+      </p:par>
+    </p:tnLst>
+  </p:timing>
+</p:sld>
+</file>
+
+<file path=ppt/slides/slide7.xml><?xml version="1.0" encoding="utf-8"?>
+<p:sld xmlns:a="http://schemas.openxmlformats.org/drawingml/2006/main" xmlns:r="http://schemas.openxmlformats.org/officeDocument/2006/relationships" xmlns:p="http://schemas.openxmlformats.org/presentationml/2006/main">
+  <p:cSld>
+    <p:spTree>
+      <p:nvGrpSpPr>
+        <p:cNvPr id="1" name=""/>
+        <p:cNvGrpSpPr/>
+        <p:nvPr/>
+      </p:nvGrpSpPr>
+      <p:grpSpPr>
+        <a:xfrm>
+          <a:off x="0" y="0"/>
+          <a:ext cx="0" cy="0"/>
+          <a:chOff x="0" y="0"/>
+          <a:chExt cx="0" cy="0"/>
+        </a:xfrm>
+      </p:grpSpPr>
+    </p:spTree>
+    <p:extLst>
+      <p:ext uri="{BB962C8B-B14F-4D97-AF65-F5344CB8AC3E}">
+        <p14:creationId xmlns:p14="http://schemas.microsoft.com/office/powerpoint/2010/main" val="2301124764"/>
+      </p:ext>
+    </p:extLst>
+  </p:cSld>
+  <p:clrMapOvr>
+    <a:masterClrMapping/>
+  </p:clrMapOvr>
+  <p:timing>
+    <p:tnLst>
+      <p:par>
+        <p:cTn id="1" dur="indefinite" restart="never" nodeType="tmRoot"/>
+      </p:par>
+    </p:tnLst>
+  </p:timing>
+</p:sld>
+</file>
+
+<file path=ppt/slides/slide8.xml><?xml version="1.0" encoding="utf-8"?>
+<p:sld xmlns:a="http://schemas.openxmlformats.org/drawingml/2006/main" xmlns:r="http://schemas.openxmlformats.org/officeDocument/2006/relationships" xmlns:p="http://schemas.openxmlformats.org/presentationml/2006/main">
+  <p:cSld>
+    <p:spTree>
+      <p:nvGrpSpPr>
+        <p:cNvPr id="1" name=""/>
+        <p:cNvGrpSpPr/>
+        <p:nvPr/>
+      </p:nvGrpSpPr>
+      <p:grpSpPr>
+        <a:xfrm>
+          <a:off x="0" y="0"/>
+          <a:ext cx="0" cy="0"/>
+          <a:chOff x="0" y="0"/>
+          <a:chExt cx="0" cy="0"/>
+        </a:xfrm>
+      </p:grpSpPr>
+    </p:spTree>
+    <p:extLst>
+      <p:ext uri="{BB962C8B-B14F-4D97-AF65-F5344CB8AC3E}">
+        <p14:creationId xmlns:p14="http://schemas.microsoft.com/office/powerpoint/2010/main" val="2301124764"/>
+      </p:ext>
+    </p:extLst>
+  </p:cSld>
+  <p:clrMapOvr>
+    <a:masterClrMapping/>
+  </p:clrMapOvr>
+  <p:timing>
+    <p:tnLst>
+      <p:par>
+        <p:cTn id="1" dur="indefinite" restart="never" nodeType="tmRoot"/>
+      </p:par>
+    </p:tnLst>
+  </p:timing>
 </p:sld>
 </file>
 
@@ -3435,4 +5570,289 @@
   <a:objectDefaults/>
   <a:extraClrSchemeLst/>
 </a:theme>
+</file>
+
+<file path=ppt/theme/theme2.xml><?xml version="1.0" encoding="utf-8"?>
+<a:theme xmlns:a="http://schemas.openxmlformats.org/drawingml/2006/main" name="Office 主题​​">
+  <a:themeElements>
+    <a:clrScheme name="Office">
+      <a:dk1>
+        <a:sysClr val="windowText" lastClr="000000"/>
+      </a:dk1>
+      <a:lt1>
+        <a:sysClr val="window" lastClr="FFFFFF"/>
+      </a:lt1>
+      <a:dk2>
+        <a:srgbClr val="1F497D"/>
+      </a:dk2>
+      <a:lt2>
+        <a:srgbClr val="EEECE1"/>
+      </a:lt2>
+      <a:accent1>
+        <a:srgbClr val="4F81BD"/>
+      </a:accent1>
+      <a:accent2>
+        <a:srgbClr val="C0504D"/>
+      </a:accent2>
+      <a:accent3>
+        <a:srgbClr val="9BBB59"/>
+      </a:accent3>
+      <a:accent4>
+        <a:srgbClr val="8064A2"/>
+      </a:accent4>
+      <a:accent5>
+        <a:srgbClr val="4BACC6"/>
+      </a:accent5>
+      <a:accent6>
+        <a:srgbClr val="F79646"/>
+      </a:accent6>
+      <a:hlink>
+        <a:srgbClr val="0000FF"/>
+      </a:hlink>
+      <a:folHlink>
+        <a:srgbClr val="800080"/>
+      </a:folHlink>
+    </a:clrScheme>
+    <a:fontScheme name="Office">
+      <a:majorFont>
+        <a:latin typeface="Calibri"/>
+        <a:ea typeface=""/>
+        <a:cs typeface=""/>
+        <a:font script="Jpan" typeface="ＭＳ Ｐゴシック"/>
+        <a:font script="Hang" typeface="맑은 고딕"/>
+        <a:font script="Hans" typeface="宋体"/>
+        <a:font script="Hant" typeface="新細明體"/>
+        <a:font script="Arab" typeface="Times New Roman"/>
+        <a:font script="Hebr" typeface="Times New Roman"/>
+        <a:font script="Thai" typeface="Angsana New"/>
+        <a:font script="Ethi" typeface="Nyala"/>
+        <a:font script="Beng" typeface="Vrinda"/>
+        <a:font script="Gujr" typeface="Shruti"/>
+        <a:font script="Khmr" typeface="MoolBoran"/>
+        <a:font script="Knda" typeface="Tunga"/>
+        <a:font script="Guru" typeface="Raavi"/>
+        <a:font script="Cans" typeface="Euphemia"/>
+        <a:font script="Cher" typeface="Plantagenet Cherokee"/>
+        <a:font script="Yiii" typeface="Microsoft Yi Baiti"/>
+        <a:font script="Tibt" typeface="Microsoft Himalaya"/>
+        <a:font script="Thaa" typeface="MV Boli"/>
+        <a:font script="Deva" typeface="Mangal"/>
+        <a:font script="Telu" typeface="Gautami"/>
+        <a:font script="Taml" typeface="Latha"/>
+        <a:font script="Syrc" typeface="Estrangelo Edessa"/>
+        <a:font script="Orya" typeface="Kalinga"/>
+        <a:font script="Mlym" typeface="Kartika"/>
+        <a:font script="Laoo" typeface="DokChampa"/>
+        <a:font script="Sinh" typeface="Iskoola Pota"/>
+        <a:font script="Mong" typeface="Mongolian Baiti"/>
+        <a:font script="Viet" typeface="Times New Roman"/>
+        <a:font script="Uigh" typeface="Microsoft Uighur"/>
+        <a:font script="Geor" typeface="Sylfaen"/>
+      </a:majorFont>
+      <a:minorFont>
+        <a:latin typeface="Calibri"/>
+        <a:ea typeface=""/>
+        <a:cs typeface=""/>
+        <a:font script="Jpan" typeface="ＭＳ Ｐゴシック"/>
+        <a:font script="Hang" typeface="맑은 고딕"/>
+        <a:font script="Hans" typeface="宋体"/>
+        <a:font script="Hant" typeface="新細明體"/>
+        <a:font script="Arab" typeface="Arial"/>
+        <a:font script="Hebr" typeface="Arial"/>
+        <a:font script="Thai" typeface="Cordia New"/>
+        <a:font script="Ethi" typeface="Nyala"/>
+        <a:font script="Beng" typeface="Vrinda"/>
+        <a:font script="Gujr" typeface="Shruti"/>
+        <a:font script="Khmr" typeface="DaunPenh"/>
+        <a:font script="Knda" typeface="Tunga"/>
+        <a:font script="Guru" typeface="Raavi"/>
+        <a:font script="Cans" typeface="Euphemia"/>
+        <a:font script="Cher" typeface="Plantagenet Cherokee"/>
+        <a:font script="Yiii" typeface="Microsoft Yi Baiti"/>
+        <a:font script="Tibt" typeface="Microsoft Himalaya"/>
+        <a:font script="Thaa" typeface="MV Boli"/>
+        <a:font script="Deva" typeface="Mangal"/>
+        <a:font script="Telu" typeface="Gautami"/>
+        <a:font script="Taml" typeface="Latha"/>
+        <a:font script="Syrc" typeface="Estrangelo Edessa"/>
+        <a:font script="Orya" typeface="Kalinga"/>
+        <a:font script="Mlym" typeface="Kartika"/>
+        <a:font script="Laoo" typeface="DokChampa"/>
+        <a:font script="Sinh" typeface="Iskoola Pota"/>
+        <a:font script="Mong" typeface="Mongolian Baiti"/>
+        <a:font script="Viet" typeface="Arial"/>
+        <a:font script="Uigh" typeface="Microsoft Uighur"/>
+        <a:font script="Geor" typeface="Sylfaen"/>
+      </a:minorFont>
+    </a:fontScheme>
+    <a:fmtScheme name="Office">
+      <a:fillStyleLst>
+        <a:solidFill>
+          <a:schemeClr val="phClr"/>
+        </a:solidFill>
+        <a:gradFill rotWithShape="1">
+          <a:gsLst>
+            <a:gs pos="0">
+              <a:schemeClr val="phClr">
+                <a:tint val="50000"/>
+                <a:satMod val="300000"/>
+              </a:schemeClr>
+            </a:gs>
+            <a:gs pos="35000">
+              <a:schemeClr val="phClr">
+                <a:tint val="37000"/>
+                <a:satMod val="300000"/>
+              </a:schemeClr>
+            </a:gs>
+            <a:gs pos="100000">
+              <a:schemeClr val="phClr">
+                <a:tint val="15000"/>
+                <a:satMod val="350000"/>
+              </a:schemeClr>
+            </a:gs>
+          </a:gsLst>
+          <a:lin ang="16200000" scaled="1"/>
+        </a:gradFill>
+        <a:gradFill rotWithShape="1">
+          <a:gsLst>
+            <a:gs pos="0">
+              <a:schemeClr val="phClr">
+                <a:shade val="51000"/>
+                <a:satMod val="130000"/>
+              </a:schemeClr>
+            </a:gs>
+            <a:gs pos="80000">
+              <a:schemeClr val="phClr">
+                <a:shade val="93000"/>
+                <a:satMod val="130000"/>
+              </a:schemeClr>
+            </a:gs>
+            <a:gs pos="100000">
+              <a:schemeClr val="phClr">
+                <a:shade val="94000"/>
+                <a:satMod val="135000"/>
+              </a:schemeClr>
+            </a:gs>
+          </a:gsLst>
+          <a:lin ang="16200000" scaled="0"/>
+        </a:gradFill>
+      </a:fillStyleLst>
+      <a:lnStyleLst>
+        <a:ln w="9525" cap="flat" cmpd="sng" algn="ctr">
+          <a:solidFill>
+            <a:schemeClr val="phClr">
+              <a:shade val="95000"/>
+              <a:satMod val="105000"/>
+            </a:schemeClr>
+          </a:solidFill>
+          <a:prstDash val="solid"/>
+        </a:ln>
+        <a:ln w="25400" cap="flat" cmpd="sng" algn="ctr">
+          <a:solidFill>
+            <a:schemeClr val="phClr"/>
+          </a:solidFill>
+          <a:prstDash val="solid"/>
+        </a:ln>
+        <a:ln w="38100" cap="flat" cmpd="sng" algn="ctr">
+          <a:solidFill>
+            <a:schemeClr val="phClr"/>
+          </a:solidFill>
+          <a:prstDash val="solid"/>
+        </a:ln>
+      </a:lnStyleLst>
+      <a:effectStyleLst>
+        <a:effectStyle>
+          <a:effectLst>
+            <a:outerShdw blurRad="40000" dist="20000" dir="5400000" rotWithShape="0">
+              <a:srgbClr val="000000">
+                <a:alpha val="38000"/>
+              </a:srgbClr>
+            </a:outerShdw>
+          </a:effectLst>
+        </a:effectStyle>
+        <a:effectStyle>
+          <a:effectLst>
+            <a:outerShdw blurRad="40000" dist="23000" dir="5400000" rotWithShape="0">
+              <a:srgbClr val="000000">
+                <a:alpha val="35000"/>
+              </a:srgbClr>
+            </a:outerShdw>
+          </a:effectLst>
+        </a:effectStyle>
+        <a:effectStyle>
+          <a:effectLst>
+            <a:outerShdw blurRad="40000" dist="23000" dir="5400000" rotWithShape="0">
+              <a:srgbClr val="000000">
+                <a:alpha val="35000"/>
+              </a:srgbClr>
+            </a:outerShdw>
+          </a:effectLst>
+          <a:scene3d>
+            <a:camera prst="orthographicFront">
+              <a:rot lat="0" lon="0" rev="0"/>
+            </a:camera>
+            <a:lightRig rig="threePt" dir="t">
+              <a:rot lat="0" lon="0" rev="1200000"/>
+            </a:lightRig>
+          </a:scene3d>
+          <a:sp3d>
+            <a:bevelT w="63500" h="25400"/>
+          </a:sp3d>
+        </a:effectStyle>
+      </a:effectStyleLst>
+      <a:bgFillStyleLst>
+        <a:solidFill>
+          <a:schemeClr val="phClr"/>
+        </a:solidFill>
+        <a:gradFill rotWithShape="1">
+          <a:gsLst>
+            <a:gs pos="0">
+              <a:schemeClr val="phClr">
+                <a:tint val="40000"/>
+                <a:satMod val="350000"/>
+              </a:schemeClr>
+            </a:gs>
+            <a:gs pos="40000">
+              <a:schemeClr val="phClr">
+                <a:tint val="45000"/>
+                <a:shade val="99000"/>
+                <a:satMod val="350000"/>
+              </a:schemeClr>
+            </a:gs>
+            <a:gs pos="100000">
+              <a:schemeClr val="phClr">
+                <a:shade val="20000"/>
+                <a:satMod val="255000"/>
+              </a:schemeClr>
+            </a:gs>
+          </a:gsLst>
+          <a:path path="circle">
+            <a:fillToRect l="50000" t="-80000" r="50000" b="180000"/>
+          </a:path>
+        </a:gradFill>
+        <a:gradFill rotWithShape="1">
+          <a:gsLst>
+            <a:gs pos="0">
+              <a:schemeClr val="phClr">
+                <a:tint val="80000"/>
+                <a:satMod val="300000"/>
+              </a:schemeClr>
+            </a:gs>
+            <a:gs pos="100000">
+              <a:schemeClr val="phClr">
+                <a:shade val="30000"/>
+                <a:satMod val="200000"/>
+              </a:schemeClr>
+            </a:gs>
+          </a:gsLst>
+          <a:path path="circle">
+            <a:fillToRect l="50000" t="50000" r="50000" b="50000"/>
+          </a:path>
+        </a:gradFill>
+      </a:bgFillStyleLst>
+    </a:fmtScheme>
+  </a:themeElements>
+  <a:objectDefaults/>
+  <a:extraClrSchemeLst/>
+</a:theme>
 </file>
--- a/demo.pptx
+++ b/demo.pptx
@@ -4072,11 +4072,7 @@
               </a:pPr>
               <a:r>
                 <a:rPr lang="zh-CN" altLang="en-US" spc="150" dirty="0"/>
-                <a:t>基</a:t>
-              </a:r>
-              <a:r>
-                <a:rPr lang="zh-CN" altLang="en-US" spc="150" dirty="0"/>
-                <a:t>于上面的现</a:t>
+                <a:t>基于上面的现</a:t>
               </a:r>
               <a:r>
                 <a:rPr lang="zh-CN" altLang="en-US" spc="150" dirty="0" smtClean="0"/>
@@ -4414,11 +4410,6 @@
                 </a:rPr>
                 <a:t>于相隔的卷积特征之间的相关性）</a:t>
               </a:r>
-              <a:endParaRPr lang="zh-CN" altLang="en-US" spc="150" dirty="0">
-                <a:solidFill>
-                  <a:srgbClr val="FF0000"/>
-                </a:solidFill>
-              </a:endParaRPr>
             </a:p>
           </p:txBody>
         </p:sp>
@@ -4888,9 +4879,9 @@
         <p:grpSpPr>
           <a:xfrm>
             <a:off x="611560" y="431429"/>
-            <a:ext cx="7776864" cy="5949900"/>
+            <a:ext cx="7776864" cy="6110849"/>
             <a:chOff x="251520" y="103056"/>
-            <a:chExt cx="8496944" cy="6606645"/>
+            <a:chExt cx="8496944" cy="6785359"/>
           </a:xfrm>
         </p:grpSpPr>
         <p:sp>
@@ -4990,7 +4981,7 @@
           </p:blipFill>
           <p:spPr bwMode="auto">
             <a:xfrm>
-              <a:off x="1619671" y="934053"/>
+              <a:off x="1629988" y="1112767"/>
               <a:ext cx="5904658" cy="5775648"/>
             </a:xfrm>
             <a:prstGeom prst="rect">
@@ -5077,10 +5068,10 @@
         </p:nvGrpSpPr>
         <p:grpSpPr>
           <a:xfrm>
-            <a:off x="971600" y="825932"/>
-            <a:ext cx="7358107" cy="921590"/>
+            <a:off x="971600" y="501896"/>
+            <a:ext cx="7247501" cy="1198589"/>
             <a:chOff x="1115616" y="825932"/>
-            <a:chExt cx="7358107" cy="921590"/>
+            <a:chExt cx="7247501" cy="1198589"/>
           </a:xfrm>
         </p:grpSpPr>
         <p:sp>
@@ -5132,7 +5123,7 @@
           <p:spPr>
             <a:xfrm>
               <a:off x="1331640" y="1101191"/>
-              <a:ext cx="7142083" cy="646331"/>
+              <a:ext cx="7031477" cy="923330"/>
             </a:xfrm>
             <a:prstGeom prst="rect">
               <a:avLst/>
@@ -5159,14 +5150,81 @@
               </a:r>
               <a:r>
                 <a:rPr lang="zh-CN" altLang="en-US" dirty="0" smtClean="0"/>
-                <a:t>模型实现算法，在实现的过程中，作者丢弃了全连接</a:t>
+                <a:t>模</a:t>
+              </a:r>
+              <a:r>
+                <a:rPr lang="zh-CN" altLang="en-US" dirty="0" smtClean="0"/>
+                <a:t>型</a:t>
+              </a:r>
+              <a:r>
+                <a:rPr lang="zh-CN" altLang="en-US" dirty="0" smtClean="0"/>
+                <a:t>，</a:t>
+              </a:r>
+              <a:r>
+                <a:rPr lang="zh-CN" altLang="en-US" dirty="0"/>
+                <a:t>包含</a:t>
+              </a:r>
+              <a:r>
+                <a:rPr lang="en-US" altLang="zh-CN" dirty="0"/>
+                <a:t>16</a:t>
+              </a:r>
+              <a:r>
+                <a:rPr lang="zh-CN" altLang="en-US" dirty="0"/>
+                <a:t>个卷积层（分为</a:t>
+              </a:r>
+              <a:r>
+                <a:rPr lang="en-US" altLang="zh-CN" dirty="0"/>
+                <a:t>5</a:t>
+              </a:r>
+              <a:r>
+                <a:rPr lang="zh-CN" altLang="en-US" dirty="0"/>
+                <a:t>个卷积阶段</a:t>
+              </a:r>
+              <a:r>
+                <a:rPr lang="zh-CN" altLang="en-US" dirty="0" smtClean="0"/>
+                <a:t>），每个</a:t>
               </a:r>
               <a:endParaRPr lang="en-US" altLang="zh-CN" dirty="0" smtClean="0"/>
             </a:p>
             <a:p>
               <a:r>
                 <a:rPr lang="zh-CN" altLang="en-US" dirty="0" smtClean="0"/>
-                <a:t>层，池化方法选择了</a:t>
+                <a:t>阶段</a:t>
+              </a:r>
+              <a:r>
+                <a:rPr lang="zh-CN" altLang="en-US" dirty="0"/>
+                <a:t>末尾都有 </a:t>
+              </a:r>
+              <a:r>
+                <a:rPr lang="en-US" altLang="zh-CN" dirty="0"/>
+                <a:t>pooling </a:t>
+              </a:r>
+              <a:r>
+                <a:rPr lang="zh-CN" altLang="en-US" dirty="0" smtClean="0"/>
+                <a:t>层</a:t>
+              </a:r>
+              <a:r>
+                <a:rPr lang="zh-CN" altLang="en-US" dirty="0" smtClean="0"/>
+                <a:t>在</a:t>
+              </a:r>
+              <a:r>
+                <a:rPr lang="zh-CN" altLang="en-US" dirty="0" smtClean="0"/>
+                <a:t>实现的过程中，作者丢弃了全连</a:t>
+              </a:r>
+              <a:r>
+                <a:rPr lang="zh-CN" altLang="en-US" dirty="0" smtClean="0"/>
+                <a:t>接层，池</a:t>
+              </a:r>
+              <a:endParaRPr lang="en-US" altLang="zh-CN" dirty="0" smtClean="0"/>
+            </a:p>
+            <a:p>
+              <a:r>
+                <a:rPr lang="zh-CN" altLang="en-US" dirty="0" smtClean="0"/>
+                <a:t>化</a:t>
+              </a:r>
+              <a:r>
+                <a:rPr lang="zh-CN" altLang="en-US" dirty="0" smtClean="0"/>
+                <a:t>方法选择了</a:t>
               </a:r>
               <a:r>
                 <a:rPr lang="en-US" altLang="zh-CN" dirty="0" smtClean="0"/>
@@ -5187,6 +5245,588 @@
               <a:r>
                 <a:rPr lang="en-US" altLang="zh-CN" dirty="0" smtClean="0"/>
                 <a:t>max-pooling</a:t>
+              </a:r>
+              <a:endParaRPr lang="zh-CN" altLang="en-US" dirty="0"/>
+            </a:p>
+          </p:txBody>
+        </p:sp>
+      </p:grpSp>
+      <p:grpSp>
+        <p:nvGrpSpPr>
+          <p:cNvPr id="15" name="组合 14"/>
+          <p:cNvGrpSpPr/>
+          <p:nvPr/>
+        </p:nvGrpSpPr>
+        <p:grpSpPr>
+          <a:xfrm>
+            <a:off x="1176681" y="1916832"/>
+            <a:ext cx="6933052" cy="4455213"/>
+            <a:chOff x="1176681" y="1916832"/>
+            <a:chExt cx="6933052" cy="4455213"/>
+          </a:xfrm>
+        </p:grpSpPr>
+        <p:pic>
+          <p:nvPicPr>
+            <p:cNvPr id="1026" name="Picture 2"/>
+            <p:cNvPicPr>
+              <a:picLocks noChangeAspect="1" noChangeArrowheads="1"/>
+            </p:cNvPicPr>
+            <p:nvPr/>
+          </p:nvPicPr>
+          <p:blipFill>
+            <a:blip r:embed="rId2">
+              <a:extLst>
+                <a:ext uri="{28A0092B-C50C-407E-A947-70E740481C1C}">
+                  <a14:useLocalDpi xmlns:a14="http://schemas.microsoft.com/office/drawing/2010/main" val="0"/>
+                </a:ext>
+              </a:extLst>
+            </a:blip>
+            <a:srcRect/>
+            <a:stretch>
+              <a:fillRect/>
+            </a:stretch>
+          </p:blipFill>
+          <p:spPr bwMode="auto">
+            <a:xfrm>
+              <a:off x="2535165" y="2982130"/>
+              <a:ext cx="4237970" cy="1085334"/>
+            </a:xfrm>
+            <a:prstGeom prst="rect">
+              <a:avLst/>
+            </a:prstGeom>
+            <a:noFill/>
+            <a:ln>
+              <a:noFill/>
+            </a:ln>
+            <a:effectLst/>
+            <a:extLst>
+              <a:ext uri="{909E8E84-426E-40DD-AFC4-6F175D3DCCD1}">
+                <a14:hiddenFill xmlns:a14="http://schemas.microsoft.com/office/drawing/2010/main">
+                  <a:solidFill>
+                    <a:schemeClr val="accent1"/>
+                  </a:solidFill>
+                </a14:hiddenFill>
+              </a:ext>
+              <a:ext uri="{91240B29-F687-4F45-9708-019B960494DF}">
+                <a14:hiddenLine xmlns:a14="http://schemas.microsoft.com/office/drawing/2010/main" w="9525">
+                  <a:solidFill>
+                    <a:schemeClr val="tx1"/>
+                  </a:solidFill>
+                  <a:miter lim="800000"/>
+                  <a:headEnd/>
+                  <a:tailEnd/>
+                </a14:hiddenLine>
+              </a:ext>
+              <a:ext uri="{AF507438-7753-43E0-B8FC-AC1667EBCBE1}">
+                <a14:hiddenEffects xmlns:a14="http://schemas.microsoft.com/office/drawing/2010/main">
+                  <a:effectLst>
+                    <a:outerShdw dist="35921" dir="2700000" algn="ctr" rotWithShape="0">
+                      <a:schemeClr val="bg2"/>
+                    </a:outerShdw>
+                  </a:effectLst>
+                </a14:hiddenEffects>
+              </a:ext>
+            </a:extLst>
+          </p:spPr>
+        </p:pic>
+        <p:pic>
+          <p:nvPicPr>
+            <p:cNvPr id="1027" name="Picture 3"/>
+            <p:cNvPicPr>
+              <a:picLocks noChangeAspect="1" noChangeArrowheads="1"/>
+            </p:cNvPicPr>
+            <p:nvPr/>
+          </p:nvPicPr>
+          <p:blipFill>
+            <a:blip r:embed="rId3">
+              <a:extLst>
+                <a:ext uri="{28A0092B-C50C-407E-A947-70E740481C1C}">
+                  <a14:useLocalDpi xmlns:a14="http://schemas.microsoft.com/office/drawing/2010/main" val="0"/>
+                </a:ext>
+              </a:extLst>
+            </a:blip>
+            <a:srcRect/>
+            <a:stretch>
+              <a:fillRect/>
+            </a:stretch>
+          </p:blipFill>
+          <p:spPr bwMode="auto">
+            <a:xfrm>
+              <a:off x="2654051" y="4875480"/>
+              <a:ext cx="3685409" cy="792088"/>
+            </a:xfrm>
+            <a:prstGeom prst="rect">
+              <a:avLst/>
+            </a:prstGeom>
+            <a:noFill/>
+            <a:ln>
+              <a:noFill/>
+            </a:ln>
+            <a:effectLst/>
+            <a:extLst>
+              <a:ext uri="{909E8E84-426E-40DD-AFC4-6F175D3DCCD1}">
+                <a14:hiddenFill xmlns:a14="http://schemas.microsoft.com/office/drawing/2010/main">
+                  <a:solidFill>
+                    <a:schemeClr val="accent1"/>
+                  </a:solidFill>
+                </a14:hiddenFill>
+              </a:ext>
+              <a:ext uri="{91240B29-F687-4F45-9708-019B960494DF}">
+                <a14:hiddenLine xmlns:a14="http://schemas.microsoft.com/office/drawing/2010/main" w="9525">
+                  <a:solidFill>
+                    <a:schemeClr val="tx1"/>
+                  </a:solidFill>
+                  <a:miter lim="800000"/>
+                  <a:headEnd/>
+                  <a:tailEnd/>
+                </a14:hiddenLine>
+              </a:ext>
+              <a:ext uri="{AF507438-7753-43E0-B8FC-AC1667EBCBE1}">
+                <a14:hiddenEffects xmlns:a14="http://schemas.microsoft.com/office/drawing/2010/main">
+                  <a:effectLst>
+                    <a:outerShdw dist="35921" dir="2700000" algn="ctr" rotWithShape="0">
+                      <a:schemeClr val="bg2"/>
+                    </a:outerShdw>
+                  </a:effectLst>
+                </a14:hiddenEffects>
+              </a:ext>
+            </a:extLst>
+          </p:spPr>
+        </p:pic>
+        <p:grpSp>
+          <p:nvGrpSpPr>
+            <p:cNvPr id="9" name="组合 8"/>
+            <p:cNvGrpSpPr/>
+            <p:nvPr/>
+          </p:nvGrpSpPr>
+          <p:grpSpPr>
+            <a:xfrm>
+              <a:off x="1176681" y="1916832"/>
+              <a:ext cx="6933052" cy="1303432"/>
+              <a:chOff x="1187624" y="2362726"/>
+              <a:chExt cx="6933052" cy="1303432"/>
+            </a:xfrm>
+          </p:grpSpPr>
+          <p:sp>
+            <p:nvSpPr>
+              <p:cNvPr id="7" name="TextBox 6"/>
+              <p:cNvSpPr txBox="1"/>
+              <p:nvPr/>
+            </p:nvSpPr>
+            <p:spPr>
+              <a:xfrm>
+                <a:off x="1187624" y="2362726"/>
+                <a:ext cx="2499659" cy="369332"/>
+              </a:xfrm>
+              <a:prstGeom prst="rect">
+                <a:avLst/>
+              </a:prstGeom>
+              <a:noFill/>
+            </p:spPr>
+            <p:txBody>
+              <a:bodyPr wrap="none" rtlCol="0">
+                <a:spAutoFit/>
+              </a:bodyPr>
+              <a:lstStyle/>
+              <a:p>
+                <a:r>
+                  <a:rPr lang="en-US" altLang="zh-CN" b="1" dirty="0" smtClean="0"/>
+                  <a:t>Content Reconstruction:</a:t>
+                </a:r>
+                <a:endParaRPr lang="zh-CN" altLang="en-US" b="1" dirty="0"/>
+              </a:p>
+            </p:txBody>
+          </p:sp>
+          <p:sp>
+            <p:nvSpPr>
+              <p:cNvPr id="8" name="TextBox 7"/>
+              <p:cNvSpPr txBox="1"/>
+              <p:nvPr/>
+            </p:nvSpPr>
+            <p:spPr>
+              <a:xfrm>
+                <a:off x="1187624" y="2742828"/>
+                <a:ext cx="6933052" cy="923330"/>
+              </a:xfrm>
+              <a:prstGeom prst="rect">
+                <a:avLst/>
+              </a:prstGeom>
+              <a:noFill/>
+            </p:spPr>
+            <p:txBody>
+              <a:bodyPr wrap="none" rtlCol="0">
+                <a:spAutoFit/>
+              </a:bodyPr>
+              <a:lstStyle/>
+              <a:p>
+                <a:r>
+                  <a:rPr lang="zh-CN" altLang="en-US" dirty="0"/>
+                  <a:t>将</a:t>
+                </a:r>
+                <a:r>
+                  <a:rPr lang="en-US" altLang="zh-CN" dirty="0"/>
+                  <a:t>content</a:t>
+                </a:r>
+                <a:r>
+                  <a:rPr lang="zh-CN" altLang="en-US" dirty="0"/>
+                  <a:t>图片</a:t>
+                </a:r>
+                <a:r>
+                  <a:rPr lang="en-US" altLang="zh-CN" dirty="0"/>
+                  <a:t>p</a:t>
+                </a:r>
+                <a:r>
+                  <a:rPr lang="zh-CN" altLang="en-US" dirty="0"/>
+                  <a:t>和一张随机生成的图片</a:t>
+                </a:r>
+                <a:r>
+                  <a:rPr lang="en-US" altLang="zh-CN" dirty="0"/>
+                  <a:t>x</a:t>
+                </a:r>
+                <a:r>
+                  <a:rPr lang="zh-CN" altLang="en-US" dirty="0"/>
+                  <a:t>，都经过</a:t>
+                </a:r>
+                <a:r>
+                  <a:rPr lang="en-US" altLang="zh-CN" dirty="0"/>
+                  <a:t>VGG-19</a:t>
+                </a:r>
+                <a:r>
+                  <a:rPr lang="zh-CN" altLang="en-US" dirty="0"/>
+                  <a:t>的卷积网</a:t>
+                </a:r>
+                <a:r>
+                  <a:rPr lang="zh-CN" altLang="en-US" dirty="0" smtClean="0"/>
+                  <a:t>络</a:t>
+                </a:r>
+                <a:endParaRPr lang="en-US" altLang="zh-CN" dirty="0" smtClean="0"/>
+              </a:p>
+              <a:p>
+                <a:r>
+                  <a:rPr lang="zh-CN" altLang="en-US" dirty="0" smtClean="0"/>
+                  <a:t>进</a:t>
+                </a:r>
+                <a:r>
+                  <a:rPr lang="zh-CN" altLang="en-US" dirty="0"/>
+                  <a:t>行特征变换，获取某</a:t>
+                </a:r>
+                <a:r>
+                  <a:rPr lang="zh-CN" altLang="en-US" dirty="0" smtClean="0"/>
+                  <a:t>些</a:t>
+                </a:r>
+                <a:r>
+                  <a:rPr lang="zh-CN" altLang="en-US" dirty="0"/>
+                  <a:t>卷</a:t>
+                </a:r>
+                <a:r>
+                  <a:rPr lang="zh-CN" altLang="en-US" dirty="0" smtClean="0"/>
+                  <a:t>积层输</a:t>
+                </a:r>
+                <a:r>
+                  <a:rPr lang="zh-CN" altLang="en-US" dirty="0"/>
+                  <a:t>出的特征变换结果，要求二</a:t>
+                </a:r>
+                <a:r>
+                  <a:rPr lang="zh-CN" altLang="en-US" dirty="0" smtClean="0"/>
+                  <a:t>者</a:t>
+                </a:r>
+                <a:endParaRPr lang="en-US" altLang="zh-CN" dirty="0" smtClean="0"/>
+              </a:p>
+              <a:p>
+                <a:r>
+                  <a:rPr lang="zh-CN" altLang="en-US" dirty="0" smtClean="0"/>
+                  <a:t>的差异</a:t>
+                </a:r>
+                <a:r>
+                  <a:rPr lang="zh-CN" altLang="en-US" dirty="0"/>
+                  <a:t>最小。二者在</a:t>
+                </a:r>
+                <a:r>
+                  <a:rPr lang="en-US" altLang="zh-CN" dirty="0"/>
+                  <a:t>l</a:t>
+                </a:r>
+                <a:r>
+                  <a:rPr lang="zh-CN" altLang="en-US" dirty="0"/>
+                  <a:t>层的损失函数定义如下</a:t>
+                </a:r>
+                <a:endParaRPr lang="zh-CN" altLang="en-US" dirty="0"/>
+              </a:p>
+            </p:txBody>
+          </p:sp>
+        </p:grpSp>
+        <p:grpSp>
+          <p:nvGrpSpPr>
+            <p:cNvPr id="12" name="组合 11"/>
+            <p:cNvGrpSpPr/>
+            <p:nvPr/>
+          </p:nvGrpSpPr>
+          <p:grpSpPr>
+            <a:xfrm>
+              <a:off x="1187624" y="3941906"/>
+              <a:ext cx="4021935" cy="708399"/>
+              <a:chOff x="1475656" y="4293096"/>
+              <a:chExt cx="4021935" cy="708399"/>
+            </a:xfrm>
+          </p:grpSpPr>
+          <mc:AlternateContent xmlns:mc="http://schemas.openxmlformats.org/markup-compatibility/2006">
+            <mc:Choice xmlns:a14="http://schemas.microsoft.com/office/drawing/2010/main" Requires="a14">
+              <p:sp>
+                <p:nvSpPr>
+                  <p:cNvPr id="10" name="TextBox 9"/>
+                  <p:cNvSpPr txBox="1"/>
+                  <p:nvPr/>
+                </p:nvSpPr>
+                <p:spPr>
+                  <a:xfrm>
+                    <a:off x="1475656" y="4293096"/>
+                    <a:ext cx="451619" cy="708399"/>
+                  </a:xfrm>
+                  <a:prstGeom prst="rect">
+                    <a:avLst/>
+                  </a:prstGeom>
+                  <a:noFill/>
+                </p:spPr>
+                <p:txBody>
+                  <a:bodyPr wrap="square" rtlCol="0">
+                    <a:spAutoFit/>
+                  </a:bodyPr>
+                  <a:lstStyle/>
+                  <a:p>
+                    <a14:m>
+                      <m:oMathPara xmlns:m="http://schemas.openxmlformats.org/officeDocument/2006/math">
+                        <m:oMathParaPr>
+                          <m:jc m:val="centerGroup"/>
+                        </m:oMathParaPr>
+                        <m:oMath xmlns:m="http://schemas.openxmlformats.org/officeDocument/2006/math">
+                          <m:sSubSup>
+                            <m:sSubSupPr>
+                              <m:ctrlPr>
+                                <a:rPr lang="zh-CN" altLang="en-US" sz="1600"/>
+                              </m:ctrlPr>
+                            </m:sSubSupPr>
+                            <m:e>
+                              <m:r>
+                                <m:rPr>
+                                  <m:nor/>
+                                </m:rPr>
+                                <a:rPr lang="zh-CN" altLang="en-US" sz="1600"/>
+                                <m:t>F</m:t>
+                              </m:r>
+                            </m:e>
+                            <m:sub>
+                              <m:r>
+                                <m:rPr>
+                                  <m:nor/>
+                                </m:rPr>
+                                <a:rPr lang="zh-CN" altLang="en-US" sz="1600" i="1"/>
+                                <m:t>ij</m:t>
+                              </m:r>
+                            </m:sub>
+                            <m:sup>
+                              <m:r>
+                                <m:rPr>
+                                  <m:nor/>
+                                </m:rPr>
+                                <a:rPr lang="zh-CN" altLang="en-US" sz="1600" i="1"/>
+                                <m:t>l</m:t>
+                              </m:r>
+                            </m:sup>
+                          </m:sSubSup>
+                        </m:oMath>
+                      </m:oMathPara>
+                    </a14:m>
+                    <a:r>
+                      <a:rPr lang="en-US" altLang="zh-CN" sz="1600" dirty="0"/>
+                      <a:t/>
+                    </a:r>
+                    <a:br>
+                      <a:rPr lang="en-US" altLang="zh-CN" sz="1600" dirty="0"/>
+                    </a:br>
+                    <a:endParaRPr lang="zh-CN" altLang="en-US" sz="1600" dirty="0"/>
+                  </a:p>
+                </p:txBody>
+              </p:sp>
+            </mc:Choice>
+            <mc:Fallback>
+              <p:sp>
+                <p:nvSpPr>
+                  <p:cNvPr id="10" name="TextBox 9"/>
+                  <p:cNvSpPr txBox="1">
+                    <a:spLocks noRot="1" noChangeAspect="1" noMove="1" noResize="1" noEditPoints="1" noAdjustHandles="1" noChangeArrowheads="1" noChangeShapeType="1" noTextEdit="1"/>
+                  </p:cNvSpPr>
+                  <p:nvPr/>
+                </p:nvSpPr>
+                <p:spPr>
+                  <a:xfrm>
+                    <a:off x="1475656" y="4293096"/>
+                    <a:ext cx="451619" cy="708399"/>
+                  </a:xfrm>
+                  <a:prstGeom prst="rect">
+                    <a:avLst/>
+                  </a:prstGeom>
+                  <a:blipFill rotWithShape="1">
+                    <a:blip r:embed="rId4"/>
+                    <a:stretch>
+                      <a:fillRect/>
+                    </a:stretch>
+                  </a:blipFill>
+                </p:spPr>
+                <p:txBody>
+                  <a:bodyPr/>
+                  <a:lstStyle/>
+                  <a:p>
+                    <a:r>
+                      <a:rPr lang="zh-CN" altLang="en-US">
+                        <a:noFill/>
+                      </a:rPr>
+                      <a:t> </a:t>
+                    </a:r>
+                  </a:p>
+                </p:txBody>
+              </p:sp>
+            </mc:Fallback>
+          </mc:AlternateContent>
+          <p:sp>
+            <p:nvSpPr>
+              <p:cNvPr id="11" name="TextBox 10"/>
+              <p:cNvSpPr txBox="1"/>
+              <p:nvPr/>
+            </p:nvSpPr>
+            <p:spPr>
+              <a:xfrm>
+                <a:off x="1887307" y="4414205"/>
+                <a:ext cx="3610284" cy="338554"/>
+              </a:xfrm>
+              <a:prstGeom prst="rect">
+                <a:avLst/>
+              </a:prstGeom>
+              <a:noFill/>
+            </p:spPr>
+            <p:txBody>
+              <a:bodyPr wrap="none" rtlCol="0">
+                <a:spAutoFit/>
+              </a:bodyPr>
+              <a:lstStyle/>
+              <a:p>
+                <a:r>
+                  <a:rPr lang="zh-CN" altLang="en-US" sz="1600" dirty="0" smtClean="0"/>
+                  <a:t>表示第</a:t>
+                </a:r>
+                <a:r>
+                  <a:rPr lang="en-US" altLang="zh-CN" sz="1600" dirty="0" smtClean="0"/>
+                  <a:t>l</a:t>
+                </a:r>
+                <a:r>
+                  <a:rPr lang="zh-CN" altLang="en-US" sz="1600" dirty="0" smtClean="0"/>
+                  <a:t>卷积层第</a:t>
+                </a:r>
+                <a:r>
+                  <a:rPr lang="en-US" altLang="zh-CN" sz="1600" dirty="0" smtClean="0"/>
+                  <a:t>i</a:t>
+                </a:r>
+                <a:r>
+                  <a:rPr lang="zh-CN" altLang="en-US" sz="1600" dirty="0" smtClean="0"/>
+                  <a:t>个卷积核的位置</a:t>
+                </a:r>
+                <a:r>
+                  <a:rPr lang="en-US" altLang="zh-CN" sz="1600" dirty="0" smtClean="0"/>
+                  <a:t>j</a:t>
+                </a:r>
+                <a:r>
+                  <a:rPr lang="zh-CN" altLang="en-US" sz="1600" dirty="0" smtClean="0"/>
+                  <a:t>的值</a:t>
+                </a:r>
+                <a:endParaRPr lang="zh-CN" altLang="en-US" sz="1600" dirty="0"/>
+              </a:p>
+            </p:txBody>
+          </p:sp>
+        </p:grpSp>
+        <p:sp>
+          <p:nvSpPr>
+            <p:cNvPr id="13" name="TextBox 12"/>
+            <p:cNvSpPr txBox="1"/>
+            <p:nvPr/>
+          </p:nvSpPr>
+          <p:spPr>
+            <a:xfrm>
+              <a:off x="1187624" y="4483983"/>
+              <a:ext cx="1898277" cy="369332"/>
+            </a:xfrm>
+            <a:prstGeom prst="rect">
+              <a:avLst/>
+            </a:prstGeom>
+            <a:noFill/>
+          </p:spPr>
+          <p:txBody>
+            <a:bodyPr wrap="none" rtlCol="0">
+              <a:spAutoFit/>
+            </a:bodyPr>
+            <a:lstStyle/>
+            <a:p>
+              <a:r>
+                <a:rPr lang="zh-CN" altLang="en-US" dirty="0" smtClean="0"/>
+                <a:t>则</a:t>
+              </a:r>
+              <a:r>
+                <a:rPr lang="en-US" altLang="zh-CN" dirty="0" smtClean="0"/>
+                <a:t>L</a:t>
+              </a:r>
+              <a:r>
+                <a:rPr lang="zh-CN" altLang="en-US" dirty="0" smtClean="0"/>
+                <a:t>的梯度值为：</a:t>
+              </a:r>
+              <a:endParaRPr lang="zh-CN" altLang="en-US" dirty="0"/>
+            </a:p>
+          </p:txBody>
+        </p:sp>
+        <p:sp>
+          <p:nvSpPr>
+            <p:cNvPr id="14" name="TextBox 13"/>
+            <p:cNvSpPr txBox="1"/>
+            <p:nvPr/>
+          </p:nvSpPr>
+          <p:spPr>
+            <a:xfrm>
+              <a:off x="1187624" y="5725714"/>
+              <a:ext cx="6747360" cy="646331"/>
+            </a:xfrm>
+            <a:prstGeom prst="rect">
+              <a:avLst/>
+            </a:prstGeom>
+            <a:noFill/>
+          </p:spPr>
+          <p:txBody>
+            <a:bodyPr wrap="none" rtlCol="0">
+              <a:spAutoFit/>
+            </a:bodyPr>
+            <a:lstStyle/>
+            <a:p>
+              <a:r>
+                <a:rPr lang="zh-CN" altLang="en-US" dirty="0" smtClean="0"/>
+                <a:t>算法使用梯度下降和误差你传播方法，使得生成图片</a:t>
+              </a:r>
+              <a:r>
+                <a:rPr lang="en-US" altLang="zh-CN" dirty="0" smtClean="0"/>
+                <a:t>x</a:t>
+              </a:r>
+              <a:r>
+                <a:rPr lang="zh-CN" altLang="en-US" dirty="0" smtClean="0"/>
+                <a:t>的内容逐步</a:t>
+              </a:r>
+              <a:endParaRPr lang="en-US" altLang="zh-CN" dirty="0" smtClean="0"/>
+            </a:p>
+            <a:p>
+              <a:r>
+                <a:rPr lang="zh-CN" altLang="en-US" dirty="0" smtClean="0"/>
+                <a:t>逼近图片</a:t>
+              </a:r>
+              <a:r>
+                <a:rPr lang="en-US" altLang="zh-CN" dirty="0" smtClean="0"/>
+                <a:t>p</a:t>
+              </a:r>
+              <a:r>
+                <a:rPr lang="zh-CN" altLang="en-US" dirty="0" smtClean="0"/>
+                <a:t>的内容。</a:t>
               </a:r>
               <a:endParaRPr lang="zh-CN" altLang="en-US" dirty="0"/>
             </a:p>
@@ -5230,6 +5870,781 @@
           <a:chExt cx="0" cy="0"/>
         </a:xfrm>
       </p:grpSpPr>
+      <p:pic>
+        <p:nvPicPr>
+          <p:cNvPr id="2" name="Picture 4"/>
+          <p:cNvPicPr>
+            <a:picLocks noChangeAspect="1" noChangeArrowheads="1"/>
+          </p:cNvPicPr>
+          <p:nvPr/>
+        </p:nvPicPr>
+        <p:blipFill>
+          <a:blip r:embed="rId2">
+            <a:extLst>
+              <a:ext uri="{28A0092B-C50C-407E-A947-70E740481C1C}">
+                <a14:useLocalDpi xmlns:a14="http://schemas.microsoft.com/office/drawing/2010/main" val="0"/>
+              </a:ext>
+            </a:extLst>
+          </a:blip>
+          <a:srcRect/>
+          <a:stretch>
+            <a:fillRect/>
+          </a:stretch>
+        </p:blipFill>
+        <p:spPr bwMode="auto">
+          <a:xfrm>
+            <a:off x="3722023" y="1945653"/>
+            <a:ext cx="2002105" cy="776574"/>
+          </a:xfrm>
+          <a:prstGeom prst="rect">
+            <a:avLst/>
+          </a:prstGeom>
+          <a:noFill/>
+          <a:ln>
+            <a:noFill/>
+          </a:ln>
+          <a:effectLst/>
+          <a:extLst>
+            <a:ext uri="{909E8E84-426E-40DD-AFC4-6F175D3DCCD1}">
+              <a14:hiddenFill xmlns:a14="http://schemas.microsoft.com/office/drawing/2010/main">
+                <a:solidFill>
+                  <a:schemeClr val="accent1"/>
+                </a:solidFill>
+              </a14:hiddenFill>
+            </a:ext>
+            <a:ext uri="{91240B29-F687-4F45-9708-019B960494DF}">
+              <a14:hiddenLine xmlns:a14="http://schemas.microsoft.com/office/drawing/2010/main" w="9525">
+                <a:solidFill>
+                  <a:schemeClr val="tx1"/>
+                </a:solidFill>
+                <a:miter lim="800000"/>
+                <a:headEnd/>
+                <a:tailEnd/>
+              </a14:hiddenLine>
+            </a:ext>
+            <a:ext uri="{AF507438-7753-43E0-B8FC-AC1667EBCBE1}">
+              <a14:hiddenEffects xmlns:a14="http://schemas.microsoft.com/office/drawing/2010/main">
+                <a:effectLst>
+                  <a:outerShdw dist="35921" dir="2700000" algn="ctr" rotWithShape="0">
+                    <a:schemeClr val="bg2"/>
+                  </a:outerShdw>
+                </a:effectLst>
+              </a14:hiddenEffects>
+            </a:ext>
+          </a:extLst>
+        </p:spPr>
+      </p:pic>
+      <p:pic>
+        <p:nvPicPr>
+          <p:cNvPr id="3" name="Picture 5"/>
+          <p:cNvPicPr>
+            <a:picLocks noChangeAspect="1" noChangeArrowheads="1"/>
+          </p:cNvPicPr>
+          <p:nvPr/>
+        </p:nvPicPr>
+        <p:blipFill>
+          <a:blip r:embed="rId3">
+            <a:extLst>
+              <a:ext uri="{28A0092B-C50C-407E-A947-70E740481C1C}">
+                <a14:useLocalDpi xmlns:a14="http://schemas.microsoft.com/office/drawing/2010/main" val="0"/>
+              </a:ext>
+            </a:extLst>
+          </a:blip>
+          <a:srcRect/>
+          <a:stretch>
+            <a:fillRect/>
+          </a:stretch>
+        </p:blipFill>
+        <p:spPr bwMode="auto">
+          <a:xfrm>
+            <a:off x="3228608" y="2797299"/>
+            <a:ext cx="2955556" cy="720081"/>
+          </a:xfrm>
+          <a:prstGeom prst="rect">
+            <a:avLst/>
+          </a:prstGeom>
+          <a:noFill/>
+          <a:ln>
+            <a:noFill/>
+          </a:ln>
+          <a:effectLst/>
+          <a:extLst>
+            <a:ext uri="{909E8E84-426E-40DD-AFC4-6F175D3DCCD1}">
+              <a14:hiddenFill xmlns:a14="http://schemas.microsoft.com/office/drawing/2010/main">
+                <a:solidFill>
+                  <a:schemeClr val="accent1"/>
+                </a:solidFill>
+              </a14:hiddenFill>
+            </a:ext>
+            <a:ext uri="{91240B29-F687-4F45-9708-019B960494DF}">
+              <a14:hiddenLine xmlns:a14="http://schemas.microsoft.com/office/drawing/2010/main" w="9525">
+                <a:solidFill>
+                  <a:schemeClr val="tx1"/>
+                </a:solidFill>
+                <a:miter lim="800000"/>
+                <a:headEnd/>
+                <a:tailEnd/>
+              </a14:hiddenLine>
+            </a:ext>
+            <a:ext uri="{AF507438-7753-43E0-B8FC-AC1667EBCBE1}">
+              <a14:hiddenEffects xmlns:a14="http://schemas.microsoft.com/office/drawing/2010/main">
+                <a:effectLst>
+                  <a:outerShdw dist="35921" dir="2700000" algn="ctr" rotWithShape="0">
+                    <a:schemeClr val="bg2"/>
+                  </a:outerShdw>
+                </a:effectLst>
+              </a14:hiddenEffects>
+            </a:ext>
+          </a:extLst>
+        </p:spPr>
+      </p:pic>
+      <p:pic>
+        <p:nvPicPr>
+          <p:cNvPr id="5" name="Picture 7"/>
+          <p:cNvPicPr>
+            <a:picLocks noChangeAspect="1" noChangeArrowheads="1"/>
+          </p:cNvPicPr>
+          <p:nvPr/>
+        </p:nvPicPr>
+        <p:blipFill>
+          <a:blip r:embed="rId4">
+            <a:extLst>
+              <a:ext uri="{28A0092B-C50C-407E-A947-70E740481C1C}">
+                <a14:useLocalDpi xmlns:a14="http://schemas.microsoft.com/office/drawing/2010/main" val="0"/>
+              </a:ext>
+            </a:extLst>
+          </a:blip>
+          <a:srcRect/>
+          <a:stretch>
+            <a:fillRect/>
+          </a:stretch>
+        </p:blipFill>
+        <p:spPr bwMode="auto">
+          <a:xfrm>
+            <a:off x="3510860" y="3963530"/>
+            <a:ext cx="2424429" cy="812124"/>
+          </a:xfrm>
+          <a:prstGeom prst="rect">
+            <a:avLst/>
+          </a:prstGeom>
+          <a:noFill/>
+          <a:ln>
+            <a:noFill/>
+          </a:ln>
+          <a:effectLst/>
+          <a:extLst>
+            <a:ext uri="{909E8E84-426E-40DD-AFC4-6F175D3DCCD1}">
+              <a14:hiddenFill xmlns:a14="http://schemas.microsoft.com/office/drawing/2010/main">
+                <a:solidFill>
+                  <a:schemeClr val="accent1"/>
+                </a:solidFill>
+              </a14:hiddenFill>
+            </a:ext>
+            <a:ext uri="{91240B29-F687-4F45-9708-019B960494DF}">
+              <a14:hiddenLine xmlns:a14="http://schemas.microsoft.com/office/drawing/2010/main" w="9525">
+                <a:solidFill>
+                  <a:schemeClr val="tx1"/>
+                </a:solidFill>
+                <a:miter lim="800000"/>
+                <a:headEnd/>
+                <a:tailEnd/>
+              </a14:hiddenLine>
+            </a:ext>
+            <a:ext uri="{AF507438-7753-43E0-B8FC-AC1667EBCBE1}">
+              <a14:hiddenEffects xmlns:a14="http://schemas.microsoft.com/office/drawing/2010/main">
+                <a:effectLst>
+                  <a:outerShdw dist="35921" dir="2700000" algn="ctr" rotWithShape="0">
+                    <a:schemeClr val="bg2"/>
+                  </a:outerShdw>
+                </a:effectLst>
+              </a14:hiddenEffects>
+            </a:ext>
+          </a:extLst>
+        </p:spPr>
+      </p:pic>
+      <p:pic>
+        <p:nvPicPr>
+          <p:cNvPr id="6" name="Picture 8"/>
+          <p:cNvPicPr>
+            <a:picLocks noChangeAspect="1" noChangeArrowheads="1"/>
+          </p:cNvPicPr>
+          <p:nvPr/>
+        </p:nvPicPr>
+        <p:blipFill>
+          <a:blip r:embed="rId5">
+            <a:extLst>
+              <a:ext uri="{28A0092B-C50C-407E-A947-70E740481C1C}">
+                <a14:useLocalDpi xmlns:a14="http://schemas.microsoft.com/office/drawing/2010/main" val="0"/>
+              </a:ext>
+            </a:extLst>
+          </a:blip>
+          <a:srcRect/>
+          <a:stretch>
+            <a:fillRect/>
+          </a:stretch>
+        </p:blipFill>
+        <p:spPr bwMode="auto">
+          <a:xfrm>
+            <a:off x="3045881" y="5153955"/>
+            <a:ext cx="3771900" cy="704850"/>
+          </a:xfrm>
+          <a:prstGeom prst="rect">
+            <a:avLst/>
+          </a:prstGeom>
+          <a:noFill/>
+          <a:ln>
+            <a:noFill/>
+          </a:ln>
+          <a:effectLst/>
+          <a:extLst>
+            <a:ext uri="{909E8E84-426E-40DD-AFC4-6F175D3DCCD1}">
+              <a14:hiddenFill xmlns:a14="http://schemas.microsoft.com/office/drawing/2010/main">
+                <a:solidFill>
+                  <a:schemeClr val="accent1"/>
+                </a:solidFill>
+              </a14:hiddenFill>
+            </a:ext>
+            <a:ext uri="{91240B29-F687-4F45-9708-019B960494DF}">
+              <a14:hiddenLine xmlns:a14="http://schemas.microsoft.com/office/drawing/2010/main" w="9525">
+                <a:solidFill>
+                  <a:schemeClr val="tx1"/>
+                </a:solidFill>
+                <a:miter lim="800000"/>
+                <a:headEnd/>
+                <a:tailEnd/>
+              </a14:hiddenLine>
+            </a:ext>
+            <a:ext uri="{AF507438-7753-43E0-B8FC-AC1667EBCBE1}">
+              <a14:hiddenEffects xmlns:a14="http://schemas.microsoft.com/office/drawing/2010/main">
+                <a:effectLst>
+                  <a:outerShdw dist="35921" dir="2700000" algn="ctr" rotWithShape="0">
+                    <a:schemeClr val="bg2"/>
+                  </a:outerShdw>
+                </a:effectLst>
+              </a14:hiddenEffects>
+            </a:ext>
+          </a:extLst>
+        </p:spPr>
+      </p:pic>
+      <p:sp>
+        <p:nvSpPr>
+          <p:cNvPr id="14" name="TextBox 13"/>
+          <p:cNvSpPr txBox="1"/>
+          <p:nvPr/>
+        </p:nvSpPr>
+        <p:spPr>
+          <a:xfrm>
+            <a:off x="1191330" y="568238"/>
+            <a:ext cx="2208553" cy="369332"/>
+          </a:xfrm>
+          <a:prstGeom prst="rect">
+            <a:avLst/>
+          </a:prstGeom>
+          <a:noFill/>
+        </p:spPr>
+        <p:txBody>
+          <a:bodyPr wrap="none" rtlCol="0">
+            <a:spAutoFit/>
+          </a:bodyPr>
+          <a:lstStyle/>
+          <a:p>
+            <a:r>
+              <a:rPr lang="en-US" altLang="zh-CN" b="1" dirty="0" smtClean="0"/>
+              <a:t>Style Reconstruction:</a:t>
+            </a:r>
+            <a:endParaRPr lang="zh-CN" altLang="en-US" b="1" dirty="0"/>
+          </a:p>
+        </p:txBody>
+      </p:sp>
+      <mc:AlternateContent xmlns:mc="http://schemas.openxmlformats.org/markup-compatibility/2006">
+        <mc:Choice xmlns:a14="http://schemas.microsoft.com/office/drawing/2010/main" Requires="a14">
+          <p:sp>
+            <p:nvSpPr>
+              <p:cNvPr id="15" name="TextBox 14"/>
+              <p:cNvSpPr txBox="1"/>
+              <p:nvPr/>
+            </p:nvSpPr>
+            <p:spPr>
+              <a:xfrm>
+                <a:off x="1143843" y="949370"/>
+                <a:ext cx="7125086" cy="1201226"/>
+              </a:xfrm>
+              <a:prstGeom prst="rect">
+                <a:avLst/>
+              </a:prstGeom>
+              <a:noFill/>
+            </p:spPr>
+            <p:txBody>
+              <a:bodyPr wrap="square" rtlCol="0">
+                <a:spAutoFit/>
+              </a:bodyPr>
+              <a:lstStyle/>
+              <a:p>
+                <a:r>
+                  <a:rPr lang="zh-CN" altLang="en-US" dirty="0" smtClean="0"/>
+                  <a:t>在风格提取中损失函数、参数更新方式采用了与内容提取相似的方法，</a:t>
+                </a:r>
+                <a:endParaRPr lang="en-US" altLang="zh-CN" dirty="0" smtClean="0"/>
+              </a:p>
+              <a:p>
+                <a:r>
+                  <a:rPr lang="zh-CN" altLang="en-US" dirty="0"/>
+                  <a:t>不</a:t>
+                </a:r>
+                <a:r>
+                  <a:rPr lang="zh-CN" altLang="en-US" dirty="0" smtClean="0"/>
+                  <a:t>同之处在于，风格提取操作的过程中定义了一个特征空间</a:t>
+                </a:r>
+                <a14:m>
+                  <m:oMath xmlns:m="http://schemas.openxmlformats.org/officeDocument/2006/math">
+                    <m:sSubSup>
+                      <m:sSubSupPr>
+                        <m:ctrlPr>
+                          <a:rPr lang="zh-CN" altLang="en-US"/>
+                        </m:ctrlPr>
+                      </m:sSubSupPr>
+                      <m:e>
+                        <m:r>
+                          <m:rPr>
+                            <m:nor/>
+                          </m:rPr>
+                          <a:rPr lang="zh-CN" altLang="en-US"/>
+                          <m:t>G</m:t>
+                        </m:r>
+                      </m:e>
+                      <m:sub>
+                        <m:r>
+                          <m:rPr>
+                            <m:nor/>
+                          </m:rPr>
+                          <a:rPr lang="zh-CN" altLang="en-US" i="1"/>
+                          <m:t>ij</m:t>
+                        </m:r>
+                      </m:sub>
+                      <m:sup>
+                        <m:r>
+                          <m:rPr>
+                            <m:nor/>
+                          </m:rPr>
+                          <a:rPr lang="zh-CN" altLang="en-US" i="1"/>
+                          <m:t>l</m:t>
+                        </m:r>
+                      </m:sup>
+                    </m:sSubSup>
+                  </m:oMath>
+                </a14:m>
+                <a:r>
+                  <a:rPr lang="zh-CN" altLang="en-US" dirty="0" smtClean="0"/>
+                  <a:t>用来表示风格</a:t>
+                </a:r>
+                <a:r>
+                  <a:rPr lang="en-US" altLang="zh-CN" dirty="0" smtClean="0"/>
+                  <a:t>,</a:t>
+                </a:r>
+                <a:r>
+                  <a:rPr lang="zh-CN" altLang="en-US" dirty="0"/>
+                  <a:t> </a:t>
+                </a:r>
+                <a14:m>
+                  <m:oMath xmlns:m="http://schemas.openxmlformats.org/officeDocument/2006/math">
+                    <m:sSubSup>
+                      <m:sSubSupPr>
+                        <m:ctrlPr>
+                          <a:rPr lang="zh-CN" altLang="en-US"/>
+                        </m:ctrlPr>
+                      </m:sSubSupPr>
+                      <m:e>
+                        <m:r>
+                          <m:rPr>
+                            <m:nor/>
+                          </m:rPr>
+                          <a:rPr lang="zh-CN" altLang="en-US"/>
+                          <m:t>G</m:t>
+                        </m:r>
+                      </m:e>
+                      <m:sub>
+                        <m:r>
+                          <m:rPr>
+                            <m:nor/>
+                          </m:rPr>
+                          <a:rPr lang="zh-CN" altLang="en-US" i="1"/>
+                          <m:t>ij</m:t>
+                        </m:r>
+                      </m:sub>
+                      <m:sup>
+                        <m:r>
+                          <m:rPr>
+                            <m:nor/>
+                          </m:rPr>
+                          <a:rPr lang="zh-CN" altLang="en-US" i="1"/>
+                          <m:t>l</m:t>
+                        </m:r>
+                      </m:sup>
+                    </m:sSubSup>
+                    <m:r>
+                      <a:rPr lang="zh-CN" altLang="en-US" i="1" dirty="0">
+                        <a:latin typeface="Cambria Math"/>
+                      </a:rPr>
+                      <m:t>既能</m:t>
+                    </m:r>
+                    <m:r>
+                      <a:rPr lang="zh-CN" altLang="en-US" i="1" dirty="0">
+                        <a:latin typeface="Cambria Math"/>
+                      </a:rPr>
+                      <m:t>突出</m:t>
+                    </m:r>
+                    <m:r>
+                      <a:rPr lang="zh-CN" altLang="en-US" i="1" dirty="0">
+                        <a:latin typeface="Cambria Math"/>
+                      </a:rPr>
+                      <m:t>图片</m:t>
+                    </m:r>
+                    <m:r>
+                      <a:rPr lang="zh-CN" altLang="en-US" b="0" i="1" dirty="0" smtClean="0">
+                        <a:latin typeface="Cambria Math"/>
+                      </a:rPr>
+                      <m:t>的</m:t>
+                    </m:r>
+                    <m:r>
+                      <a:rPr lang="zh-CN" altLang="en-US" i="1" dirty="0">
+                        <a:latin typeface="Cambria Math"/>
+                      </a:rPr>
+                      <m:t>特征</m:t>
+                    </m:r>
+                    <m:r>
+                      <a:rPr lang="zh-CN" altLang="en-US" b="0" i="1" dirty="0" smtClean="0">
+                        <a:latin typeface="Cambria Math"/>
+                      </a:rPr>
+                      <m:t>，</m:t>
+                    </m:r>
+                    <m:r>
+                      <a:rPr lang="zh-CN" altLang="en-US" i="1" dirty="0">
+                        <a:latin typeface="Cambria Math"/>
+                      </a:rPr>
+                      <m:t>又能</m:t>
+                    </m:r>
+                    <m:r>
+                      <a:rPr lang="zh-CN" altLang="en-US" i="1" dirty="0" smtClean="0">
+                        <a:latin typeface="Cambria Math"/>
+                      </a:rPr>
+                      <m:t>体现</m:t>
+                    </m:r>
+                    <m:r>
+                      <a:rPr lang="zh-CN" altLang="en-US" i="1" dirty="0">
+                        <a:latin typeface="Cambria Math"/>
+                      </a:rPr>
+                      <m:t>特征</m:t>
+                    </m:r>
+                    <m:r>
+                      <a:rPr lang="zh-CN" altLang="en-US" b="0" i="1" dirty="0" smtClean="0">
+                        <a:latin typeface="Cambria Math"/>
+                      </a:rPr>
+                      <m:t>件的</m:t>
+                    </m:r>
+                    <m:r>
+                      <a:rPr lang="zh-CN" altLang="en-US" i="1" dirty="0">
+                        <a:latin typeface="Cambria Math"/>
+                      </a:rPr>
+                      <m:t>差异</m:t>
+                    </m:r>
+                    <m:r>
+                      <a:rPr lang="zh-CN" altLang="en-US" b="0" i="1" dirty="0" smtClean="0">
+                        <a:latin typeface="Cambria Math"/>
+                      </a:rPr>
+                      <m:t>。</m:t>
+                    </m:r>
+                  </m:oMath>
+                </a14:m>
+                <a:endParaRPr lang="zh-CN" altLang="en-US" dirty="0"/>
+              </a:p>
+            </p:txBody>
+          </p:sp>
+        </mc:Choice>
+        <mc:Fallback>
+          <p:sp>
+            <p:nvSpPr>
+              <p:cNvPr id="15" name="TextBox 14"/>
+              <p:cNvSpPr txBox="1">
+                <a:spLocks noRot="1" noChangeAspect="1" noMove="1" noResize="1" noEditPoints="1" noAdjustHandles="1" noChangeArrowheads="1" noChangeShapeType="1" noTextEdit="1"/>
+              </p:cNvSpPr>
+              <p:nvPr/>
+            </p:nvSpPr>
+            <p:spPr>
+              <a:xfrm>
+                <a:off x="1143843" y="949370"/>
+                <a:ext cx="7125086" cy="1201226"/>
+              </a:xfrm>
+              <a:prstGeom prst="rect">
+                <a:avLst/>
+              </a:prstGeom>
+              <a:blipFill rotWithShape="1">
+                <a:blip r:embed="rId6"/>
+                <a:stretch>
+                  <a:fillRect l="-771" t="-4061" r="-2740" b="-3553"/>
+                </a:stretch>
+              </a:blipFill>
+            </p:spPr>
+            <p:txBody>
+              <a:bodyPr/>
+              <a:lstStyle/>
+              <a:p>
+                <a:r>
+                  <a:rPr lang="zh-CN" altLang="en-US">
+                    <a:noFill/>
+                  </a:rPr>
+                  <a:t> </a:t>
+                </a:r>
+              </a:p>
+            </p:txBody>
+          </p:sp>
+        </mc:Fallback>
+      </mc:AlternateContent>
+      <mc:AlternateContent xmlns:mc="http://schemas.openxmlformats.org/markup-compatibility/2006">
+        <mc:Choice xmlns:a14="http://schemas.microsoft.com/office/drawing/2010/main" Requires="a14">
+          <p:sp>
+            <p:nvSpPr>
+              <p:cNvPr id="16" name="TextBox 15"/>
+              <p:cNvSpPr txBox="1"/>
+              <p:nvPr/>
+            </p:nvSpPr>
+            <p:spPr>
+              <a:xfrm>
+                <a:off x="1143843" y="3567075"/>
+                <a:ext cx="4389279" cy="396455"/>
+              </a:xfrm>
+              <a:prstGeom prst="rect">
+                <a:avLst/>
+              </a:prstGeom>
+              <a:noFill/>
+            </p:spPr>
+            <p:txBody>
+              <a:bodyPr wrap="none" rtlCol="0">
+                <a:spAutoFit/>
+              </a:bodyPr>
+              <a:lstStyle/>
+              <a:p>
+                <a14:m>
+                  <m:oMath xmlns:m="http://schemas.openxmlformats.org/officeDocument/2006/math">
+                    <m:sSubSup>
+                      <m:sSubSupPr>
+                        <m:ctrlPr>
+                          <a:rPr lang="zh-CN" altLang="en-US"/>
+                        </m:ctrlPr>
+                      </m:sSubSupPr>
+                      <m:e>
+                        <m:r>
+                          <m:rPr>
+                            <m:nor/>
+                          </m:rPr>
+                          <a:rPr lang="zh-CN" altLang="en-US"/>
+                          <m:t>E</m:t>
+                        </m:r>
+                      </m:e>
+                      <m:sub>
+                        <m:r>
+                          <m:rPr>
+                            <m:nor/>
+                          </m:rPr>
+                          <a:rPr lang="zh-CN" altLang="en-US" i="1"/>
+                          <m:t>l</m:t>
+                        </m:r>
+                      </m:sub>
+                      <m:sup/>
+                    </m:sSubSup>
+                  </m:oMath>
+                </a14:m>
+                <a:r>
+                  <a:rPr lang="zh-CN" altLang="en-US" dirty="0" smtClean="0"/>
+                  <a:t> 为</a:t>
+                </a:r>
+                <a:r>
+                  <a:rPr lang="en-US" altLang="zh-CN" dirty="0" smtClean="0"/>
+                  <a:t>l</a:t>
+                </a:r>
+                <a:r>
+                  <a:rPr lang="zh-CN" altLang="en-US" dirty="0" smtClean="0"/>
+                  <a:t>层的损失函数，则总的损失函数为：</a:t>
+                </a:r>
+                <a:endParaRPr lang="zh-CN" altLang="en-US" dirty="0"/>
+              </a:p>
+            </p:txBody>
+          </p:sp>
+        </mc:Choice>
+        <mc:Fallback>
+          <p:sp>
+            <p:nvSpPr>
+              <p:cNvPr id="16" name="TextBox 15"/>
+              <p:cNvSpPr txBox="1">
+                <a:spLocks noRot="1" noChangeAspect="1" noMove="1" noResize="1" noEditPoints="1" noAdjustHandles="1" noChangeArrowheads="1" noChangeShapeType="1" noTextEdit="1"/>
+              </p:cNvSpPr>
+              <p:nvPr/>
+            </p:nvSpPr>
+            <p:spPr>
+              <a:xfrm>
+                <a:off x="1143843" y="3567075"/>
+                <a:ext cx="4389279" cy="396455"/>
+              </a:xfrm>
+              <a:prstGeom prst="rect">
+                <a:avLst/>
+              </a:prstGeom>
+              <a:blipFill rotWithShape="1">
+                <a:blip r:embed="rId7"/>
+                <a:stretch>
+                  <a:fillRect t="-12308" r="-556" b="-18462"/>
+                </a:stretch>
+              </a:blipFill>
+            </p:spPr>
+            <p:txBody>
+              <a:bodyPr/>
+              <a:lstStyle/>
+              <a:p>
+                <a:r>
+                  <a:rPr lang="zh-CN" altLang="en-US">
+                    <a:noFill/>
+                  </a:rPr>
+                  <a:t> </a:t>
+                </a:r>
+              </a:p>
+            </p:txBody>
+          </p:sp>
+        </mc:Fallback>
+      </mc:AlternateContent>
+      <p:sp>
+        <p:nvSpPr>
+          <p:cNvPr id="17" name="矩形 16"/>
+          <p:cNvSpPr/>
+          <p:nvPr/>
+        </p:nvSpPr>
+        <p:spPr>
+          <a:xfrm>
+            <a:off x="1143843" y="4775654"/>
+            <a:ext cx="1898277" cy="369332"/>
+          </a:xfrm>
+          <a:prstGeom prst="rect">
+            <a:avLst/>
+          </a:prstGeom>
+        </p:spPr>
+        <p:txBody>
+          <a:bodyPr wrap="none">
+            <a:spAutoFit/>
+          </a:bodyPr>
+          <a:lstStyle/>
+          <a:p>
+            <a:r>
+              <a:rPr lang="zh-CN" altLang="en-US" dirty="0"/>
+              <a:t>则</a:t>
+            </a:r>
+            <a:r>
+              <a:rPr lang="en-US" altLang="zh-CN" dirty="0"/>
+              <a:t>L</a:t>
+            </a:r>
+            <a:r>
+              <a:rPr lang="zh-CN" altLang="en-US" dirty="0"/>
+              <a:t>的梯度值为：</a:t>
+            </a:r>
+            <a:endParaRPr lang="zh-CN" altLang="en-US" dirty="0"/>
+          </a:p>
+        </p:txBody>
+      </p:sp>
+      <p:sp>
+        <p:nvSpPr>
+          <p:cNvPr id="18" name="矩形 17"/>
+          <p:cNvSpPr/>
+          <p:nvPr/>
+        </p:nvSpPr>
+        <p:spPr>
+          <a:xfrm>
+            <a:off x="1191330" y="5949279"/>
+            <a:ext cx="7668344" cy="646331"/>
+          </a:xfrm>
+          <a:prstGeom prst="rect">
+            <a:avLst/>
+          </a:prstGeom>
+        </p:spPr>
+        <p:txBody>
+          <a:bodyPr wrap="square">
+            <a:spAutoFit/>
+          </a:bodyPr>
+          <a:lstStyle/>
+          <a:p>
+            <a:r>
+              <a:rPr lang="en-US" altLang="zh-CN" dirty="0" err="1"/>
+              <a:t>Nl</a:t>
+            </a:r>
+            <a:r>
+              <a:rPr lang="zh-CN" altLang="en-US" dirty="0"/>
+              <a:t>：第</a:t>
+            </a:r>
+            <a:r>
+              <a:rPr lang="en-US" altLang="zh-CN" dirty="0"/>
+              <a:t>l</a:t>
+            </a:r>
+            <a:r>
+              <a:rPr lang="zh-CN" altLang="en-US" dirty="0"/>
+              <a:t>层卷积层的卷积核个</a:t>
+            </a:r>
+            <a:r>
+              <a:rPr lang="zh-CN" altLang="en-US" dirty="0" smtClean="0"/>
+              <a:t>数   </a:t>
+            </a:r>
+            <a:r>
+              <a:rPr lang="en-US" altLang="zh-CN" dirty="0" smtClean="0"/>
+              <a:t>Ml</a:t>
+            </a:r>
+            <a:r>
+              <a:rPr lang="zh-CN" altLang="en-US" dirty="0"/>
+              <a:t>：第</a:t>
+            </a:r>
+            <a:r>
+              <a:rPr lang="en-US" altLang="zh-CN" dirty="0"/>
+              <a:t>l</a:t>
+            </a:r>
+            <a:r>
+              <a:rPr lang="zh-CN" altLang="en-US" dirty="0"/>
+              <a:t>卷</a:t>
+            </a:r>
+            <a:r>
+              <a:rPr lang="zh-CN" altLang="en-US" dirty="0" smtClean="0"/>
+              <a:t>积层卷</a:t>
+            </a:r>
+            <a:r>
+              <a:rPr lang="zh-CN" altLang="en-US" dirty="0"/>
+              <a:t>积核的大小，</a:t>
+            </a:r>
+            <a:r>
+              <a:rPr lang="en-US" altLang="zh-CN" dirty="0"/>
+              <a:t>Ml</a:t>
+            </a:r>
+            <a:r>
+              <a:rPr lang="zh-CN" altLang="en-US" dirty="0"/>
+              <a:t>大</a:t>
+            </a:r>
+            <a:r>
+              <a:rPr lang="zh-CN" altLang="en-US" dirty="0" smtClean="0"/>
+              <a:t>小</a:t>
+            </a:r>
+            <a:endParaRPr lang="en-US" altLang="zh-CN" dirty="0" smtClean="0"/>
+          </a:p>
+          <a:p>
+            <a:r>
+              <a:rPr lang="zh-CN" altLang="en-US" dirty="0" smtClean="0"/>
+              <a:t>定</a:t>
+            </a:r>
+            <a:r>
+              <a:rPr lang="zh-CN" altLang="en-US" dirty="0"/>
+              <a:t>义为</a:t>
+            </a:r>
+            <a:r>
+              <a:rPr lang="en-US" altLang="zh-CN" dirty="0"/>
+              <a:t>l</a:t>
+            </a:r>
+            <a:r>
+              <a:rPr lang="zh-CN" altLang="en-US" dirty="0"/>
+              <a:t>层特征图的面积</a:t>
+            </a:r>
+          </a:p>
+        </p:txBody>
+      </p:sp>
     </p:spTree>
     <p:extLst>
       <p:ext uri="{BB962C8B-B14F-4D97-AF65-F5344CB8AC3E}">
@@ -5267,6 +6682,146 @@
           <a:chExt cx="0" cy="0"/>
         </a:xfrm>
       </p:grpSpPr>
+      <p:grpSp>
+        <p:nvGrpSpPr>
+          <p:cNvPr id="5" name="组合 4"/>
+          <p:cNvGrpSpPr/>
+          <p:nvPr/>
+        </p:nvGrpSpPr>
+        <p:grpSpPr>
+          <a:xfrm>
+            <a:off x="1115616" y="1098957"/>
+            <a:ext cx="7356245" cy="1800200"/>
+            <a:chOff x="1210779" y="764704"/>
+            <a:chExt cx="7356245" cy="1800200"/>
+          </a:xfrm>
+        </p:grpSpPr>
+        <p:pic>
+          <p:nvPicPr>
+            <p:cNvPr id="2" name="Picture 9"/>
+            <p:cNvPicPr>
+              <a:picLocks noChangeAspect="1" noChangeArrowheads="1"/>
+            </p:cNvPicPr>
+            <p:nvPr/>
+          </p:nvPicPr>
+          <p:blipFill>
+            <a:blip r:embed="rId2">
+              <a:extLst>
+                <a:ext uri="{28A0092B-C50C-407E-A947-70E740481C1C}">
+                  <a14:useLocalDpi xmlns:a14="http://schemas.microsoft.com/office/drawing/2010/main" val="0"/>
+                </a:ext>
+              </a:extLst>
+            </a:blip>
+            <a:srcRect/>
+            <a:stretch>
+              <a:fillRect/>
+            </a:stretch>
+          </p:blipFill>
+          <p:spPr bwMode="auto">
+            <a:xfrm>
+              <a:off x="1547664" y="1628800"/>
+              <a:ext cx="6000273" cy="936104"/>
+            </a:xfrm>
+            <a:prstGeom prst="rect">
+              <a:avLst/>
+            </a:prstGeom>
+            <a:noFill/>
+            <a:ln>
+              <a:noFill/>
+            </a:ln>
+            <a:effectLst/>
+            <a:extLst>
+              <a:ext uri="{909E8E84-426E-40DD-AFC4-6F175D3DCCD1}">
+                <a14:hiddenFill xmlns:a14="http://schemas.microsoft.com/office/drawing/2010/main">
+                  <a:solidFill>
+                    <a:schemeClr val="accent1"/>
+                  </a:solidFill>
+                </a14:hiddenFill>
+              </a:ext>
+              <a:ext uri="{91240B29-F687-4F45-9708-019B960494DF}">
+                <a14:hiddenLine xmlns:a14="http://schemas.microsoft.com/office/drawing/2010/main" w="9525">
+                  <a:solidFill>
+                    <a:schemeClr val="tx1"/>
+                  </a:solidFill>
+                  <a:miter lim="800000"/>
+                  <a:headEnd/>
+                  <a:tailEnd/>
+                </a14:hiddenLine>
+              </a:ext>
+              <a:ext uri="{AF507438-7753-43E0-B8FC-AC1667EBCBE1}">
+                <a14:hiddenEffects xmlns:a14="http://schemas.microsoft.com/office/drawing/2010/main">
+                  <a:effectLst>
+                    <a:outerShdw dist="35921" dir="2700000" algn="ctr" rotWithShape="0">
+                      <a:schemeClr val="bg2"/>
+                    </a:outerShdw>
+                  </a:effectLst>
+                </a14:hiddenEffects>
+              </a:ext>
+            </a:extLst>
+          </p:spPr>
+        </p:pic>
+        <p:sp>
+          <p:nvSpPr>
+            <p:cNvPr id="4" name="TextBox 3"/>
+            <p:cNvSpPr txBox="1"/>
+            <p:nvPr/>
+          </p:nvSpPr>
+          <p:spPr>
+            <a:xfrm>
+              <a:off x="1210779" y="764704"/>
+              <a:ext cx="7356245" cy="646331"/>
+            </a:xfrm>
+            <a:prstGeom prst="rect">
+              <a:avLst/>
+            </a:prstGeom>
+            <a:noFill/>
+          </p:spPr>
+          <p:txBody>
+            <a:bodyPr wrap="none" rtlCol="0">
+              <a:spAutoFit/>
+            </a:bodyPr>
+            <a:lstStyle/>
+            <a:p>
+              <a:r>
+                <a:rPr lang="zh-CN" altLang="en-US" dirty="0" smtClean="0"/>
+                <a:t>在得到 </a:t>
+              </a:r>
+              <a:r>
+                <a:rPr lang="en-US" altLang="zh-CN" dirty="0" smtClean="0"/>
+                <a:t>content Loss</a:t>
+              </a:r>
+              <a:r>
+                <a:rPr lang="zh-CN" altLang="en-US" dirty="0" smtClean="0"/>
+                <a:t>和</a:t>
+              </a:r>
+              <a:r>
+                <a:rPr lang="en-US" altLang="zh-CN" dirty="0" smtClean="0"/>
+                <a:t>style Loss</a:t>
+              </a:r>
+              <a:r>
+                <a:rPr lang="zh-CN" altLang="en-US" dirty="0" smtClean="0"/>
+                <a:t>以后就能得到</a:t>
+              </a:r>
+              <a:r>
+                <a:rPr lang="en-US" altLang="zh-CN" dirty="0" smtClean="0"/>
+                <a:t>total loss,</a:t>
+              </a:r>
+              <a:r>
+                <a:rPr lang="zh-CN" altLang="en-US" dirty="0" smtClean="0"/>
+                <a:t>通过调节两者之间</a:t>
+              </a:r>
+              <a:endParaRPr lang="en-US" altLang="zh-CN" dirty="0" smtClean="0"/>
+            </a:p>
+            <a:p>
+              <a:r>
+                <a:rPr lang="zh-CN" altLang="en-US" dirty="0" smtClean="0"/>
+                <a:t>的比重得到较好的人工艺术作品</a:t>
+              </a:r>
+              <a:endParaRPr lang="zh-CN" altLang="en-US" dirty="0"/>
+            </a:p>
+          </p:txBody>
+        </p:sp>
+      </p:grpSp>
     </p:spTree>
     <p:extLst>
       <p:ext uri="{BB962C8B-B14F-4D97-AF65-F5344CB8AC3E}">

--- a/demo.pptx
+++ b/demo.pptx
@@ -5150,15 +5150,7 @@
               </a:r>
               <a:r>
                 <a:rPr lang="zh-CN" altLang="en-US" dirty="0" smtClean="0"/>
-                <a:t>模</a:t>
-              </a:r>
-              <a:r>
-                <a:rPr lang="zh-CN" altLang="en-US" dirty="0" smtClean="0"/>
-                <a:t>型</a:t>
-              </a:r>
-              <a:r>
-                <a:rPr lang="zh-CN" altLang="en-US" dirty="0" smtClean="0"/>
-                <a:t>，</a:t>
+                <a:t>模型，</a:t>
               </a:r>
               <a:r>
                 <a:rPr lang="zh-CN" altLang="en-US" dirty="0"/>
@@ -5201,30 +5193,14 @@
               </a:r>
               <a:r>
                 <a:rPr lang="zh-CN" altLang="en-US" dirty="0" smtClean="0"/>
-                <a:t>层</a:t>
-              </a:r>
-              <a:r>
-                <a:rPr lang="zh-CN" altLang="en-US" dirty="0" smtClean="0"/>
-                <a:t>在</a:t>
-              </a:r>
-              <a:r>
-                <a:rPr lang="zh-CN" altLang="en-US" dirty="0" smtClean="0"/>
-                <a:t>实现的过程中，作者丢弃了全连</a:t>
-              </a:r>
-              <a:r>
-                <a:rPr lang="zh-CN" altLang="en-US" dirty="0" smtClean="0"/>
-                <a:t>接层，池</a:t>
+                <a:t>层在实现的过程中，作者丢弃了全连接层，池</a:t>
               </a:r>
               <a:endParaRPr lang="en-US" altLang="zh-CN" dirty="0" smtClean="0"/>
             </a:p>
             <a:p>
               <a:r>
                 <a:rPr lang="zh-CN" altLang="en-US" dirty="0" smtClean="0"/>
-                <a:t>化</a:t>
-              </a:r>
-              <a:r>
-                <a:rPr lang="zh-CN" altLang="en-US" dirty="0" smtClean="0"/>
-                <a:t>方法选择了</a:t>
+                <a:t>化方法选择了</a:t>
               </a:r>
               <a:r>
                 <a:rPr lang="en-US" altLang="zh-CN" dirty="0" smtClean="0"/>
@@ -5549,7 +5525,6 @@
                   <a:rPr lang="zh-CN" altLang="en-US" dirty="0"/>
                   <a:t>层的损失函数定义如下</a:t>
                 </a:r>
-                <a:endParaRPr lang="zh-CN" altLang="en-US" dirty="0"/>
               </a:p>
             </p:txBody>
           </p:sp>
@@ -5568,8 +5543,8 @@
               <a:chExt cx="4021935" cy="708399"/>
             </a:xfrm>
           </p:grpSpPr>
-          <mc:AlternateContent xmlns:mc="http://schemas.openxmlformats.org/markup-compatibility/2006">
-            <mc:Choice xmlns:a14="http://schemas.microsoft.com/office/drawing/2010/main" Requires="a14">
+          <mc:AlternateContent xmlns:mc="http://schemas.openxmlformats.org/markup-compatibility/2006" xmlns:a14="http://schemas.microsoft.com/office/drawing/2010/main">
+            <mc:Choice Requires="a14">
               <p:sp>
                 <p:nvSpPr>
                   <p:cNvPr id="10" name="TextBox 9"/>
@@ -5592,6 +5567,7 @@
                   </a:bodyPr>
                   <a:lstStyle/>
                   <a:p>
+                    <a:pPr/>
                     <a14:m>
                       <m:oMathPara xmlns:m="http://schemas.openxmlformats.org/officeDocument/2006/math">
                         <m:oMathParaPr>
@@ -5601,7 +5577,9 @@
                           <m:sSubSup>
                             <m:sSubSupPr>
                               <m:ctrlPr>
-                                <a:rPr lang="zh-CN" altLang="en-US" sz="1600"/>
+                                <a:rPr lang="zh-CN" altLang="en-US" sz="1600" i="1">
+                                  <a:latin typeface="Cambria Math"/>
+                                </a:rPr>
                               </m:ctrlPr>
                             </m:sSubSupPr>
                             <m:e>
@@ -5647,7 +5625,7 @@
                 </p:txBody>
               </p:sp>
             </mc:Choice>
-            <mc:Fallback>
+            <mc:Fallback xmlns="">
               <p:sp>
                 <p:nvSpPr>
                   <p:cNvPr id="10" name="TextBox 9"/>
@@ -6156,8 +6134,8 @@
           </a:p>
         </p:txBody>
       </p:sp>
-      <mc:AlternateContent xmlns:mc="http://schemas.openxmlformats.org/markup-compatibility/2006">
-        <mc:Choice xmlns:a14="http://schemas.microsoft.com/office/drawing/2010/main" Requires="a14">
+      <mc:AlternateContent xmlns:mc="http://schemas.openxmlformats.org/markup-compatibility/2006" xmlns:a14="http://schemas.microsoft.com/office/drawing/2010/main">
+        <mc:Choice Requires="a14">
           <p:sp>
             <p:nvSpPr>
               <p:cNvPr id="15" name="TextBox 14"/>
@@ -6200,7 +6178,9 @@
                     <m:sSubSup>
                       <m:sSubSupPr>
                         <m:ctrlPr>
-                          <a:rPr lang="zh-CN" altLang="en-US"/>
+                          <a:rPr lang="zh-CN" altLang="en-US" i="1">
+                            <a:latin typeface="Cambria Math"/>
+                          </a:rPr>
                         </m:ctrlPr>
                       </m:sSubSupPr>
                       <m:e>
@@ -6250,7 +6230,9 @@
                     <m:sSubSup>
                       <m:sSubSupPr>
                         <m:ctrlPr>
-                          <a:rPr lang="zh-CN" altLang="en-US"/>
+                          <a:rPr lang="zh-CN" altLang="en-US" i="1">
+                            <a:latin typeface="Cambria Math"/>
+                          </a:rPr>
                         </m:ctrlPr>
                       </m:sSubSupPr>
                       <m:e>
@@ -6285,19 +6267,7 @@
                       <a:rPr lang="zh-CN" altLang="en-US" i="1" dirty="0">
                         <a:latin typeface="Cambria Math"/>
                       </a:rPr>
-                      <m:t>既能</m:t>
-                    </m:r>
-                    <m:r>
-                      <a:rPr lang="zh-CN" altLang="en-US" i="1" dirty="0">
-                        <a:latin typeface="Cambria Math"/>
-                      </a:rPr>
-                      <m:t>突出</m:t>
-                    </m:r>
-                    <m:r>
-                      <a:rPr lang="zh-CN" altLang="en-US" i="1" dirty="0">
-                        <a:latin typeface="Cambria Math"/>
-                      </a:rPr>
-                      <m:t>图片</m:t>
+                      <m:t>既能突出图片</m:t>
                     </m:r>
                     <m:r>
                       <a:rPr lang="zh-CN" altLang="en-US" b="0" i="1" dirty="0" smtClean="0">
@@ -6360,7 +6330,7 @@
             </p:txBody>
           </p:sp>
         </mc:Choice>
-        <mc:Fallback>
+        <mc:Fallback xmlns="">
           <p:sp>
             <p:nvSpPr>
               <p:cNvPr id="15" name="TextBox 14"/>
@@ -6399,8 +6369,8 @@
           </p:sp>
         </mc:Fallback>
       </mc:AlternateContent>
-      <mc:AlternateContent xmlns:mc="http://schemas.openxmlformats.org/markup-compatibility/2006">
-        <mc:Choice xmlns:a14="http://schemas.microsoft.com/office/drawing/2010/main" Requires="a14">
+      <mc:AlternateContent xmlns:mc="http://schemas.openxmlformats.org/markup-compatibility/2006" xmlns:a14="http://schemas.microsoft.com/office/drawing/2010/main">
+        <mc:Choice Requires="a14">
           <p:sp>
             <p:nvSpPr>
               <p:cNvPr id="16" name="TextBox 15"/>
@@ -6428,7 +6398,9 @@
                     <m:sSubSup>
                       <m:sSubSupPr>
                         <m:ctrlPr>
-                          <a:rPr lang="zh-CN" altLang="en-US"/>
+                          <a:rPr lang="zh-CN" altLang="en-US" i="1">
+                            <a:latin typeface="Cambria Math"/>
+                          </a:rPr>
                         </m:ctrlPr>
                       </m:sSubSupPr>
                       <m:e>
@@ -6470,7 +6442,7 @@
             </p:txBody>
           </p:sp>
         </mc:Choice>
-        <mc:Fallback>
+        <mc:Fallback xmlns="">
           <p:sp>
             <p:nvSpPr>
               <p:cNvPr id="16" name="TextBox 15"/>
@@ -6542,7 +6514,6 @@
               <a:rPr lang="zh-CN" altLang="en-US" dirty="0"/>
               <a:t>的梯度值为：</a:t>
             </a:r>
-            <a:endParaRPr lang="zh-CN" altLang="en-US" dirty="0"/>
           </a:p>
         </p:txBody>
       </p:sp>
@@ -6690,7 +6661,7 @@
         </p:nvGrpSpPr>
         <p:grpSpPr>
           <a:xfrm>
-            <a:off x="1115616" y="1098957"/>
+            <a:off x="1115616" y="1387413"/>
             <a:ext cx="7356245" cy="1800200"/>
             <a:chOff x="1210779" y="764704"/>
             <a:chExt cx="7356245" cy="1800200"/>

--- a/demo.pptx
+++ b/demo.pptx
@@ -5,7 +5,7 @@
     <p:sldMasterId id="2147483648" r:id="rId1"/>
   </p:sldMasterIdLst>
   <p:notesMasterIdLst>
-    <p:notesMasterId r:id="rId10"/>
+    <p:notesMasterId r:id="rId11"/>
   </p:notesMasterIdLst>
   <p:sldIdLst>
     <p:sldId id="256" r:id="rId2"/>
@@ -16,6 +16,7 @@
     <p:sldId id="261" r:id="rId7"/>
     <p:sldId id="262" r:id="rId8"/>
     <p:sldId id="263" r:id="rId9"/>
+    <p:sldId id="264" r:id="rId10"/>
   </p:sldIdLst>
   <p:sldSz cx="9144000" cy="6858000" type="screen4x3"/>
   <p:notesSz cx="6858000" cy="9144000"/>
@@ -199,7 +200,7 @@
           <a:p>
             <a:fld id="{277B8184-6EA0-499D-9DE7-3F76D54820E5}" type="datetimeFigureOut">
               <a:rPr lang="zh-CN" altLang="en-US" smtClean="0"/>
-              <a:t>2017/10/8 Sunday</a:t>
+              <a:t>2017/10/9 Monday</a:t>
             </a:fld>
             <a:endParaRPr lang="zh-CN" altLang="en-US"/>
           </a:p>
@@ -648,7 +649,7 @@
           <a:p>
             <a:fld id="{48E04B5E-91C7-4690-B7B2-517DBC294C6F}" type="datetimeFigureOut">
               <a:rPr lang="zh-CN" altLang="en-US" smtClean="0"/>
-              <a:t>2017/10/8 Sunday</a:t>
+              <a:t>2017/10/9 Monday</a:t>
             </a:fld>
             <a:endParaRPr lang="zh-CN" altLang="en-US"/>
           </a:p>
@@ -818,7 +819,7 @@
           <a:p>
             <a:fld id="{48E04B5E-91C7-4690-B7B2-517DBC294C6F}" type="datetimeFigureOut">
               <a:rPr lang="zh-CN" altLang="en-US" smtClean="0"/>
-              <a:t>2017/10/8 Sunday</a:t>
+              <a:t>2017/10/9 Monday</a:t>
             </a:fld>
             <a:endParaRPr lang="zh-CN" altLang="en-US"/>
           </a:p>
@@ -998,7 +999,7 @@
           <a:p>
             <a:fld id="{48E04B5E-91C7-4690-B7B2-517DBC294C6F}" type="datetimeFigureOut">
               <a:rPr lang="zh-CN" altLang="en-US" smtClean="0"/>
-              <a:t>2017/10/8 Sunday</a:t>
+              <a:t>2017/10/9 Monday</a:t>
             </a:fld>
             <a:endParaRPr lang="zh-CN" altLang="en-US"/>
           </a:p>
@@ -1168,7 +1169,7 @@
           <a:p>
             <a:fld id="{48E04B5E-91C7-4690-B7B2-517DBC294C6F}" type="datetimeFigureOut">
               <a:rPr lang="zh-CN" altLang="en-US" smtClean="0"/>
-              <a:t>2017/10/8 Sunday</a:t>
+              <a:t>2017/10/9 Monday</a:t>
             </a:fld>
             <a:endParaRPr lang="zh-CN" altLang="en-US"/>
           </a:p>
@@ -1414,7 +1415,7 @@
           <a:p>
             <a:fld id="{48E04B5E-91C7-4690-B7B2-517DBC294C6F}" type="datetimeFigureOut">
               <a:rPr lang="zh-CN" altLang="en-US" smtClean="0"/>
-              <a:t>2017/10/8 Sunday</a:t>
+              <a:t>2017/10/9 Monday</a:t>
             </a:fld>
             <a:endParaRPr lang="zh-CN" altLang="en-US"/>
           </a:p>
@@ -1702,7 +1703,7 @@
           <a:p>
             <a:fld id="{48E04B5E-91C7-4690-B7B2-517DBC294C6F}" type="datetimeFigureOut">
               <a:rPr lang="zh-CN" altLang="en-US" smtClean="0"/>
-              <a:t>2017/10/8 Sunday</a:t>
+              <a:t>2017/10/9 Monday</a:t>
             </a:fld>
             <a:endParaRPr lang="zh-CN" altLang="en-US"/>
           </a:p>
@@ -2124,7 +2125,7 @@
           <a:p>
             <a:fld id="{48E04B5E-91C7-4690-B7B2-517DBC294C6F}" type="datetimeFigureOut">
               <a:rPr lang="zh-CN" altLang="en-US" smtClean="0"/>
-              <a:t>2017/10/8 Sunday</a:t>
+              <a:t>2017/10/9 Monday</a:t>
             </a:fld>
             <a:endParaRPr lang="zh-CN" altLang="en-US"/>
           </a:p>
@@ -2242,7 +2243,7 @@
           <a:p>
             <a:fld id="{48E04B5E-91C7-4690-B7B2-517DBC294C6F}" type="datetimeFigureOut">
               <a:rPr lang="zh-CN" altLang="en-US" smtClean="0"/>
-              <a:t>2017/10/8 Sunday</a:t>
+              <a:t>2017/10/9 Monday</a:t>
             </a:fld>
             <a:endParaRPr lang="zh-CN" altLang="en-US"/>
           </a:p>
@@ -2337,7 +2338,7 @@
           <a:p>
             <a:fld id="{48E04B5E-91C7-4690-B7B2-517DBC294C6F}" type="datetimeFigureOut">
               <a:rPr lang="zh-CN" altLang="en-US" smtClean="0"/>
-              <a:t>2017/10/8 Sunday</a:t>
+              <a:t>2017/10/9 Monday</a:t>
             </a:fld>
             <a:endParaRPr lang="zh-CN" altLang="en-US"/>
           </a:p>
@@ -2614,7 +2615,7 @@
           <a:p>
             <a:fld id="{48E04B5E-91C7-4690-B7B2-517DBC294C6F}" type="datetimeFigureOut">
               <a:rPr lang="zh-CN" altLang="en-US" smtClean="0"/>
-              <a:t>2017/10/8 Sunday</a:t>
+              <a:t>2017/10/9 Monday</a:t>
             </a:fld>
             <a:endParaRPr lang="zh-CN" altLang="en-US"/>
           </a:p>
@@ -2867,7 +2868,7 @@
           <a:p>
             <a:fld id="{48E04B5E-91C7-4690-B7B2-517DBC294C6F}" type="datetimeFigureOut">
               <a:rPr lang="zh-CN" altLang="en-US" smtClean="0"/>
-              <a:t>2017/10/8 Sunday</a:t>
+              <a:t>2017/10/9 Monday</a:t>
             </a:fld>
             <a:endParaRPr lang="zh-CN" altLang="en-US"/>
           </a:p>
@@ -3080,7 +3081,7 @@
           <a:p>
             <a:fld id="{48E04B5E-91C7-4690-B7B2-517DBC294C6F}" type="datetimeFigureOut">
               <a:rPr lang="zh-CN" altLang="en-US" smtClean="0"/>
-              <a:t>2017/10/8 Sunday</a:t>
+              <a:t>2017/10/9 Monday</a:t>
             </a:fld>
             <a:endParaRPr lang="zh-CN" altLang="en-US"/>
           </a:p>
@@ -4878,10 +4879,10 @@
         </p:nvGrpSpPr>
         <p:grpSpPr>
           <a:xfrm>
-            <a:off x="611560" y="431429"/>
-            <a:ext cx="7776864" cy="6110849"/>
+            <a:off x="323528" y="476672"/>
+            <a:ext cx="7776864" cy="6369879"/>
             <a:chOff x="251520" y="103056"/>
-            <a:chExt cx="8496944" cy="6785359"/>
+            <a:chExt cx="8496944" cy="7072980"/>
           </a:xfrm>
         </p:grpSpPr>
         <p:sp>
@@ -4893,7 +4894,7 @@
           <p:spPr>
             <a:xfrm>
               <a:off x="251520" y="103056"/>
-              <a:ext cx="8496944" cy="830997"/>
+              <a:ext cx="8496944" cy="1332820"/>
             </a:xfrm>
             <a:prstGeom prst="rect">
               <a:avLst/>
@@ -4907,54 +4908,54 @@
             <a:lstStyle/>
             <a:p>
               <a:r>
-                <a:rPr lang="zh-CN" altLang="en-US" sz="1600" dirty="0"/>
+                <a:rPr lang="zh-CN" altLang="en-US" spc="150" dirty="0"/>
                 <a:t>风格和内容之间不是毫无相关的融合到一起的</a:t>
               </a:r>
               <a:r>
-                <a:rPr lang="zh-CN" altLang="en-US" sz="1600" dirty="0" smtClean="0"/>
+                <a:rPr lang="zh-CN" altLang="en-US" spc="150" dirty="0"/>
                 <a:t>，过</a:t>
               </a:r>
               <a:r>
-                <a:rPr lang="zh-CN" altLang="en-US" sz="1600" dirty="0"/>
+                <a:rPr lang="zh-CN" altLang="en-US" spc="150" dirty="0"/>
                 <a:t>分强调风格会导致融合成的图片中显示出少</a:t>
               </a:r>
               <a:r>
-                <a:rPr lang="zh-CN" altLang="en-US" sz="1600" dirty="0" smtClean="0"/>
+                <a:rPr lang="zh-CN" altLang="en-US" spc="150" dirty="0"/>
                 <a:t>量的</a:t>
               </a:r>
               <a:r>
-                <a:rPr lang="zh-CN" altLang="en-US" sz="1600" dirty="0"/>
+                <a:rPr lang="zh-CN" altLang="en-US" spc="150" dirty="0"/>
                 <a:t>内容，即掩盖了内容的表达，反之亦然，所</a:t>
               </a:r>
               <a:r>
-                <a:rPr lang="zh-CN" altLang="en-US" sz="1600" dirty="0" smtClean="0"/>
+                <a:rPr lang="zh-CN" altLang="en-US" spc="150" dirty="0"/>
                 <a:t>以需</a:t>
               </a:r>
               <a:r>
-                <a:rPr lang="zh-CN" altLang="en-US" sz="1600" dirty="0"/>
+                <a:rPr lang="zh-CN" altLang="en-US" spc="150" dirty="0"/>
                 <a:t>要权衡两者之间的比重。继而</a:t>
               </a:r>
               <a:r>
-                <a:rPr lang="zh-CN" altLang="en-US" sz="1600" dirty="0" smtClean="0"/>
+                <a:rPr lang="zh-CN" altLang="en-US" spc="150" dirty="0"/>
                 <a:t>在算法损</a:t>
               </a:r>
               <a:r>
-                <a:rPr lang="zh-CN" altLang="en-US" sz="1600" dirty="0"/>
+                <a:rPr lang="zh-CN" altLang="en-US" spc="150" dirty="0"/>
                 <a:t>失函数最</a:t>
               </a:r>
               <a:r>
-                <a:rPr lang="zh-CN" altLang="en-US" sz="1600" dirty="0" smtClean="0"/>
+                <a:rPr lang="zh-CN" altLang="en-US" spc="150" dirty="0"/>
                 <a:t>小化</a:t>
               </a:r>
               <a:r>
-                <a:rPr lang="zh-CN" altLang="en-US" sz="1600" dirty="0"/>
+                <a:rPr lang="zh-CN" altLang="en-US" spc="150" dirty="0"/>
                 <a:t>中同时考虑了风格损失和内容损</a:t>
               </a:r>
               <a:r>
-                <a:rPr lang="zh-CN" altLang="en-US" sz="1600" dirty="0" smtClean="0"/>
+                <a:rPr lang="zh-CN" altLang="en-US" spc="150" dirty="0"/>
                 <a:t>失。</a:t>
               </a:r>
-              <a:endParaRPr lang="zh-CN" altLang="en-US" sz="1600" dirty="0"/>
+              <a:endParaRPr lang="zh-CN" altLang="en-US" spc="150" dirty="0"/>
             </a:p>
           </p:txBody>
         </p:sp>
@@ -4981,7 +4982,7 @@
           </p:blipFill>
           <p:spPr bwMode="auto">
             <a:xfrm>
-              <a:off x="1629988" y="1112767"/>
+              <a:off x="1628610" y="1400388"/>
               <a:ext cx="5904658" cy="5775648"/>
             </a:xfrm>
             <a:prstGeom prst="rect">
@@ -5069,9 +5070,9 @@
         <p:grpSpPr>
           <a:xfrm>
             <a:off x="971600" y="501896"/>
-            <a:ext cx="7247501" cy="1198589"/>
+            <a:ext cx="7901526" cy="1198589"/>
             <a:chOff x="1115616" y="825932"/>
-            <a:chExt cx="7247501" cy="1198589"/>
+            <a:chExt cx="7901526" cy="1198589"/>
           </a:xfrm>
         </p:grpSpPr>
         <p:sp>
@@ -5123,7 +5124,7 @@
           <p:spPr>
             <a:xfrm>
               <a:off x="1331640" y="1101191"/>
-              <a:ext cx="7031477" cy="923330"/>
+              <a:ext cx="7685502" cy="923330"/>
             </a:xfrm>
             <a:prstGeom prst="rect">
               <a:avLst/>
@@ -5137,92 +5138,92 @@
             <a:lstStyle/>
             <a:p>
               <a:r>
-                <a:rPr lang="zh-CN" altLang="en-US" dirty="0"/>
+                <a:rPr lang="zh-CN" altLang="en-US" spc="150" dirty="0"/>
                 <a:t>文</a:t>
               </a:r>
               <a:r>
-                <a:rPr lang="zh-CN" altLang="en-US" dirty="0" smtClean="0"/>
+                <a:rPr lang="zh-CN" altLang="en-US" spc="150" dirty="0"/>
                 <a:t>章使用</a:t>
               </a:r>
               <a:r>
-                <a:rPr lang="en-US" altLang="zh-CN" dirty="0" smtClean="0"/>
+                <a:rPr lang="en-US" altLang="zh-CN" spc="150" dirty="0"/>
                 <a:t>VGG-19</a:t>
               </a:r>
               <a:r>
-                <a:rPr lang="zh-CN" altLang="en-US" dirty="0" smtClean="0"/>
+                <a:rPr lang="zh-CN" altLang="en-US" spc="150" dirty="0"/>
                 <a:t>模型，</a:t>
               </a:r>
               <a:r>
-                <a:rPr lang="zh-CN" altLang="en-US" dirty="0"/>
+                <a:rPr lang="zh-CN" altLang="en-US" spc="150" dirty="0"/>
                 <a:t>包含</a:t>
               </a:r>
               <a:r>
-                <a:rPr lang="en-US" altLang="zh-CN" dirty="0"/>
+                <a:rPr lang="en-US" altLang="zh-CN" spc="150" dirty="0"/>
                 <a:t>16</a:t>
               </a:r>
               <a:r>
-                <a:rPr lang="zh-CN" altLang="en-US" dirty="0"/>
+                <a:rPr lang="zh-CN" altLang="en-US" spc="150" dirty="0"/>
                 <a:t>个卷积层（分为</a:t>
               </a:r>
               <a:r>
-                <a:rPr lang="en-US" altLang="zh-CN" dirty="0"/>
+                <a:rPr lang="en-US" altLang="zh-CN" spc="150" dirty="0"/>
                 <a:t>5</a:t>
               </a:r>
               <a:r>
-                <a:rPr lang="zh-CN" altLang="en-US" dirty="0"/>
+                <a:rPr lang="zh-CN" altLang="en-US" spc="150" dirty="0"/>
                 <a:t>个卷积阶段</a:t>
               </a:r>
               <a:r>
-                <a:rPr lang="zh-CN" altLang="en-US" dirty="0" smtClean="0"/>
+                <a:rPr lang="zh-CN" altLang="en-US" spc="150" dirty="0"/>
                 <a:t>），每个</a:t>
               </a:r>
-              <a:endParaRPr lang="en-US" altLang="zh-CN" dirty="0" smtClean="0"/>
+              <a:endParaRPr lang="en-US" altLang="zh-CN" spc="150" dirty="0"/>
             </a:p>
             <a:p>
               <a:r>
-                <a:rPr lang="zh-CN" altLang="en-US" dirty="0" smtClean="0"/>
+                <a:rPr lang="zh-CN" altLang="en-US" spc="150" dirty="0"/>
                 <a:t>阶段</a:t>
               </a:r>
               <a:r>
-                <a:rPr lang="zh-CN" altLang="en-US" dirty="0"/>
+                <a:rPr lang="zh-CN" altLang="en-US" spc="150" dirty="0"/>
                 <a:t>末尾都有 </a:t>
               </a:r>
               <a:r>
-                <a:rPr lang="en-US" altLang="zh-CN" dirty="0"/>
+                <a:rPr lang="en-US" altLang="zh-CN" spc="150" dirty="0"/>
                 <a:t>pooling </a:t>
               </a:r>
               <a:r>
-                <a:rPr lang="zh-CN" altLang="en-US" dirty="0" smtClean="0"/>
+                <a:rPr lang="zh-CN" altLang="en-US" spc="150" dirty="0"/>
                 <a:t>层在实现的过程中，作者丢弃了全连接层，池</a:t>
               </a:r>
-              <a:endParaRPr lang="en-US" altLang="zh-CN" dirty="0" smtClean="0"/>
+              <a:endParaRPr lang="en-US" altLang="zh-CN" spc="150" dirty="0"/>
             </a:p>
             <a:p>
               <a:r>
-                <a:rPr lang="zh-CN" altLang="en-US" dirty="0" smtClean="0"/>
+                <a:rPr lang="zh-CN" altLang="en-US" spc="150" dirty="0"/>
                 <a:t>化方法选择了</a:t>
               </a:r>
               <a:r>
-                <a:rPr lang="en-US" altLang="zh-CN" dirty="0" smtClean="0"/>
+                <a:rPr lang="en-US" altLang="zh-CN" spc="150" dirty="0"/>
                 <a:t>average-pooling</a:t>
               </a:r>
               <a:r>
-                <a:rPr lang="zh-CN" altLang="en-US" dirty="0" smtClean="0"/>
+                <a:rPr lang="zh-CN" altLang="en-US" spc="150" dirty="0"/>
                 <a:t>而不是</a:t>
               </a:r>
               <a:r>
-                <a:rPr lang="en-US" altLang="zh-CN" dirty="0" smtClean="0"/>
+                <a:rPr lang="en-US" altLang="zh-CN" spc="150" dirty="0"/>
                 <a:t>VGG-19</a:t>
               </a:r>
               <a:r>
-                <a:rPr lang="zh-CN" altLang="en-US" dirty="0" smtClean="0"/>
+                <a:rPr lang="zh-CN" altLang="en-US" spc="150" dirty="0"/>
                 <a:t>模型的</a:t>
               </a:r>
               <a:r>
-                <a:rPr lang="en-US" altLang="zh-CN" dirty="0" smtClean="0"/>
+                <a:rPr lang="en-US" altLang="zh-CN" spc="150" dirty="0"/>
                 <a:t>max-pooling</a:t>
               </a:r>
-              <a:endParaRPr lang="zh-CN" altLang="en-US" dirty="0"/>
+              <a:endParaRPr lang="zh-CN" altLang="en-US" spc="150" dirty="0"/>
             </a:p>
           </p:txBody>
         </p:sp>
@@ -5236,9 +5237,9 @@
         <p:grpSpPr>
           <a:xfrm>
             <a:off x="1176681" y="1916832"/>
-            <a:ext cx="6933052" cy="4455213"/>
+            <a:ext cx="7644785" cy="4455213"/>
             <a:chOff x="1176681" y="1916832"/>
-            <a:chExt cx="6933052" cy="4455213"/>
+            <a:chExt cx="7644785" cy="4455213"/>
           </a:xfrm>
         </p:grpSpPr>
         <p:pic>
@@ -5378,9 +5379,9 @@
           <p:grpSpPr>
             <a:xfrm>
               <a:off x="1176681" y="1916832"/>
-              <a:ext cx="6933052" cy="1303432"/>
+              <a:ext cx="7644785" cy="1303432"/>
               <a:chOff x="1187624" y="2362726"/>
-              <a:chExt cx="6933052" cy="1303432"/>
+              <a:chExt cx="7644785" cy="1303432"/>
             </a:xfrm>
           </p:grpSpPr>
           <p:sp>
@@ -5422,7 +5423,7 @@
             <p:spPr>
               <a:xfrm>
                 <a:off x="1187624" y="2742828"/>
-                <a:ext cx="6933052" cy="923330"/>
+                <a:ext cx="7644785" cy="923330"/>
               </a:xfrm>
               <a:prstGeom prst="rect">
                 <a:avLst/>
@@ -5436,93 +5437,93 @@
               <a:lstStyle/>
               <a:p>
                 <a:r>
-                  <a:rPr lang="zh-CN" altLang="en-US" dirty="0"/>
+                  <a:rPr lang="zh-CN" altLang="en-US" spc="150" dirty="0"/>
                   <a:t>将</a:t>
                 </a:r>
                 <a:r>
-                  <a:rPr lang="en-US" altLang="zh-CN" dirty="0"/>
+                  <a:rPr lang="en-US" altLang="zh-CN" spc="150" dirty="0"/>
                   <a:t>content</a:t>
                 </a:r>
                 <a:r>
-                  <a:rPr lang="zh-CN" altLang="en-US" dirty="0"/>
+                  <a:rPr lang="zh-CN" altLang="en-US" spc="150" dirty="0"/>
                   <a:t>图片</a:t>
                 </a:r>
                 <a:r>
-                  <a:rPr lang="en-US" altLang="zh-CN" dirty="0"/>
+                  <a:rPr lang="en-US" altLang="zh-CN" spc="150" dirty="0"/>
                   <a:t>p</a:t>
                 </a:r>
                 <a:r>
-                  <a:rPr lang="zh-CN" altLang="en-US" dirty="0"/>
+                  <a:rPr lang="zh-CN" altLang="en-US" spc="150" dirty="0"/>
                   <a:t>和一张随机生成的图片</a:t>
                 </a:r>
                 <a:r>
-                  <a:rPr lang="en-US" altLang="zh-CN" dirty="0"/>
+                  <a:rPr lang="en-US" altLang="zh-CN" spc="150" dirty="0"/>
                   <a:t>x</a:t>
                 </a:r>
                 <a:r>
-                  <a:rPr lang="zh-CN" altLang="en-US" dirty="0"/>
+                  <a:rPr lang="zh-CN" altLang="en-US" spc="150" dirty="0"/>
                   <a:t>，都经过</a:t>
                 </a:r>
                 <a:r>
-                  <a:rPr lang="en-US" altLang="zh-CN" dirty="0"/>
+                  <a:rPr lang="en-US" altLang="zh-CN" spc="150" dirty="0"/>
                   <a:t>VGG-19</a:t>
                 </a:r>
                 <a:r>
-                  <a:rPr lang="zh-CN" altLang="en-US" dirty="0"/>
+                  <a:rPr lang="zh-CN" altLang="en-US" spc="150" dirty="0"/>
                   <a:t>的卷积网</a:t>
                 </a:r>
                 <a:r>
-                  <a:rPr lang="zh-CN" altLang="en-US" dirty="0" smtClean="0"/>
+                  <a:rPr lang="zh-CN" altLang="en-US" spc="150" dirty="0"/>
                   <a:t>络</a:t>
                 </a:r>
-                <a:endParaRPr lang="en-US" altLang="zh-CN" dirty="0" smtClean="0"/>
+                <a:endParaRPr lang="en-US" altLang="zh-CN" spc="150" dirty="0"/>
               </a:p>
               <a:p>
                 <a:r>
-                  <a:rPr lang="zh-CN" altLang="en-US" dirty="0" smtClean="0"/>
+                  <a:rPr lang="zh-CN" altLang="en-US" spc="150" dirty="0"/>
                   <a:t>进</a:t>
                 </a:r>
                 <a:r>
-                  <a:rPr lang="zh-CN" altLang="en-US" dirty="0"/>
+                  <a:rPr lang="zh-CN" altLang="en-US" spc="150" dirty="0"/>
                   <a:t>行特征变换，获取某</a:t>
                 </a:r>
                 <a:r>
-                  <a:rPr lang="zh-CN" altLang="en-US" dirty="0" smtClean="0"/>
+                  <a:rPr lang="zh-CN" altLang="en-US" spc="150" dirty="0"/>
                   <a:t>些</a:t>
                 </a:r>
                 <a:r>
-                  <a:rPr lang="zh-CN" altLang="en-US" dirty="0"/>
+                  <a:rPr lang="zh-CN" altLang="en-US" spc="150" dirty="0"/>
                   <a:t>卷</a:t>
                 </a:r>
                 <a:r>
-                  <a:rPr lang="zh-CN" altLang="en-US" dirty="0" smtClean="0"/>
+                  <a:rPr lang="zh-CN" altLang="en-US" spc="150" dirty="0"/>
                   <a:t>积层输</a:t>
                 </a:r>
                 <a:r>
-                  <a:rPr lang="zh-CN" altLang="en-US" dirty="0"/>
+                  <a:rPr lang="zh-CN" altLang="en-US" spc="150" dirty="0"/>
                   <a:t>出的特征变换结果，要求二</a:t>
                 </a:r>
                 <a:r>
-                  <a:rPr lang="zh-CN" altLang="en-US" dirty="0" smtClean="0"/>
+                  <a:rPr lang="zh-CN" altLang="en-US" spc="150" dirty="0"/>
                   <a:t>者</a:t>
                 </a:r>
-                <a:endParaRPr lang="en-US" altLang="zh-CN" dirty="0" smtClean="0"/>
+                <a:endParaRPr lang="en-US" altLang="zh-CN" spc="150" dirty="0"/>
               </a:p>
               <a:p>
                 <a:r>
-                  <a:rPr lang="zh-CN" altLang="en-US" dirty="0" smtClean="0"/>
+                  <a:rPr lang="zh-CN" altLang="en-US" spc="150" dirty="0"/>
                   <a:t>的差异</a:t>
                 </a:r>
                 <a:r>
-                  <a:rPr lang="zh-CN" altLang="en-US" dirty="0"/>
+                  <a:rPr lang="zh-CN" altLang="en-US" spc="150" dirty="0"/>
                   <a:t>最小。二者在</a:t>
                 </a:r>
                 <a:r>
-                  <a:rPr lang="en-US" altLang="zh-CN" dirty="0"/>
+                  <a:rPr lang="en-US" altLang="zh-CN" spc="150" dirty="0"/>
                   <a:t>l</a:t>
                 </a:r>
                 <a:r>
-                  <a:rPr lang="zh-CN" altLang="en-US" dirty="0"/>
+                  <a:rPr lang="zh-CN" altLang="en-US" spc="150" dirty="0"/>
                   <a:t>层的损失函数定义如下</a:t>
                 </a:r>
               </a:p>
@@ -5538,9 +5539,9 @@
           <p:grpSpPr>
             <a:xfrm>
               <a:off x="1187624" y="3941906"/>
-              <a:ext cx="4021935" cy="708399"/>
+              <a:ext cx="4815421" cy="708399"/>
               <a:chOff x="1475656" y="4293096"/>
-              <a:chExt cx="4021935" cy="708399"/>
+              <a:chExt cx="4815421" cy="708399"/>
             </a:xfrm>
           </p:grpSpPr>
           <mc:AlternateContent xmlns:mc="http://schemas.openxmlformats.org/markup-compatibility/2006" xmlns:a14="http://schemas.microsoft.com/office/drawing/2010/main">
@@ -5673,7 +5674,7 @@
             <p:spPr>
               <a:xfrm>
                 <a:off x="1887307" y="4414205"/>
-                <a:ext cx="3610284" cy="338554"/>
+                <a:ext cx="4403770" cy="369332"/>
               </a:xfrm>
               <a:prstGeom prst="rect">
                 <a:avLst/>
@@ -5687,34 +5688,34 @@
               <a:lstStyle/>
               <a:p>
                 <a:r>
-                  <a:rPr lang="zh-CN" altLang="en-US" sz="1600" dirty="0" smtClean="0"/>
+                  <a:rPr lang="zh-CN" altLang="en-US" spc="150" dirty="0"/>
                   <a:t>表示第</a:t>
                 </a:r>
                 <a:r>
-                  <a:rPr lang="en-US" altLang="zh-CN" sz="1600" dirty="0" smtClean="0"/>
+                  <a:rPr lang="en-US" altLang="zh-CN" spc="150" dirty="0"/>
                   <a:t>l</a:t>
                 </a:r>
                 <a:r>
-                  <a:rPr lang="zh-CN" altLang="en-US" sz="1600" dirty="0" smtClean="0"/>
+                  <a:rPr lang="zh-CN" altLang="en-US" spc="150" dirty="0"/>
                   <a:t>卷积层第</a:t>
                 </a:r>
                 <a:r>
-                  <a:rPr lang="en-US" altLang="zh-CN" sz="1600" dirty="0" smtClean="0"/>
+                  <a:rPr lang="en-US" altLang="zh-CN" spc="150" dirty="0"/>
                   <a:t>i</a:t>
                 </a:r>
                 <a:r>
-                  <a:rPr lang="zh-CN" altLang="en-US" sz="1600" dirty="0" smtClean="0"/>
+                  <a:rPr lang="zh-CN" altLang="en-US" spc="150" dirty="0"/>
                   <a:t>个卷积核的位置</a:t>
                 </a:r>
                 <a:r>
-                  <a:rPr lang="en-US" altLang="zh-CN" sz="1600" dirty="0" smtClean="0"/>
+                  <a:rPr lang="en-US" altLang="zh-CN" spc="150" dirty="0"/>
                   <a:t>j</a:t>
                 </a:r>
                 <a:r>
-                  <a:rPr lang="zh-CN" altLang="en-US" sz="1600" dirty="0" smtClean="0"/>
+                  <a:rPr lang="zh-CN" altLang="en-US" spc="150" dirty="0"/>
                   <a:t>的值</a:t>
                 </a:r>
-                <a:endParaRPr lang="zh-CN" altLang="en-US" sz="1600" dirty="0"/>
+                <a:endParaRPr lang="zh-CN" altLang="en-US" spc="150" dirty="0"/>
               </a:p>
             </p:txBody>
           </p:sp>
@@ -5728,7 +5729,7 @@
           <p:spPr>
             <a:xfrm>
               <a:off x="1187624" y="4483983"/>
-              <a:ext cx="1898277" cy="369332"/>
+              <a:ext cx="2052165" cy="369332"/>
             </a:xfrm>
             <a:prstGeom prst="rect">
               <a:avLst/>
@@ -5742,18 +5743,18 @@
             <a:lstStyle/>
             <a:p>
               <a:r>
-                <a:rPr lang="zh-CN" altLang="en-US" dirty="0" smtClean="0"/>
+                <a:rPr lang="zh-CN" altLang="en-US" spc="150" dirty="0"/>
                 <a:t>则</a:t>
               </a:r>
               <a:r>
-                <a:rPr lang="en-US" altLang="zh-CN" dirty="0" smtClean="0"/>
+                <a:rPr lang="en-US" altLang="zh-CN" spc="150" dirty="0"/>
                 <a:t>L</a:t>
               </a:r>
               <a:r>
-                <a:rPr lang="zh-CN" altLang="en-US" dirty="0" smtClean="0"/>
+                <a:rPr lang="zh-CN" altLang="en-US" spc="150" dirty="0"/>
                 <a:t>的梯度值为：</a:t>
               </a:r>
-              <a:endParaRPr lang="zh-CN" altLang="en-US" dirty="0"/>
+              <a:endParaRPr lang="zh-CN" altLang="en-US" spc="150" dirty="0"/>
             </a:p>
           </p:txBody>
         </p:sp>
@@ -5766,7 +5767,7 @@
           <p:spPr>
             <a:xfrm>
               <a:off x="1187624" y="5725714"/>
-              <a:ext cx="6747360" cy="646331"/>
+              <a:ext cx="7305205" cy="646331"/>
             </a:xfrm>
             <a:prstGeom prst="rect">
               <a:avLst/>
@@ -5780,33 +5781,33 @@
             <a:lstStyle/>
             <a:p>
               <a:r>
-                <a:rPr lang="zh-CN" altLang="en-US" dirty="0" smtClean="0"/>
+                <a:rPr lang="zh-CN" altLang="en-US" spc="150" dirty="0"/>
                 <a:t>算法使用梯度下降和误差你传播方法，使得生成图片</a:t>
               </a:r>
               <a:r>
-                <a:rPr lang="en-US" altLang="zh-CN" dirty="0" smtClean="0"/>
+                <a:rPr lang="en-US" altLang="zh-CN" spc="150" dirty="0"/>
                 <a:t>x</a:t>
               </a:r>
               <a:r>
-                <a:rPr lang="zh-CN" altLang="en-US" dirty="0" smtClean="0"/>
+                <a:rPr lang="zh-CN" altLang="en-US" spc="150" dirty="0"/>
                 <a:t>的内容逐步</a:t>
               </a:r>
-              <a:endParaRPr lang="en-US" altLang="zh-CN" dirty="0" smtClean="0"/>
+              <a:endParaRPr lang="en-US" altLang="zh-CN" spc="150" dirty="0"/>
             </a:p>
             <a:p>
               <a:r>
-                <a:rPr lang="zh-CN" altLang="en-US" dirty="0" smtClean="0"/>
+                <a:rPr lang="zh-CN" altLang="en-US" spc="150" dirty="0"/>
                 <a:t>逼近图片</a:t>
               </a:r>
               <a:r>
-                <a:rPr lang="en-US" altLang="zh-CN" dirty="0" smtClean="0"/>
+                <a:rPr lang="en-US" altLang="zh-CN" spc="150" dirty="0"/>
                 <a:t>p</a:t>
               </a:r>
               <a:r>
-                <a:rPr lang="zh-CN" altLang="en-US" dirty="0" smtClean="0"/>
+                <a:rPr lang="zh-CN" altLang="en-US" spc="150" dirty="0"/>
                 <a:t>的内容。</a:t>
               </a:r>
-              <a:endParaRPr lang="zh-CN" altLang="en-US" dirty="0"/>
+              <a:endParaRPr lang="zh-CN" altLang="en-US" spc="150" dirty="0"/>
             </a:p>
           </p:txBody>
         </p:sp>
@@ -6539,78 +6540,71 @@
           <a:lstStyle/>
           <a:p>
             <a:r>
-              <a:rPr lang="en-US" altLang="zh-CN" dirty="0" err="1"/>
+              <a:rPr lang="en-US" altLang="zh-CN" spc="150" dirty="0" err="1"/>
               <a:t>Nl</a:t>
             </a:r>
             <a:r>
-              <a:rPr lang="zh-CN" altLang="en-US" dirty="0"/>
+              <a:rPr lang="zh-CN" altLang="en-US" spc="150" dirty="0"/>
               <a:t>：第</a:t>
             </a:r>
             <a:r>
-              <a:rPr lang="en-US" altLang="zh-CN" dirty="0"/>
+              <a:rPr lang="en-US" altLang="zh-CN" spc="150" dirty="0"/>
               <a:t>l</a:t>
             </a:r>
             <a:r>
-              <a:rPr lang="zh-CN" altLang="en-US" dirty="0"/>
+              <a:rPr lang="zh-CN" altLang="en-US" spc="150" dirty="0"/>
               <a:t>层卷积层的卷积核个</a:t>
             </a:r>
             <a:r>
-              <a:rPr lang="zh-CN" altLang="en-US" dirty="0" smtClean="0"/>
+              <a:rPr lang="zh-CN" altLang="en-US" spc="150" dirty="0"/>
               <a:t>数   </a:t>
             </a:r>
             <a:r>
-              <a:rPr lang="en-US" altLang="zh-CN" dirty="0" smtClean="0"/>
+              <a:rPr lang="en-US" altLang="zh-CN" spc="150" dirty="0"/>
               <a:t>Ml</a:t>
             </a:r>
             <a:r>
-              <a:rPr lang="zh-CN" altLang="en-US" dirty="0"/>
+              <a:rPr lang="zh-CN" altLang="en-US" spc="150" dirty="0"/>
               <a:t>：第</a:t>
             </a:r>
             <a:r>
-              <a:rPr lang="en-US" altLang="zh-CN" dirty="0"/>
+              <a:rPr lang="en-US" altLang="zh-CN" spc="150" dirty="0"/>
               <a:t>l</a:t>
             </a:r>
             <a:r>
-              <a:rPr lang="zh-CN" altLang="en-US" dirty="0"/>
+              <a:rPr lang="zh-CN" altLang="en-US" spc="150" dirty="0"/>
               <a:t>卷</a:t>
             </a:r>
             <a:r>
-              <a:rPr lang="zh-CN" altLang="en-US" dirty="0" smtClean="0"/>
+              <a:rPr lang="zh-CN" altLang="en-US" spc="150" dirty="0"/>
               <a:t>积层卷</a:t>
             </a:r>
             <a:r>
-              <a:rPr lang="zh-CN" altLang="en-US" dirty="0"/>
+              <a:rPr lang="zh-CN" altLang="en-US" spc="150" dirty="0"/>
               <a:t>积核的大小，</a:t>
             </a:r>
             <a:r>
-              <a:rPr lang="en-US" altLang="zh-CN" dirty="0"/>
+              <a:rPr lang="en-US" altLang="zh-CN" spc="150" dirty="0"/>
               <a:t>Ml</a:t>
             </a:r>
             <a:r>
-              <a:rPr lang="zh-CN" altLang="en-US" dirty="0"/>
+              <a:rPr lang="zh-CN" altLang="en-US" spc="150" dirty="0"/>
               <a:t>大</a:t>
             </a:r>
             <a:r>
-              <a:rPr lang="zh-CN" altLang="en-US" dirty="0" smtClean="0"/>
-              <a:t>小</a:t>
-            </a:r>
-            <a:endParaRPr lang="en-US" altLang="zh-CN" dirty="0" smtClean="0"/>
-          </a:p>
-          <a:p>
-            <a:r>
-              <a:rPr lang="zh-CN" altLang="en-US" dirty="0" smtClean="0"/>
-              <a:t>定</a:t>
-            </a:r>
-            <a:r>
-              <a:rPr lang="zh-CN" altLang="en-US" dirty="0"/>
+              <a:rPr lang="zh-CN" altLang="en-US" spc="150" dirty="0" smtClean="0"/>
+              <a:t>小定</a:t>
+            </a:r>
+            <a:r>
+              <a:rPr lang="zh-CN" altLang="en-US" spc="150" dirty="0"/>
               <a:t>义为</a:t>
             </a:r>
             <a:r>
-              <a:rPr lang="en-US" altLang="zh-CN" dirty="0"/>
+              <a:rPr lang="en-US" altLang="zh-CN" spc="150" dirty="0"/>
               <a:t>l</a:t>
             </a:r>
             <a:r>
-              <a:rPr lang="zh-CN" altLang="en-US" dirty="0"/>
+              <a:rPr lang="zh-CN" altLang="en-US" spc="150" dirty="0"/>
               <a:t>层特征图的面积</a:t>
             </a:r>
           </a:p>
@@ -6661,10 +6655,10 @@
         </p:nvGrpSpPr>
         <p:grpSpPr>
           <a:xfrm>
-            <a:off x="1115616" y="1387413"/>
-            <a:ext cx="7356245" cy="1800200"/>
+            <a:off x="467544" y="1387413"/>
+            <a:ext cx="8356518" cy="1800200"/>
             <a:chOff x="1210779" y="764704"/>
-            <a:chExt cx="7356245" cy="1800200"/>
+            <a:chExt cx="8356518" cy="1800200"/>
           </a:xfrm>
         </p:grpSpPr>
         <p:pic>
@@ -6740,7 +6734,7 @@
           <p:spPr>
             <a:xfrm>
               <a:off x="1210779" y="764704"/>
-              <a:ext cx="7356245" cy="646331"/>
+              <a:ext cx="8356518" cy="646331"/>
             </a:xfrm>
             <a:prstGeom prst="rect">
               <a:avLst/>
@@ -6754,41 +6748,40 @@
             <a:lstStyle/>
             <a:p>
               <a:r>
-                <a:rPr lang="zh-CN" altLang="en-US" dirty="0" smtClean="0"/>
+                <a:rPr lang="zh-CN" altLang="en-US" spc="150" dirty="0"/>
                 <a:t>在得到 </a:t>
               </a:r>
               <a:r>
-                <a:rPr lang="en-US" altLang="zh-CN" dirty="0" smtClean="0"/>
+                <a:rPr lang="en-US" altLang="zh-CN" spc="150" dirty="0"/>
                 <a:t>content Loss</a:t>
               </a:r>
               <a:r>
-                <a:rPr lang="zh-CN" altLang="en-US" dirty="0" smtClean="0"/>
+                <a:rPr lang="zh-CN" altLang="en-US" spc="150" dirty="0"/>
                 <a:t>和</a:t>
               </a:r>
               <a:r>
-                <a:rPr lang="en-US" altLang="zh-CN" dirty="0" smtClean="0"/>
+                <a:rPr lang="en-US" altLang="zh-CN" spc="150" dirty="0"/>
                 <a:t>style Loss</a:t>
               </a:r>
               <a:r>
-                <a:rPr lang="zh-CN" altLang="en-US" dirty="0" smtClean="0"/>
+                <a:rPr lang="zh-CN" altLang="en-US" spc="150" dirty="0"/>
                 <a:t>以后就能得到</a:t>
               </a:r>
               <a:r>
-                <a:rPr lang="en-US" altLang="zh-CN" dirty="0" smtClean="0"/>
+                <a:rPr lang="en-US" altLang="zh-CN" spc="150" dirty="0"/>
                 <a:t>total loss,</a:t>
               </a:r>
               <a:r>
-                <a:rPr lang="zh-CN" altLang="en-US" dirty="0" smtClean="0"/>
+                <a:rPr lang="zh-CN" altLang="en-US" spc="150" dirty="0"/>
                 <a:t>通过调节两者之间</a:t>
               </a:r>
-              <a:endParaRPr lang="en-US" altLang="zh-CN" dirty="0" smtClean="0"/>
+              <a:endParaRPr lang="en-US" altLang="zh-CN" spc="150" dirty="0"/>
             </a:p>
             <a:p>
               <a:r>
-                <a:rPr lang="zh-CN" altLang="en-US" dirty="0" smtClean="0"/>
+                <a:rPr lang="zh-CN" altLang="en-US" spc="150" dirty="0"/>
                 <a:t>的比重得到较好的人工艺术作品</a:t>
               </a:r>
-              <a:endParaRPr lang="zh-CN" altLang="en-US" dirty="0"/>
             </a:p>
           </p:txBody>
         </p:sp>
@@ -6797,6 +6790,214 @@
     <p:extLst>
       <p:ext uri="{BB962C8B-B14F-4D97-AF65-F5344CB8AC3E}">
         <p14:creationId xmlns:p14="http://schemas.microsoft.com/office/powerpoint/2010/main" val="2301124764"/>
+      </p:ext>
+    </p:extLst>
+  </p:cSld>
+  <p:clrMapOvr>
+    <a:masterClrMapping/>
+  </p:clrMapOvr>
+  <p:timing>
+    <p:tnLst>
+      <p:par>
+        <p:cTn id="1" dur="indefinite" restart="never" nodeType="tmRoot"/>
+      </p:par>
+    </p:tnLst>
+  </p:timing>
+</p:sld>
+</file>
+
+<file path=ppt/slides/slide9.xml><?xml version="1.0" encoding="utf-8"?>
+<p:sld xmlns:a="http://schemas.openxmlformats.org/drawingml/2006/main" xmlns:r="http://schemas.openxmlformats.org/officeDocument/2006/relationships" xmlns:p="http://schemas.openxmlformats.org/presentationml/2006/main">
+  <p:cSld>
+    <p:spTree>
+      <p:nvGrpSpPr>
+        <p:cNvPr id="1" name=""/>
+        <p:cNvGrpSpPr/>
+        <p:nvPr/>
+      </p:nvGrpSpPr>
+      <p:grpSpPr>
+        <a:xfrm>
+          <a:off x="0" y="0"/>
+          <a:ext cx="0" cy="0"/>
+          <a:chOff x="0" y="0"/>
+          <a:chExt cx="0" cy="0"/>
+        </a:xfrm>
+      </p:grpSpPr>
+      <p:sp>
+        <p:nvSpPr>
+          <p:cNvPr id="4" name="矩形 3"/>
+          <p:cNvSpPr/>
+          <p:nvPr/>
+        </p:nvSpPr>
+        <p:spPr>
+          <a:xfrm>
+            <a:off x="-194479" y="476672"/>
+            <a:ext cx="9577064" cy="830997"/>
+          </a:xfrm>
+          <a:prstGeom prst="rect">
+            <a:avLst/>
+          </a:prstGeom>
+        </p:spPr>
+        <p:txBody>
+          <a:bodyPr wrap="square">
+            <a:spAutoFit/>
+          </a:bodyPr>
+          <a:lstStyle/>
+          <a:p>
+            <a:pPr algn="ctr"/>
+            <a:r>
+              <a:rPr lang="en-US" altLang="zh-CN" sz="2400" dirty="0"/>
+              <a:t>Semantic Style Transfer and Turning Two-Bit Doodles into Fine Artwork </a:t>
+            </a:r>
+            <a:br>
+              <a:rPr lang="en-US" altLang="zh-CN" sz="2400" dirty="0"/>
+            </a:br>
+            <a:endParaRPr lang="zh-CN" altLang="en-US" sz="2400" dirty="0"/>
+          </a:p>
+        </p:txBody>
+      </p:sp>
+      <p:sp>
+        <p:nvSpPr>
+          <p:cNvPr id="5" name="TextBox 4"/>
+          <p:cNvSpPr txBox="1"/>
+          <p:nvPr/>
+        </p:nvSpPr>
+        <p:spPr>
+          <a:xfrm>
+            <a:off x="755575" y="1307669"/>
+            <a:ext cx="7931905" cy="875881"/>
+          </a:xfrm>
+          <a:prstGeom prst="rect">
+            <a:avLst/>
+          </a:prstGeom>
+          <a:noFill/>
+        </p:spPr>
+        <p:txBody>
+          <a:bodyPr wrap="square" rtlCol="0">
+            <a:spAutoFit/>
+          </a:bodyPr>
+          <a:lstStyle/>
+          <a:p>
+            <a:pPr>
+              <a:lnSpc>
+                <a:spcPct val="150000"/>
+              </a:lnSpc>
+            </a:pPr>
+            <a:r>
+              <a:rPr lang="zh-CN" altLang="en-US" spc="150" dirty="0"/>
+              <a:t>在这篇文章中作者提取了另外一种风格表示方法</a:t>
+            </a:r>
+            <a:r>
+              <a:rPr lang="zh-CN" altLang="en-US" spc="150" dirty="0" smtClean="0"/>
+              <a:t>，引</a:t>
+            </a:r>
+            <a:r>
+              <a:rPr lang="zh-CN" altLang="en-US" spc="150" dirty="0"/>
+              <a:t>入语义标</a:t>
+            </a:r>
+            <a:r>
+              <a:rPr lang="zh-CN" altLang="en-US" spc="150" dirty="0" smtClean="0"/>
+              <a:t>注使</a:t>
+            </a:r>
+            <a:r>
+              <a:rPr lang="zh-CN" altLang="en-US" spc="150" dirty="0"/>
+              <a:t>得风格和内容的融合达</a:t>
+            </a:r>
+            <a:r>
+              <a:rPr lang="zh-CN" altLang="en-US" spc="150" dirty="0" smtClean="0"/>
+              <a:t>到更</a:t>
+            </a:r>
+            <a:r>
+              <a:rPr lang="zh-CN" altLang="en-US" spc="150" dirty="0"/>
+              <a:t>好的效</a:t>
+            </a:r>
+            <a:r>
+              <a:rPr lang="zh-CN" altLang="en-US" spc="150" dirty="0" smtClean="0"/>
+              <a:t>果。</a:t>
+            </a:r>
+            <a:endParaRPr lang="zh-CN" altLang="en-US" spc="150" dirty="0"/>
+          </a:p>
+        </p:txBody>
+      </p:sp>
+      <p:sp>
+        <p:nvSpPr>
+          <p:cNvPr id="8" name="TextBox 7"/>
+          <p:cNvSpPr txBox="1"/>
+          <p:nvPr/>
+        </p:nvSpPr>
+        <p:spPr>
+          <a:xfrm>
+            <a:off x="755575" y="2348880"/>
+            <a:ext cx="7776866" cy="2122376"/>
+          </a:xfrm>
+          <a:prstGeom prst="rect">
+            <a:avLst/>
+          </a:prstGeom>
+          <a:noFill/>
+        </p:spPr>
+        <p:txBody>
+          <a:bodyPr wrap="square" rtlCol="0">
+            <a:spAutoFit/>
+          </a:bodyPr>
+          <a:lstStyle/>
+          <a:p>
+            <a:pPr>
+              <a:lnSpc>
+                <a:spcPct val="150000"/>
+              </a:lnSpc>
+            </a:pPr>
+            <a:r>
+              <a:rPr lang="zh-CN" altLang="en-US" spc="150" dirty="0"/>
+              <a:t>文章‘</a:t>
+            </a:r>
+            <a:r>
+              <a:rPr lang="en-US" altLang="zh-CN" spc="150" dirty="0"/>
+              <a:t>A Neural Algorithm of Artistic </a:t>
+            </a:r>
+            <a:r>
+              <a:rPr lang="en-US" altLang="zh-CN" spc="150" dirty="0"/>
+              <a:t>Style</a:t>
+            </a:r>
+            <a:r>
+              <a:rPr lang="zh-CN" altLang="en-US" spc="150" dirty="0"/>
+              <a:t>’所存在的</a:t>
+            </a:r>
+            <a:r>
+              <a:rPr lang="zh-CN" altLang="en-US" spc="150" dirty="0"/>
+              <a:t>问题</a:t>
+            </a:r>
+            <a:r>
+              <a:rPr lang="zh-CN" altLang="en-US" spc="150" dirty="0"/>
+              <a:t>是：风</a:t>
+            </a:r>
+            <a:r>
+              <a:rPr lang="zh-CN" altLang="en-US" spc="150" dirty="0"/>
+              <a:t>格和内容权重的调整导致风格混乱或者是风格不清</a:t>
+            </a:r>
+            <a:r>
+              <a:rPr lang="zh-CN" altLang="en-US" spc="150" dirty="0"/>
+              <a:t>晰。使用基于</a:t>
+            </a:r>
+            <a:r>
+              <a:rPr lang="en-US" altLang="zh-CN" spc="150" dirty="0"/>
+              <a:t>gram</a:t>
+            </a:r>
+            <a:r>
+              <a:rPr lang="zh-CN" altLang="en-US" spc="150" dirty="0"/>
+              <a:t>矩</a:t>
+            </a:r>
+            <a:r>
+              <a:rPr lang="zh-CN" altLang="en-US" spc="150" dirty="0"/>
+              <a:t>阵的方法保证特征相关行的同时遗失了局部像素精确值，导致产生噪声。由于输入数据缺乏对语义的理解使得能容被保留下来的同时难以得到可靠风格</a:t>
+            </a:r>
+            <a:endParaRPr lang="zh-CN" altLang="en-US" spc="150" dirty="0"/>
+          </a:p>
+        </p:txBody>
+      </p:sp>
+    </p:spTree>
+    <p:extLst>
+      <p:ext uri="{BB962C8B-B14F-4D97-AF65-F5344CB8AC3E}">
+        <p14:creationId xmlns:p14="http://schemas.microsoft.com/office/powerpoint/2010/main" val="1229009502"/>
       </p:ext>
     </p:extLst>
   </p:cSld>

--- a/demo.pptx
+++ b/demo.pptx
@@ -4909,53 +4909,8 @@
             <a:p>
               <a:r>
                 <a:rPr lang="zh-CN" altLang="en-US" spc="150" dirty="0"/>
-                <a:t>风格和内容之间不是毫无相关的融合到一起的</a:t>
+                <a:t>风格和内容之间不是毫无相关的融合到一起的，过分强调风格会导致融合成的图片中显示出少量的内容，即掩盖了内容的表达，反之亦然，所以需要权衡两者之间的比重。继而在算法损失函数最小化中同时考虑了风格损失和内容损失。</a:t>
               </a:r>
-              <a:r>
-                <a:rPr lang="zh-CN" altLang="en-US" spc="150" dirty="0"/>
-                <a:t>，过</a:t>
-              </a:r>
-              <a:r>
-                <a:rPr lang="zh-CN" altLang="en-US" spc="150" dirty="0"/>
-                <a:t>分强调风格会导致融合成的图片中显示出少</a:t>
-              </a:r>
-              <a:r>
-                <a:rPr lang="zh-CN" altLang="en-US" spc="150" dirty="0"/>
-                <a:t>量的</a:t>
-              </a:r>
-              <a:r>
-                <a:rPr lang="zh-CN" altLang="en-US" spc="150" dirty="0"/>
-                <a:t>内容，即掩盖了内容的表达，反之亦然，所</a:t>
-              </a:r>
-              <a:r>
-                <a:rPr lang="zh-CN" altLang="en-US" spc="150" dirty="0"/>
-                <a:t>以需</a:t>
-              </a:r>
-              <a:r>
-                <a:rPr lang="zh-CN" altLang="en-US" spc="150" dirty="0"/>
-                <a:t>要权衡两者之间的比重。继而</a:t>
-              </a:r>
-              <a:r>
-                <a:rPr lang="zh-CN" altLang="en-US" spc="150" dirty="0"/>
-                <a:t>在算法损</a:t>
-              </a:r>
-              <a:r>
-                <a:rPr lang="zh-CN" altLang="en-US" spc="150" dirty="0"/>
-                <a:t>失函数最</a:t>
-              </a:r>
-              <a:r>
-                <a:rPr lang="zh-CN" altLang="en-US" spc="150" dirty="0"/>
-                <a:t>小化</a:t>
-              </a:r>
-              <a:r>
-                <a:rPr lang="zh-CN" altLang="en-US" spc="150" dirty="0"/>
-                <a:t>中同时考虑了风格损失和内容损</a:t>
-              </a:r>
-              <a:r>
-                <a:rPr lang="zh-CN" altLang="en-US" spc="150" dirty="0"/>
-                <a:t>失。</a:t>
-              </a:r>
-              <a:endParaRPr lang="zh-CN" altLang="en-US" spc="150" dirty="0"/>
             </a:p>
           </p:txBody>
         </p:sp>
@@ -5139,11 +5094,7 @@
             <a:p>
               <a:r>
                 <a:rPr lang="zh-CN" altLang="en-US" spc="150" dirty="0"/>
-                <a:t>文</a:t>
-              </a:r>
-              <a:r>
-                <a:rPr lang="zh-CN" altLang="en-US" spc="150" dirty="0"/>
-                <a:t>章使用</a:t>
+                <a:t>文章使用</a:t>
               </a:r>
               <a:r>
                 <a:rPr lang="en-US" altLang="zh-CN" spc="150" dirty="0"/>
@@ -5151,11 +5102,7 @@
               </a:r>
               <a:r>
                 <a:rPr lang="zh-CN" altLang="en-US" spc="150" dirty="0"/>
-                <a:t>模型，</a:t>
-              </a:r>
-              <a:r>
-                <a:rPr lang="zh-CN" altLang="en-US" spc="150" dirty="0"/>
-                <a:t>包含</a:t>
+                <a:t>模型，包含</a:t>
               </a:r>
               <a:r>
                 <a:rPr lang="en-US" altLang="zh-CN" spc="150" dirty="0"/>
@@ -5171,22 +5118,14 @@
               </a:r>
               <a:r>
                 <a:rPr lang="zh-CN" altLang="en-US" spc="150" dirty="0"/>
-                <a:t>个卷积阶段</a:t>
-              </a:r>
-              <a:r>
-                <a:rPr lang="zh-CN" altLang="en-US" spc="150" dirty="0"/>
-                <a:t>），每个</a:t>
+                <a:t>个卷积阶段），每个</a:t>
               </a:r>
               <a:endParaRPr lang="en-US" altLang="zh-CN" spc="150" dirty="0"/>
             </a:p>
             <a:p>
               <a:r>
                 <a:rPr lang="zh-CN" altLang="en-US" spc="150" dirty="0"/>
-                <a:t>阶段</a:t>
-              </a:r>
-              <a:r>
-                <a:rPr lang="zh-CN" altLang="en-US" spc="150" dirty="0"/>
-                <a:t>末尾都有 </a:t>
+                <a:t>阶段末尾都有 </a:t>
               </a:r>
               <a:r>
                 <a:rPr lang="en-US" altLang="zh-CN" spc="150" dirty="0"/>
@@ -5470,53 +5409,21 @@
                 </a:r>
                 <a:r>
                   <a:rPr lang="zh-CN" altLang="en-US" spc="150" dirty="0"/>
-                  <a:t>的卷积网</a:t>
-                </a:r>
-                <a:r>
-                  <a:rPr lang="zh-CN" altLang="en-US" spc="150" dirty="0"/>
-                  <a:t>络</a:t>
+                  <a:t>的卷积网络</a:t>
                 </a:r>
                 <a:endParaRPr lang="en-US" altLang="zh-CN" spc="150" dirty="0"/>
               </a:p>
               <a:p>
                 <a:r>
                   <a:rPr lang="zh-CN" altLang="en-US" spc="150" dirty="0"/>
-                  <a:t>进</a:t>
-                </a:r>
-                <a:r>
-                  <a:rPr lang="zh-CN" altLang="en-US" spc="150" dirty="0"/>
-                  <a:t>行特征变换，获取某</a:t>
-                </a:r>
-                <a:r>
-                  <a:rPr lang="zh-CN" altLang="en-US" spc="150" dirty="0"/>
-                  <a:t>些</a:t>
-                </a:r>
-                <a:r>
-                  <a:rPr lang="zh-CN" altLang="en-US" spc="150" dirty="0"/>
-                  <a:t>卷</a:t>
-                </a:r>
-                <a:r>
-                  <a:rPr lang="zh-CN" altLang="en-US" spc="150" dirty="0"/>
-                  <a:t>积层输</a:t>
-                </a:r>
-                <a:r>
-                  <a:rPr lang="zh-CN" altLang="en-US" spc="150" dirty="0"/>
-                  <a:t>出的特征变换结果，要求二</a:t>
-                </a:r>
-                <a:r>
-                  <a:rPr lang="zh-CN" altLang="en-US" spc="150" dirty="0"/>
-                  <a:t>者</a:t>
+                  <a:t>进行特征变换，获取某些卷积层输出的特征变换结果，要求二者</a:t>
                 </a:r>
                 <a:endParaRPr lang="en-US" altLang="zh-CN" spc="150" dirty="0"/>
               </a:p>
               <a:p>
                 <a:r>
                   <a:rPr lang="zh-CN" altLang="en-US" spc="150" dirty="0"/>
-                  <a:t>的差异</a:t>
-                </a:r>
-                <a:r>
-                  <a:rPr lang="zh-CN" altLang="en-US" spc="150" dirty="0"/>
-                  <a:t>最小。二者在</a:t>
+                  <a:t>的差异最小。二者在</a:t>
                 </a:r>
                 <a:r>
                   <a:rPr lang="en-US" altLang="zh-CN" spc="150" dirty="0"/>
@@ -5715,7 +5622,6 @@
                   <a:rPr lang="zh-CN" altLang="en-US" spc="150" dirty="0"/>
                   <a:t>的值</a:t>
                 </a:r>
-                <a:endParaRPr lang="zh-CN" altLang="en-US" spc="150" dirty="0"/>
               </a:p>
             </p:txBody>
           </p:sp>
@@ -5754,7 +5660,6 @@
                 <a:rPr lang="zh-CN" altLang="en-US" spc="150" dirty="0"/>
                 <a:t>的梯度值为：</a:t>
               </a:r>
-              <a:endParaRPr lang="zh-CN" altLang="en-US" spc="150" dirty="0"/>
             </a:p>
           </p:txBody>
         </p:sp>
@@ -5807,7 +5712,6 @@
                 <a:rPr lang="zh-CN" altLang="en-US" spc="150" dirty="0"/>
                 <a:t>的内容。</a:t>
               </a:r>
-              <a:endParaRPr lang="zh-CN" altLang="en-US" spc="150" dirty="0"/>
             </a:p>
           </p:txBody>
         </p:sp>
@@ -6553,11 +6457,7 @@
             </a:r>
             <a:r>
               <a:rPr lang="zh-CN" altLang="en-US" spc="150" dirty="0"/>
-              <a:t>层卷积层的卷积核个</a:t>
-            </a:r>
-            <a:r>
-              <a:rPr lang="zh-CN" altLang="en-US" spc="150" dirty="0"/>
-              <a:t>数   </a:t>
+              <a:t>层卷积层的卷积核个数   </a:t>
             </a:r>
             <a:r>
               <a:rPr lang="en-US" altLang="zh-CN" spc="150" dirty="0"/>
@@ -6573,15 +6473,7 @@
             </a:r>
             <a:r>
               <a:rPr lang="zh-CN" altLang="en-US" spc="150" dirty="0"/>
-              <a:t>卷</a:t>
-            </a:r>
-            <a:r>
-              <a:rPr lang="zh-CN" altLang="en-US" spc="150" dirty="0"/>
-              <a:t>积层卷</a:t>
-            </a:r>
-            <a:r>
-              <a:rPr lang="zh-CN" altLang="en-US" spc="150" dirty="0"/>
-              <a:t>积核的大小，</a:t>
+              <a:t>卷积层卷积核的大小，</a:t>
             </a:r>
             <a:r>
               <a:rPr lang="en-US" altLang="zh-CN" spc="150" dirty="0"/>
@@ -6927,7 +6819,7 @@
         </p:nvSpPr>
         <p:spPr>
           <a:xfrm>
-            <a:off x="755575" y="2348880"/>
+            <a:off x="765018" y="2389989"/>
             <a:ext cx="7776866" cy="2122376"/>
           </a:xfrm>
           <a:prstGeom prst="rect">
@@ -6952,31 +6844,11 @@
             </a:r>
             <a:r>
               <a:rPr lang="en-US" altLang="zh-CN" spc="150" dirty="0"/>
-              <a:t>A Neural Algorithm of Artistic </a:t>
-            </a:r>
-            <a:r>
-              <a:rPr lang="en-US" altLang="zh-CN" spc="150" dirty="0"/>
-              <a:t>Style</a:t>
+              <a:t>A Neural Algorithm of Artistic Style</a:t>
             </a:r>
             <a:r>
               <a:rPr lang="zh-CN" altLang="en-US" spc="150" dirty="0"/>
-              <a:t>’所存在的</a:t>
-            </a:r>
-            <a:r>
-              <a:rPr lang="zh-CN" altLang="en-US" spc="150" dirty="0"/>
-              <a:t>问题</a:t>
-            </a:r>
-            <a:r>
-              <a:rPr lang="zh-CN" altLang="en-US" spc="150" dirty="0"/>
-              <a:t>是：风</a:t>
-            </a:r>
-            <a:r>
-              <a:rPr lang="zh-CN" altLang="en-US" spc="150" dirty="0"/>
-              <a:t>格和内容权重的调整导致风格混乱或者是风格不清</a:t>
-            </a:r>
-            <a:r>
-              <a:rPr lang="zh-CN" altLang="en-US" spc="150" dirty="0"/>
-              <a:t>晰。使用基于</a:t>
+              <a:t>’所存在的问题是：风格和内容权重的调整导致风格混乱或者是风格不清晰。使用基于</a:t>
             </a:r>
             <a:r>
               <a:rPr lang="en-US" altLang="zh-CN" spc="150" dirty="0"/>
@@ -6984,13 +6856,8 @@
             </a:r>
             <a:r>
               <a:rPr lang="zh-CN" altLang="en-US" spc="150" dirty="0"/>
-              <a:t>矩</a:t>
-            </a:r>
-            <a:r>
-              <a:rPr lang="zh-CN" altLang="en-US" spc="150" dirty="0"/>
-              <a:t>阵的方法保证特征相关行的同时遗失了局部像素精确值，导致产生噪声。由于输入数据缺乏对语义的理解使得能容被保留下来的同时难以得到可靠风格</a:t>
-            </a:r>
-            <a:endParaRPr lang="zh-CN" altLang="en-US" spc="150" dirty="0"/>
+              <a:t>矩阵的方法保证特征相关行的同时遗失了局部像素精确值，导致产生噪声。由于输入数据缺乏对语义的理解使得能容被保留下来的同时难以得到可靠风格</a:t>
+            </a:r>
           </a:p>
         </p:txBody>
       </p:sp>

--- a/demo.pptx
+++ b/demo.pptx
@@ -5,7 +5,7 @@
     <p:sldMasterId id="2147483648" r:id="rId1"/>
   </p:sldMasterIdLst>
   <p:notesMasterIdLst>
-    <p:notesMasterId r:id="rId11"/>
+    <p:notesMasterId r:id="rId14"/>
   </p:notesMasterIdLst>
   <p:sldIdLst>
     <p:sldId id="256" r:id="rId2"/>
@@ -17,6 +17,9 @@
     <p:sldId id="262" r:id="rId8"/>
     <p:sldId id="263" r:id="rId9"/>
     <p:sldId id="264" r:id="rId10"/>
+    <p:sldId id="265" r:id="rId11"/>
+    <p:sldId id="266" r:id="rId12"/>
+    <p:sldId id="267" r:id="rId13"/>
   </p:sldIdLst>
   <p:sldSz cx="9144000" cy="6858000" type="screen4x3"/>
   <p:notesSz cx="6858000" cy="9144000"/>
@@ -200,7 +203,7 @@
           <a:p>
             <a:fld id="{277B8184-6EA0-499D-9DE7-3F76D54820E5}" type="datetimeFigureOut">
               <a:rPr lang="zh-CN" altLang="en-US" smtClean="0"/>
-              <a:t>2017/10/9 Monday</a:t>
+              <a:t>2017/10/10 Tuesday</a:t>
             </a:fld>
             <a:endParaRPr lang="zh-CN" altLang="en-US"/>
           </a:p>
@@ -649,7 +652,7 @@
           <a:p>
             <a:fld id="{48E04B5E-91C7-4690-B7B2-517DBC294C6F}" type="datetimeFigureOut">
               <a:rPr lang="zh-CN" altLang="en-US" smtClean="0"/>
-              <a:t>2017/10/9 Monday</a:t>
+              <a:t>2017/10/10 Tuesday</a:t>
             </a:fld>
             <a:endParaRPr lang="zh-CN" altLang="en-US"/>
           </a:p>
@@ -819,7 +822,7 @@
           <a:p>
             <a:fld id="{48E04B5E-91C7-4690-B7B2-517DBC294C6F}" type="datetimeFigureOut">
               <a:rPr lang="zh-CN" altLang="en-US" smtClean="0"/>
-              <a:t>2017/10/9 Monday</a:t>
+              <a:t>2017/10/10 Tuesday</a:t>
             </a:fld>
             <a:endParaRPr lang="zh-CN" altLang="en-US"/>
           </a:p>
@@ -999,7 +1002,7 @@
           <a:p>
             <a:fld id="{48E04B5E-91C7-4690-B7B2-517DBC294C6F}" type="datetimeFigureOut">
               <a:rPr lang="zh-CN" altLang="en-US" smtClean="0"/>
-              <a:t>2017/10/9 Monday</a:t>
+              <a:t>2017/10/10 Tuesday</a:t>
             </a:fld>
             <a:endParaRPr lang="zh-CN" altLang="en-US"/>
           </a:p>
@@ -1169,7 +1172,7 @@
           <a:p>
             <a:fld id="{48E04B5E-91C7-4690-B7B2-517DBC294C6F}" type="datetimeFigureOut">
               <a:rPr lang="zh-CN" altLang="en-US" smtClean="0"/>
-              <a:t>2017/10/9 Monday</a:t>
+              <a:t>2017/10/10 Tuesday</a:t>
             </a:fld>
             <a:endParaRPr lang="zh-CN" altLang="en-US"/>
           </a:p>
@@ -1415,7 +1418,7 @@
           <a:p>
             <a:fld id="{48E04B5E-91C7-4690-B7B2-517DBC294C6F}" type="datetimeFigureOut">
               <a:rPr lang="zh-CN" altLang="en-US" smtClean="0"/>
-              <a:t>2017/10/9 Monday</a:t>
+              <a:t>2017/10/10 Tuesday</a:t>
             </a:fld>
             <a:endParaRPr lang="zh-CN" altLang="en-US"/>
           </a:p>
@@ -1703,7 +1706,7 @@
           <a:p>
             <a:fld id="{48E04B5E-91C7-4690-B7B2-517DBC294C6F}" type="datetimeFigureOut">
               <a:rPr lang="zh-CN" altLang="en-US" smtClean="0"/>
-              <a:t>2017/10/9 Monday</a:t>
+              <a:t>2017/10/10 Tuesday</a:t>
             </a:fld>
             <a:endParaRPr lang="zh-CN" altLang="en-US"/>
           </a:p>
@@ -2125,7 +2128,7 @@
           <a:p>
             <a:fld id="{48E04B5E-91C7-4690-B7B2-517DBC294C6F}" type="datetimeFigureOut">
               <a:rPr lang="zh-CN" altLang="en-US" smtClean="0"/>
-              <a:t>2017/10/9 Monday</a:t>
+              <a:t>2017/10/10 Tuesday</a:t>
             </a:fld>
             <a:endParaRPr lang="zh-CN" altLang="en-US"/>
           </a:p>
@@ -2243,7 +2246,7 @@
           <a:p>
             <a:fld id="{48E04B5E-91C7-4690-B7B2-517DBC294C6F}" type="datetimeFigureOut">
               <a:rPr lang="zh-CN" altLang="en-US" smtClean="0"/>
-              <a:t>2017/10/9 Monday</a:t>
+              <a:t>2017/10/10 Tuesday</a:t>
             </a:fld>
             <a:endParaRPr lang="zh-CN" altLang="en-US"/>
           </a:p>
@@ -2338,7 +2341,7 @@
           <a:p>
             <a:fld id="{48E04B5E-91C7-4690-B7B2-517DBC294C6F}" type="datetimeFigureOut">
               <a:rPr lang="zh-CN" altLang="en-US" smtClean="0"/>
-              <a:t>2017/10/9 Monday</a:t>
+              <a:t>2017/10/10 Tuesday</a:t>
             </a:fld>
             <a:endParaRPr lang="zh-CN" altLang="en-US"/>
           </a:p>
@@ -2615,7 +2618,7 @@
           <a:p>
             <a:fld id="{48E04B5E-91C7-4690-B7B2-517DBC294C6F}" type="datetimeFigureOut">
               <a:rPr lang="zh-CN" altLang="en-US" smtClean="0"/>
-              <a:t>2017/10/9 Monday</a:t>
+              <a:t>2017/10/10 Tuesday</a:t>
             </a:fld>
             <a:endParaRPr lang="zh-CN" altLang="en-US"/>
           </a:p>
@@ -2868,7 +2871,7 @@
           <a:p>
             <a:fld id="{48E04B5E-91C7-4690-B7B2-517DBC294C6F}" type="datetimeFigureOut">
               <a:rPr lang="zh-CN" altLang="en-US" smtClean="0"/>
-              <a:t>2017/10/9 Monday</a:t>
+              <a:t>2017/10/10 Tuesday</a:t>
             </a:fld>
             <a:endParaRPr lang="zh-CN" altLang="en-US"/>
           </a:p>
@@ -3081,7 +3084,7 @@
           <a:p>
             <a:fld id="{48E04B5E-91C7-4690-B7B2-517DBC294C6F}" type="datetimeFigureOut">
               <a:rPr lang="zh-CN" altLang="en-US" smtClean="0"/>
-              <a:t>2017/10/9 Monday</a:t>
+              <a:t>2017/10/10 Tuesday</a:t>
             </a:fld>
             <a:endParaRPr lang="zh-CN" altLang="en-US"/>
           </a:p>
@@ -3797,6 +3800,534 @@
     <p:extLst>
       <p:ext uri="{BB962C8B-B14F-4D97-AF65-F5344CB8AC3E}">
         <p14:creationId xmlns:p14="http://schemas.microsoft.com/office/powerpoint/2010/main" val="4170901218"/>
+      </p:ext>
+    </p:extLst>
+  </p:cSld>
+  <p:clrMapOvr>
+    <a:masterClrMapping/>
+  </p:clrMapOvr>
+  <p:timing>
+    <p:tnLst>
+      <p:par>
+        <p:cTn id="1" dur="indefinite" restart="never" nodeType="tmRoot"/>
+      </p:par>
+    </p:tnLst>
+  </p:timing>
+</p:sld>
+</file>
+
+<file path=ppt/slides/slide10.xml><?xml version="1.0" encoding="utf-8"?>
+<p:sld xmlns:a="http://schemas.openxmlformats.org/drawingml/2006/main" xmlns:r="http://schemas.openxmlformats.org/officeDocument/2006/relationships" xmlns:p="http://schemas.openxmlformats.org/presentationml/2006/main">
+  <p:cSld>
+    <p:spTree>
+      <p:nvGrpSpPr>
+        <p:cNvPr id="1" name=""/>
+        <p:cNvGrpSpPr/>
+        <p:nvPr/>
+      </p:nvGrpSpPr>
+      <p:grpSpPr>
+        <a:xfrm>
+          <a:off x="0" y="0"/>
+          <a:ext cx="0" cy="0"/>
+          <a:chOff x="0" y="0"/>
+          <a:chExt cx="0" cy="0"/>
+        </a:xfrm>
+      </p:grpSpPr>
+      <p:sp>
+        <p:nvSpPr>
+          <p:cNvPr id="4" name="TextBox 3"/>
+          <p:cNvSpPr txBox="1"/>
+          <p:nvPr/>
+        </p:nvSpPr>
+        <p:spPr>
+          <a:xfrm>
+            <a:off x="755575" y="332656"/>
+            <a:ext cx="7931905" cy="3000821"/>
+          </a:xfrm>
+          <a:prstGeom prst="rect">
+            <a:avLst/>
+          </a:prstGeom>
+          <a:noFill/>
+        </p:spPr>
+        <p:txBody>
+          <a:bodyPr wrap="square" rtlCol="0">
+            <a:spAutoFit/>
+          </a:bodyPr>
+          <a:lstStyle/>
+          <a:p>
+            <a:pPr>
+              <a:lnSpc>
+                <a:spcPct val="150000"/>
+              </a:lnSpc>
+            </a:pPr>
+            <a:r>
+              <a:rPr lang="zh-CN" altLang="en-US" spc="150" dirty="0" smtClean="0"/>
+              <a:t>作者对于上篇算法的改进有两个方面，</a:t>
+            </a:r>
+            <a:r>
+              <a:rPr lang="zh-CN" altLang="en-US" spc="150" dirty="0"/>
+              <a:t>其</a:t>
+            </a:r>
+            <a:r>
+              <a:rPr lang="zh-CN" altLang="en-US" spc="150" dirty="0" smtClean="0"/>
+              <a:t>一是基于马尔可夫随机场提取风格特征，其二是增加了语义标记。</a:t>
+            </a:r>
+            <a:endParaRPr lang="en-US" altLang="zh-CN" spc="150" dirty="0"/>
+          </a:p>
+          <a:p>
+            <a:pPr>
+              <a:lnSpc>
+                <a:spcPct val="150000"/>
+              </a:lnSpc>
+            </a:pPr>
+            <a:r>
+              <a:rPr lang="zh-CN" altLang="en-US" spc="150" dirty="0" smtClean="0"/>
+              <a:t>对于改进一：</a:t>
+            </a:r>
+            <a:r>
+              <a:rPr lang="en-US" altLang="zh-CN" spc="150" dirty="0" smtClean="0"/>
+              <a:t> Neural Style</a:t>
+            </a:r>
+            <a:r>
+              <a:rPr lang="zh-CN" altLang="en-US" spc="150" dirty="0" smtClean="0"/>
+              <a:t>计算的是像素之间的相关性，而这个方法利用了</a:t>
+            </a:r>
+            <a:r>
+              <a:rPr lang="en-US" altLang="zh-CN" spc="150" dirty="0" smtClean="0"/>
+              <a:t>MRF, </a:t>
+            </a:r>
+            <a:r>
+              <a:rPr lang="zh-CN" altLang="en-US" spc="150" dirty="0" smtClean="0"/>
+              <a:t>去寻找</a:t>
+            </a:r>
+            <a:r>
+              <a:rPr lang="en-US" altLang="zh-CN" spc="150" dirty="0" smtClean="0"/>
+              <a:t>patch </a:t>
+            </a:r>
+            <a:r>
+              <a:rPr lang="zh-CN" altLang="en-US" spc="150" dirty="0" smtClean="0"/>
+              <a:t>与</a:t>
+            </a:r>
+            <a:r>
+              <a:rPr lang="en-US" altLang="zh-CN" spc="150" dirty="0" smtClean="0"/>
+              <a:t>patch </a:t>
+            </a:r>
+            <a:r>
+              <a:rPr lang="zh-CN" altLang="en-US" spc="150" dirty="0" smtClean="0"/>
+              <a:t>之间的关系，这样可以更好的保留局部的信息，但是算法也变得更加复杂。</a:t>
+            </a:r>
+            <a:endParaRPr lang="en-US" altLang="zh-CN" spc="150" dirty="0" smtClean="0"/>
+          </a:p>
+          <a:p>
+            <a:pPr>
+              <a:lnSpc>
+                <a:spcPct val="150000"/>
+              </a:lnSpc>
+            </a:pPr>
+            <a:r>
+              <a:rPr lang="zh-CN" altLang="en-US" spc="150" dirty="0"/>
+              <a:t>对</a:t>
+            </a:r>
+            <a:r>
+              <a:rPr lang="zh-CN" altLang="en-US" spc="150" dirty="0" smtClean="0"/>
+              <a:t>于改进二：通过对目标图像进行标注，使得风格仅在对应标注之间传递。</a:t>
+            </a:r>
+            <a:endParaRPr lang="zh-CN" altLang="en-US" spc="150" dirty="0"/>
+          </a:p>
+        </p:txBody>
+      </p:sp>
+      <p:pic>
+        <p:nvPicPr>
+          <p:cNvPr id="1026" name="Picture 2"/>
+          <p:cNvPicPr>
+            <a:picLocks noChangeAspect="1" noChangeArrowheads="1"/>
+          </p:cNvPicPr>
+          <p:nvPr/>
+        </p:nvPicPr>
+        <p:blipFill>
+          <a:blip r:embed="rId2">
+            <a:extLst>
+              <a:ext uri="{28A0092B-C50C-407E-A947-70E740481C1C}">
+                <a14:useLocalDpi xmlns:a14="http://schemas.microsoft.com/office/drawing/2010/main" val="0"/>
+              </a:ext>
+            </a:extLst>
+          </a:blip>
+          <a:srcRect/>
+          <a:stretch>
+            <a:fillRect/>
+          </a:stretch>
+        </p:blipFill>
+        <p:spPr bwMode="auto">
+          <a:xfrm>
+            <a:off x="1054629" y="3028615"/>
+            <a:ext cx="7333796" cy="3586166"/>
+          </a:xfrm>
+          <a:prstGeom prst="rect">
+            <a:avLst/>
+          </a:prstGeom>
+          <a:noFill/>
+          <a:ln>
+            <a:noFill/>
+          </a:ln>
+          <a:effectLst/>
+          <a:extLst>
+            <a:ext uri="{909E8E84-426E-40DD-AFC4-6F175D3DCCD1}">
+              <a14:hiddenFill xmlns:a14="http://schemas.microsoft.com/office/drawing/2010/main">
+                <a:solidFill>
+                  <a:schemeClr val="accent1"/>
+                </a:solidFill>
+              </a14:hiddenFill>
+            </a:ext>
+            <a:ext uri="{91240B29-F687-4F45-9708-019B960494DF}">
+              <a14:hiddenLine xmlns:a14="http://schemas.microsoft.com/office/drawing/2010/main" w="9525">
+                <a:solidFill>
+                  <a:schemeClr val="tx1"/>
+                </a:solidFill>
+                <a:miter lim="800000"/>
+                <a:headEnd/>
+                <a:tailEnd/>
+              </a14:hiddenLine>
+            </a:ext>
+            <a:ext uri="{AF507438-7753-43E0-B8FC-AC1667EBCBE1}">
+              <a14:hiddenEffects xmlns:a14="http://schemas.microsoft.com/office/drawing/2010/main">
+                <a:effectLst>
+                  <a:outerShdw dist="35921" dir="2700000" algn="ctr" rotWithShape="0">
+                    <a:schemeClr val="bg2"/>
+                  </a:outerShdw>
+                </a:effectLst>
+              </a14:hiddenEffects>
+            </a:ext>
+          </a:extLst>
+        </p:spPr>
+      </p:pic>
+    </p:spTree>
+    <p:extLst>
+      <p:ext uri="{BB962C8B-B14F-4D97-AF65-F5344CB8AC3E}">
+        <p14:creationId xmlns:p14="http://schemas.microsoft.com/office/powerpoint/2010/main" val="150243782"/>
+      </p:ext>
+    </p:extLst>
+  </p:cSld>
+  <p:clrMapOvr>
+    <a:masterClrMapping/>
+  </p:clrMapOvr>
+  <p:timing>
+    <p:tnLst>
+      <p:par>
+        <p:cTn id="1" dur="indefinite" restart="never" nodeType="tmRoot"/>
+      </p:par>
+    </p:tnLst>
+  </p:timing>
+</p:sld>
+</file>
+
+<file path=ppt/slides/slide11.xml><?xml version="1.0" encoding="utf-8"?>
+<p:sld xmlns:a="http://schemas.openxmlformats.org/drawingml/2006/main" xmlns:r="http://schemas.openxmlformats.org/officeDocument/2006/relationships" xmlns:p="http://schemas.openxmlformats.org/presentationml/2006/main">
+  <p:cSld>
+    <p:spTree>
+      <p:nvGrpSpPr>
+        <p:cNvPr id="1" name=""/>
+        <p:cNvGrpSpPr/>
+        <p:nvPr/>
+      </p:nvGrpSpPr>
+      <p:grpSpPr>
+        <a:xfrm>
+          <a:off x="0" y="0"/>
+          <a:ext cx="0" cy="0"/>
+          <a:chOff x="0" y="0"/>
+          <a:chExt cx="0" cy="0"/>
+        </a:xfrm>
+      </p:grpSpPr>
+      <p:pic>
+        <p:nvPicPr>
+          <p:cNvPr id="2050" name="Picture 2"/>
+          <p:cNvPicPr>
+            <a:picLocks noChangeAspect="1" noChangeArrowheads="1"/>
+          </p:cNvPicPr>
+          <p:nvPr/>
+        </p:nvPicPr>
+        <p:blipFill>
+          <a:blip r:embed="rId2">
+            <a:extLst>
+              <a:ext uri="{28A0092B-C50C-407E-A947-70E740481C1C}">
+                <a14:useLocalDpi xmlns:a14="http://schemas.microsoft.com/office/drawing/2010/main" val="0"/>
+              </a:ext>
+            </a:extLst>
+          </a:blip>
+          <a:srcRect/>
+          <a:stretch>
+            <a:fillRect/>
+          </a:stretch>
+        </p:blipFill>
+        <p:spPr bwMode="auto">
+          <a:xfrm>
+            <a:off x="3246581" y="2050613"/>
+            <a:ext cx="2473687" cy="576064"/>
+          </a:xfrm>
+          <a:prstGeom prst="rect">
+            <a:avLst/>
+          </a:prstGeom>
+          <a:noFill/>
+          <a:ln>
+            <a:noFill/>
+          </a:ln>
+          <a:effectLst/>
+          <a:extLst>
+            <a:ext uri="{909E8E84-426E-40DD-AFC4-6F175D3DCCD1}">
+              <a14:hiddenFill xmlns:a14="http://schemas.microsoft.com/office/drawing/2010/main">
+                <a:solidFill>
+                  <a:schemeClr val="accent1"/>
+                </a:solidFill>
+              </a14:hiddenFill>
+            </a:ext>
+            <a:ext uri="{91240B29-F687-4F45-9708-019B960494DF}">
+              <a14:hiddenLine xmlns:a14="http://schemas.microsoft.com/office/drawing/2010/main" w="9525">
+                <a:solidFill>
+                  <a:schemeClr val="tx1"/>
+                </a:solidFill>
+                <a:miter lim="800000"/>
+                <a:headEnd/>
+                <a:tailEnd/>
+              </a14:hiddenLine>
+            </a:ext>
+            <a:ext uri="{AF507438-7753-43E0-B8FC-AC1667EBCBE1}">
+              <a14:hiddenEffects xmlns:a14="http://schemas.microsoft.com/office/drawing/2010/main">
+                <a:effectLst>
+                  <a:outerShdw dist="35921" dir="2700000" algn="ctr" rotWithShape="0">
+                    <a:schemeClr val="bg2"/>
+                  </a:outerShdw>
+                </a:effectLst>
+              </a14:hiddenEffects>
+            </a:ext>
+          </a:extLst>
+        </p:spPr>
+      </p:pic>
+      <p:sp>
+        <p:nvSpPr>
+          <p:cNvPr id="4" name="TextBox 3"/>
+          <p:cNvSpPr txBox="1"/>
+          <p:nvPr/>
+        </p:nvSpPr>
+        <p:spPr>
+          <a:xfrm>
+            <a:off x="827584" y="620688"/>
+            <a:ext cx="8042651" cy="1291379"/>
+          </a:xfrm>
+          <a:prstGeom prst="rect">
+            <a:avLst/>
+          </a:prstGeom>
+          <a:noFill/>
+        </p:spPr>
+        <p:txBody>
+          <a:bodyPr wrap="none" rtlCol="0">
+            <a:spAutoFit/>
+          </a:bodyPr>
+          <a:lstStyle/>
+          <a:p>
+            <a:pPr>
+              <a:lnSpc>
+                <a:spcPct val="150000"/>
+              </a:lnSpc>
+            </a:pPr>
+            <a:r>
+              <a:rPr lang="zh-CN" altLang="en-US" spc="150" dirty="0"/>
+              <a:t>与前者的损失函数相比，此处损失函数</a:t>
+            </a:r>
+            <a:r>
+              <a:rPr lang="en-US" altLang="zh-CN" spc="150" dirty="0"/>
+              <a:t>E</a:t>
+            </a:r>
+            <a:r>
+              <a:rPr lang="zh-CN" altLang="en-US" spc="150" dirty="0"/>
+              <a:t>中的</a:t>
+            </a:r>
+            <a:r>
+              <a:rPr lang="en-US" altLang="zh-CN" spc="150" dirty="0" err="1"/>
+              <a:t>Es</a:t>
+            </a:r>
+            <a:r>
+              <a:rPr lang="zh-CN" altLang="en-US" spc="150" dirty="0"/>
+              <a:t>基于</a:t>
+            </a:r>
+            <a:r>
+              <a:rPr lang="en-US" altLang="zh-CN" spc="150" dirty="0"/>
+              <a:t>MRF</a:t>
+            </a:r>
+            <a:r>
+              <a:rPr lang="zh-CN" altLang="en-US" spc="150" dirty="0"/>
+              <a:t>得到</a:t>
+            </a:r>
+            <a:r>
+              <a:rPr lang="zh-CN" altLang="en-US" spc="150" dirty="0"/>
+              <a:t>，</a:t>
+            </a:r>
+            <a:r>
+              <a:rPr lang="zh-CN" altLang="en-US" spc="150" dirty="0" smtClean="0"/>
+              <a:t>把</a:t>
+            </a:r>
+            <a:endParaRPr lang="en-US" altLang="zh-CN" spc="150" dirty="0" smtClean="0"/>
+          </a:p>
+          <a:p>
+            <a:pPr>
+              <a:lnSpc>
+                <a:spcPct val="150000"/>
+              </a:lnSpc>
+            </a:pPr>
+            <a:r>
+              <a:rPr lang="en-US" altLang="zh-CN" spc="150" dirty="0" smtClean="0"/>
+              <a:t>Gram</a:t>
+            </a:r>
+            <a:r>
+              <a:rPr lang="zh-CN" altLang="en-US" spc="150" dirty="0" smtClean="0"/>
+              <a:t>矩阵用</a:t>
+            </a:r>
+            <a:r>
+              <a:rPr lang="en-US" altLang="zh-CN" spc="150" dirty="0" smtClean="0"/>
+              <a:t>MRF Loss</a:t>
+            </a:r>
+            <a:r>
+              <a:rPr lang="zh-CN" altLang="en-US" spc="150" dirty="0" smtClean="0"/>
+              <a:t>进行了替代。即能利用</a:t>
+            </a:r>
+            <a:r>
+              <a:rPr lang="en-US" altLang="zh-CN" spc="150" dirty="0" smtClean="0"/>
+              <a:t>CNN</a:t>
+            </a:r>
+            <a:r>
+              <a:rPr lang="zh-CN" altLang="en-US" spc="150" dirty="0" smtClean="0"/>
+              <a:t>抽象特征的提取能力，</a:t>
+            </a:r>
+            <a:endParaRPr lang="en-US" altLang="zh-CN" spc="150" dirty="0" smtClean="0"/>
+          </a:p>
+          <a:p>
+            <a:pPr>
+              <a:lnSpc>
+                <a:spcPct val="150000"/>
+              </a:lnSpc>
+            </a:pPr>
+            <a:r>
+              <a:rPr lang="zh-CN" altLang="en-US" spc="150" dirty="0" smtClean="0"/>
+              <a:t>又</a:t>
+            </a:r>
+            <a:r>
+              <a:rPr lang="zh-CN" altLang="en-US" spc="150" dirty="0"/>
+              <a:t>能利用</a:t>
+            </a:r>
+            <a:r>
+              <a:rPr lang="en-US" altLang="zh-CN" spc="150" dirty="0"/>
+              <a:t>MRF</a:t>
+            </a:r>
+            <a:r>
+              <a:rPr lang="zh-CN" altLang="en-US" spc="150" dirty="0"/>
+              <a:t>的空间布局限制，提高了生成图像的质</a:t>
+            </a:r>
+            <a:r>
+              <a:rPr lang="zh-CN" altLang="en-US" spc="150" dirty="0"/>
+              <a:t>量。</a:t>
+            </a:r>
+            <a:endParaRPr lang="zh-CN" altLang="en-US" spc="150" dirty="0"/>
+          </a:p>
+        </p:txBody>
+      </p:sp>
+      <p:sp>
+        <p:nvSpPr>
+          <p:cNvPr id="5" name="TextBox 4"/>
+          <p:cNvSpPr txBox="1"/>
+          <p:nvPr/>
+        </p:nvSpPr>
+        <p:spPr>
+          <a:xfrm>
+            <a:off x="827584" y="3068960"/>
+            <a:ext cx="7311682" cy="1754326"/>
+          </a:xfrm>
+          <a:prstGeom prst="rect">
+            <a:avLst/>
+          </a:prstGeom>
+          <a:noFill/>
+        </p:spPr>
+        <p:txBody>
+          <a:bodyPr wrap="square" rtlCol="0">
+            <a:spAutoFit/>
+          </a:bodyPr>
+          <a:lstStyle/>
+          <a:p>
+            <a:pPr>
+              <a:lnSpc>
+                <a:spcPct val="150000"/>
+              </a:lnSpc>
+            </a:pPr>
+            <a:r>
+              <a:rPr lang="zh-CN" altLang="en-US" spc="150" dirty="0"/>
+              <a:t>而该篇文章的难点也在于</a:t>
+            </a:r>
+            <a:r>
+              <a:rPr lang="en-US" altLang="zh-CN" spc="150" dirty="0"/>
+              <a:t>MRF Loss</a:t>
+            </a:r>
+            <a:r>
+              <a:rPr lang="zh-CN" altLang="en-US" spc="150" dirty="0"/>
+              <a:t>上，作者是在另外一篇文章</a:t>
+            </a:r>
+            <a:r>
+              <a:rPr lang="en-US" altLang="zh-CN" spc="150" dirty="0"/>
+              <a:t>Combining Markov Random Fields and Convolutional Neural Networks for Image </a:t>
+            </a:r>
+            <a:r>
+              <a:rPr lang="en-US" altLang="zh-CN" spc="150" dirty="0"/>
+              <a:t>Synthesis </a:t>
+            </a:r>
+            <a:r>
+              <a:rPr lang="zh-CN" altLang="en-US" spc="150" dirty="0"/>
+              <a:t>”的基础上完成的，在此只是简单描</a:t>
+            </a:r>
+            <a:r>
+              <a:rPr lang="zh-CN" altLang="en-US" spc="150" dirty="0" smtClean="0"/>
+              <a:t>述，而将重点放在语义标注上。</a:t>
+            </a:r>
+            <a:endParaRPr lang="zh-CN" altLang="en-US" spc="150" dirty="0"/>
+          </a:p>
+        </p:txBody>
+      </p:sp>
+    </p:spTree>
+    <p:extLst>
+      <p:ext uri="{BB962C8B-B14F-4D97-AF65-F5344CB8AC3E}">
+        <p14:creationId xmlns:p14="http://schemas.microsoft.com/office/powerpoint/2010/main" val="1019442930"/>
+      </p:ext>
+    </p:extLst>
+  </p:cSld>
+  <p:clrMapOvr>
+    <a:masterClrMapping/>
+  </p:clrMapOvr>
+  <p:timing>
+    <p:tnLst>
+      <p:par>
+        <p:cTn id="1" dur="indefinite" restart="never" nodeType="tmRoot"/>
+      </p:par>
+    </p:tnLst>
+  </p:timing>
+</p:sld>
+</file>
+
+<file path=ppt/slides/slide12.xml><?xml version="1.0" encoding="utf-8"?>
+<p:sld xmlns:a="http://schemas.openxmlformats.org/drawingml/2006/main" xmlns:r="http://schemas.openxmlformats.org/officeDocument/2006/relationships" xmlns:p="http://schemas.openxmlformats.org/presentationml/2006/main">
+  <p:cSld>
+    <p:spTree>
+      <p:nvGrpSpPr>
+        <p:cNvPr id="1" name=""/>
+        <p:cNvGrpSpPr/>
+        <p:nvPr/>
+      </p:nvGrpSpPr>
+      <p:grpSpPr>
+        <a:xfrm>
+          <a:off x="0" y="0"/>
+          <a:ext cx="0" cy="0"/>
+          <a:chOff x="0" y="0"/>
+          <a:chExt cx="0" cy="0"/>
+        </a:xfrm>
+      </p:grpSpPr>
+    </p:spTree>
+    <p:extLst>
+      <p:ext uri="{BB962C8B-B14F-4D97-AF65-F5344CB8AC3E}">
+        <p14:creationId xmlns:p14="http://schemas.microsoft.com/office/powerpoint/2010/main" val="1193639624"/>
       </p:ext>
     </p:extLst>
   </p:cSld>
@@ -5025,9 +5556,9 @@
         <p:grpSpPr>
           <a:xfrm>
             <a:off x="971600" y="501896"/>
-            <a:ext cx="7901526" cy="1198589"/>
+            <a:ext cx="7901526" cy="1399391"/>
             <a:chOff x="1115616" y="825932"/>
-            <a:chExt cx="7901526" cy="1198589"/>
+            <a:chExt cx="7901526" cy="1399391"/>
           </a:xfrm>
         </p:grpSpPr>
         <p:sp>
@@ -5078,8 +5609,8 @@
           </p:nvSpPr>
           <p:spPr>
             <a:xfrm>
-              <a:off x="1331640" y="1101191"/>
-              <a:ext cx="7685502" cy="923330"/>
+              <a:off x="1331640" y="933944"/>
+              <a:ext cx="7685502" cy="1291379"/>
             </a:xfrm>
             <a:prstGeom prst="rect">
               <a:avLst/>
@@ -5092,6 +5623,11 @@
             </a:bodyPr>
             <a:lstStyle/>
             <a:p>
+              <a:pPr>
+                <a:lnSpc>
+                  <a:spcPct val="150000"/>
+                </a:lnSpc>
+              </a:pPr>
               <a:r>
                 <a:rPr lang="zh-CN" altLang="en-US" spc="150" dirty="0"/>
                 <a:t>文章使用</a:t>
@@ -5123,6 +5659,11 @@
               <a:endParaRPr lang="en-US" altLang="zh-CN" spc="150" dirty="0"/>
             </a:p>
             <a:p>
+              <a:pPr>
+                <a:lnSpc>
+                  <a:spcPct val="150000"/>
+                </a:lnSpc>
+              </a:pPr>
               <a:r>
                 <a:rPr lang="zh-CN" altLang="en-US" spc="150" dirty="0"/>
                 <a:t>阶段末尾都有 </a:t>
@@ -5138,6 +5679,11 @@
               <a:endParaRPr lang="en-US" altLang="zh-CN" spc="150" dirty="0"/>
             </a:p>
             <a:p>
+              <a:pPr>
+                <a:lnSpc>
+                  <a:spcPct val="150000"/>
+                </a:lnSpc>
+              </a:pPr>
               <a:r>
                 <a:rPr lang="zh-CN" altLang="en-US" spc="150" dirty="0"/>
                 <a:t>化方法选择了</a:t>
@@ -5175,10 +5721,10 @@
         </p:nvGrpSpPr>
         <p:grpSpPr>
           <a:xfrm>
-            <a:off x="1176681" y="1916832"/>
-            <a:ext cx="7644785" cy="4455213"/>
-            <a:chOff x="1176681" y="1916832"/>
-            <a:chExt cx="7644785" cy="4455213"/>
+            <a:off x="1136337" y="1916832"/>
+            <a:ext cx="7644785" cy="4756346"/>
+            <a:chOff x="1136337" y="1916832"/>
+            <a:chExt cx="7644785" cy="4756346"/>
           </a:xfrm>
         </p:grpSpPr>
         <p:pic>
@@ -5204,7 +5750,7 @@
           </p:blipFill>
           <p:spPr bwMode="auto">
             <a:xfrm>
-              <a:off x="2535165" y="2982130"/>
+              <a:off x="2544045" y="3210771"/>
               <a:ext cx="4237970" cy="1085334"/>
             </a:xfrm>
             <a:prstGeom prst="rect">
@@ -5268,7 +5814,7 @@
           </p:blipFill>
           <p:spPr bwMode="auto">
             <a:xfrm>
-              <a:off x="2654051" y="4875480"/>
+              <a:off x="2654051" y="5013176"/>
               <a:ext cx="3685409" cy="792088"/>
             </a:xfrm>
             <a:prstGeom prst="rect">
@@ -5317,10 +5863,10 @@
           </p:nvGrpSpPr>
           <p:grpSpPr>
             <a:xfrm>
-              <a:off x="1176681" y="1916832"/>
-              <a:ext cx="7644785" cy="1303432"/>
-              <a:chOff x="1187624" y="2362726"/>
-              <a:chExt cx="7644785" cy="1303432"/>
+              <a:off x="1136337" y="1916832"/>
+              <a:ext cx="7644785" cy="1660711"/>
+              <a:chOff x="1147280" y="2362726"/>
+              <a:chExt cx="7644785" cy="1660711"/>
             </a:xfrm>
           </p:grpSpPr>
           <p:sp>
@@ -5361,8 +5907,8 @@
             </p:nvSpPr>
             <p:spPr>
               <a:xfrm>
-                <a:off x="1187624" y="2742828"/>
-                <a:ext cx="7644785" cy="923330"/>
+                <a:off x="1147280" y="2732058"/>
+                <a:ext cx="7644785" cy="1291379"/>
               </a:xfrm>
               <a:prstGeom prst="rect">
                 <a:avLst/>
@@ -5375,6 +5921,11 @@
               </a:bodyPr>
               <a:lstStyle/>
               <a:p>
+                <a:pPr>
+                  <a:lnSpc>
+                    <a:spcPct val="150000"/>
+                  </a:lnSpc>
+                </a:pPr>
                 <a:r>
                   <a:rPr lang="zh-CN" altLang="en-US" spc="150" dirty="0"/>
                   <a:t>将</a:t>
@@ -5414,6 +5965,11 @@
                 <a:endParaRPr lang="en-US" altLang="zh-CN" spc="150" dirty="0"/>
               </a:p>
               <a:p>
+                <a:pPr>
+                  <a:lnSpc>
+                    <a:spcPct val="150000"/>
+                  </a:lnSpc>
+                </a:pPr>
                 <a:r>
                   <a:rPr lang="zh-CN" altLang="en-US" spc="150" dirty="0"/>
                   <a:t>进行特征变换，获取某些卷积层输出的特征变换结果，要求二者</a:t>
@@ -5421,6 +5977,11 @@
                 <a:endParaRPr lang="en-US" altLang="zh-CN" spc="150" dirty="0"/>
               </a:p>
               <a:p>
+                <a:pPr>
+                  <a:lnSpc>
+                    <a:spcPct val="150000"/>
+                  </a:lnSpc>
+                </a:pPr>
                 <a:r>
                   <a:rPr lang="zh-CN" altLang="en-US" spc="150" dirty="0"/>
                   <a:t>的差异最小。二者在</a:t>
@@ -5445,14 +6006,14 @@
           </p:nvGrpSpPr>
           <p:grpSpPr>
             <a:xfrm>
-              <a:off x="1187624" y="3941906"/>
+              <a:off x="1187624" y="4111439"/>
               <a:ext cx="4815421" cy="708399"/>
-              <a:chOff x="1475656" y="4293096"/>
+              <a:chOff x="1475656" y="4462629"/>
               <a:chExt cx="4815421" cy="708399"/>
             </a:xfrm>
           </p:grpSpPr>
-          <mc:AlternateContent xmlns:mc="http://schemas.openxmlformats.org/markup-compatibility/2006" xmlns:a14="http://schemas.microsoft.com/office/drawing/2010/main">
-            <mc:Choice Requires="a14">
+          <mc:AlternateContent xmlns:mc="http://schemas.openxmlformats.org/markup-compatibility/2006">
+            <mc:Choice xmlns:a14="http://schemas.microsoft.com/office/drawing/2010/main" Requires="a14">
               <p:sp>
                 <p:nvSpPr>
                   <p:cNvPr id="10" name="TextBox 9"/>
@@ -5461,7 +6022,7 @@
                 </p:nvSpPr>
                 <p:spPr>
                   <a:xfrm>
-                    <a:off x="1475656" y="4293096"/>
+                    <a:off x="1475656" y="4462629"/>
                     <a:ext cx="451619" cy="708399"/>
                   </a:xfrm>
                   <a:prstGeom prst="rect">
@@ -5533,7 +6094,7 @@
                 </p:txBody>
               </p:sp>
             </mc:Choice>
-            <mc:Fallback xmlns="">
+            <mc:Fallback>
               <p:sp>
                 <p:nvSpPr>
                   <p:cNvPr id="10" name="TextBox 9"/>
@@ -5544,7 +6105,7 @@
                 </p:nvSpPr>
                 <p:spPr>
                   <a:xfrm>
-                    <a:off x="1475656" y="4293096"/>
+                    <a:off x="1475656" y="4462629"/>
                     <a:ext cx="451619" cy="708399"/>
                   </a:xfrm>
                   <a:prstGeom prst="rect">
@@ -5580,7 +6141,7 @@
             </p:nvSpPr>
             <p:spPr>
               <a:xfrm>
-                <a:off x="1887307" y="4414205"/>
+                <a:off x="1887307" y="4604466"/>
                 <a:ext cx="4403770" cy="369332"/>
               </a:xfrm>
               <a:prstGeom prst="rect">
@@ -5634,7 +6195,7 @@
           </p:nvSpPr>
           <p:spPr>
             <a:xfrm>
-              <a:off x="1187624" y="4483983"/>
+              <a:off x="1187624" y="4643844"/>
               <a:ext cx="2052165" cy="369332"/>
             </a:xfrm>
             <a:prstGeom prst="rect">
@@ -5671,7 +6232,7 @@
           </p:nvSpPr>
           <p:spPr>
             <a:xfrm>
-              <a:off x="1187624" y="5725714"/>
+              <a:off x="1155922" y="6026847"/>
               <a:ext cx="7305205" cy="646331"/>
             </a:xfrm>
             <a:prstGeom prst="rect">
@@ -6431,7 +6992,7 @@
         <p:spPr>
           <a:xfrm>
             <a:off x="1191330" y="5949279"/>
-            <a:ext cx="7668344" cy="646331"/>
+            <a:ext cx="7668344" cy="875881"/>
           </a:xfrm>
           <a:prstGeom prst="rect">
             <a:avLst/>
@@ -6443,6 +7004,11 @@
           </a:bodyPr>
           <a:lstStyle/>
           <a:p>
+            <a:pPr>
+              <a:lnSpc>
+                <a:spcPct val="150000"/>
+              </a:lnSpc>
+            </a:pPr>
             <a:r>
               <a:rPr lang="en-US" altLang="zh-CN" spc="150" dirty="0" err="1"/>
               <a:t>Nl</a:t>
@@ -6484,7 +7050,7 @@
               <a:t>大</a:t>
             </a:r>
             <a:r>
-              <a:rPr lang="zh-CN" altLang="en-US" spc="150" dirty="0" smtClean="0"/>
+              <a:rPr lang="zh-CN" altLang="en-US" spc="150" dirty="0"/>
               <a:t>小定</a:t>
             </a:r>
             <a:r>
@@ -6547,8 +7113,8 @@
         </p:nvGrpSpPr>
         <p:grpSpPr>
           <a:xfrm>
-            <a:off x="467544" y="1387413"/>
-            <a:ext cx="8356518" cy="1800200"/>
+            <a:off x="382712" y="1387412"/>
+            <a:ext cx="8356518" cy="2185603"/>
             <a:chOff x="1210779" y="764704"/>
             <a:chExt cx="8356518" cy="1800200"/>
           </a:xfrm>
@@ -6626,7 +7192,7 @@
           <p:spPr>
             <a:xfrm>
               <a:off x="1210779" y="764704"/>
-              <a:ext cx="8356518" cy="646331"/>
+              <a:ext cx="8356518" cy="721431"/>
             </a:xfrm>
             <a:prstGeom prst="rect">
               <a:avLst/>
@@ -6639,6 +7205,11 @@
             </a:bodyPr>
             <a:lstStyle/>
             <a:p>
+              <a:pPr>
+                <a:lnSpc>
+                  <a:spcPct val="150000"/>
+                </a:lnSpc>
+              </a:pPr>
               <a:r>
                 <a:rPr lang="zh-CN" altLang="en-US" spc="150" dirty="0"/>
                 <a:t>在得到 </a:t>
@@ -6670,6 +7241,11 @@
               <a:endParaRPr lang="en-US" altLang="zh-CN" spc="150" dirty="0"/>
             </a:p>
             <a:p>
+              <a:pPr>
+                <a:lnSpc>
+                  <a:spcPct val="150000"/>
+                </a:lnSpc>
+              </a:pPr>
               <a:r>
                 <a:rPr lang="zh-CN" altLang="en-US" spc="150" dirty="0"/>
                 <a:t>的比重得到较好的人工艺术作品</a:t>
@@ -6678,6 +7254,84 @@
           </p:txBody>
         </p:sp>
       </p:grpSp>
+      <p:sp>
+        <p:nvSpPr>
+          <p:cNvPr id="3" name="TextBox 2"/>
+          <p:cNvSpPr txBox="1"/>
+          <p:nvPr/>
+        </p:nvSpPr>
+        <p:spPr>
+          <a:xfrm>
+            <a:off x="467543" y="3789040"/>
+            <a:ext cx="8186857" cy="1706878"/>
+          </a:xfrm>
+          <a:prstGeom prst="rect">
+            <a:avLst/>
+          </a:prstGeom>
+          <a:noFill/>
+        </p:spPr>
+        <p:txBody>
+          <a:bodyPr wrap="none" rtlCol="0">
+            <a:spAutoFit/>
+          </a:bodyPr>
+          <a:lstStyle/>
+          <a:p>
+            <a:pPr>
+              <a:lnSpc>
+                <a:spcPct val="150000"/>
+              </a:lnSpc>
+            </a:pPr>
+            <a:r>
+              <a:rPr lang="zh-CN" altLang="en-US" spc="150" dirty="0"/>
+              <a:t>这篇文章的意义在于首次提出了图片风格转化的方法，使用了在图像处理</a:t>
+            </a:r>
+            <a:endParaRPr lang="en-US" altLang="zh-CN" spc="150" dirty="0"/>
+          </a:p>
+          <a:p>
+            <a:pPr>
+              <a:lnSpc>
+                <a:spcPct val="150000"/>
+              </a:lnSpc>
+            </a:pPr>
+            <a:r>
+              <a:rPr lang="zh-CN" altLang="en-US" spc="150" dirty="0"/>
+              <a:t>表现较好的</a:t>
+            </a:r>
+            <a:r>
+              <a:rPr lang="en-US" altLang="zh-CN" spc="150" dirty="0"/>
+              <a:t>VGG</a:t>
+            </a:r>
+            <a:r>
+              <a:rPr lang="zh-CN" altLang="en-US" spc="150" dirty="0"/>
+              <a:t>模型，对与入门卷积神经网络有一定价值。文章核心内容</a:t>
+            </a:r>
+            <a:endParaRPr lang="en-US" altLang="zh-CN" spc="150" dirty="0"/>
+          </a:p>
+          <a:p>
+            <a:pPr>
+              <a:lnSpc>
+                <a:spcPct val="150000"/>
+              </a:lnSpc>
+            </a:pPr>
+            <a:r>
+              <a:rPr lang="zh-CN" altLang="en-US" spc="150" dirty="0"/>
+              <a:t>是艺术品风格的表示，但问题也出现在风格上。在实践中的难点是内容和</a:t>
+            </a:r>
+            <a:endParaRPr lang="en-US" altLang="zh-CN" spc="150" dirty="0"/>
+          </a:p>
+          <a:p>
+            <a:pPr>
+              <a:lnSpc>
+                <a:spcPct val="150000"/>
+              </a:lnSpc>
+            </a:pPr>
+            <a:r>
+              <a:rPr lang="zh-CN" altLang="en-US" spc="150" dirty="0"/>
+              <a:t>风格提取之后如何融合成完整的图片，这也涉及到更多的操作。</a:t>
+            </a:r>
+          </a:p>
+        </p:txBody>
+      </p:sp>
     </p:spTree>
     <p:extLst>
       <p:ext uri="{BB962C8B-B14F-4D97-AF65-F5344CB8AC3E}">
@@ -6858,6 +7512,41 @@
               <a:rPr lang="zh-CN" altLang="en-US" spc="150" dirty="0"/>
               <a:t>矩阵的方法保证特征相关行的同时遗失了局部像素精确值，导致产生噪声。由于输入数据缺乏对语义的理解使得能容被保留下来的同时难以得到可靠风格</a:t>
             </a:r>
+          </a:p>
+        </p:txBody>
+      </p:sp>
+      <p:sp>
+        <p:nvSpPr>
+          <p:cNvPr id="2" name="TextBox 1"/>
+          <p:cNvSpPr txBox="1"/>
+          <p:nvPr/>
+        </p:nvSpPr>
+        <p:spPr>
+          <a:xfrm>
+            <a:off x="765018" y="4643117"/>
+            <a:ext cx="7776866" cy="1338828"/>
+          </a:xfrm>
+          <a:prstGeom prst="rect">
+            <a:avLst/>
+          </a:prstGeom>
+          <a:noFill/>
+        </p:spPr>
+        <p:txBody>
+          <a:bodyPr wrap="square" rtlCol="0">
+            <a:spAutoFit/>
+          </a:bodyPr>
+          <a:lstStyle/>
+          <a:p>
+            <a:pPr>
+              <a:lnSpc>
+                <a:spcPct val="150000"/>
+              </a:lnSpc>
+            </a:pPr>
+            <a:r>
+              <a:rPr lang="zh-CN" altLang="en-US" spc="150" dirty="0"/>
+              <a:t>此外作者也分析了在应用卷积神经网络合成图像时产生噪声的原因，在于提取特征时没有考虑特征之间的相关性，以及深层和浅层之间缺乏联系</a:t>
+            </a:r>
+            <a:endParaRPr lang="zh-CN" altLang="en-US" spc="150" dirty="0"/>
           </a:p>
         </p:txBody>
       </p:sp>

--- a/demo.pptx
+++ b/demo.pptx
@@ -4154,11 +4154,7 @@
             </a:r>
             <a:r>
               <a:rPr lang="zh-CN" altLang="en-US" spc="150" dirty="0"/>
-              <a:t>得到</a:t>
-            </a:r>
-            <a:r>
-              <a:rPr lang="zh-CN" altLang="en-US" spc="150" dirty="0"/>
-              <a:t>，</a:t>
+              <a:t>得到，</a:t>
             </a:r>
             <a:r>
               <a:rPr lang="zh-CN" altLang="en-US" spc="150" dirty="0" smtClean="0"/>
@@ -4218,13 +4214,8 @@
             </a:r>
             <a:r>
               <a:rPr lang="zh-CN" altLang="en-US" spc="150" dirty="0"/>
-              <a:t>的空间布局限制，提高了生成图像的质</a:t>
-            </a:r>
-            <a:r>
-              <a:rPr lang="zh-CN" altLang="en-US" spc="150" dirty="0"/>
-              <a:t>量。</a:t>
-            </a:r>
-            <a:endParaRPr lang="zh-CN" altLang="en-US" spc="150" dirty="0"/>
+              <a:t>的空间布局限制，提高了生成图像的质量。</a:t>
+            </a:r>
           </a:p>
         </p:txBody>
       </p:sp>
@@ -4269,11 +4260,7 @@
             </a:r>
             <a:r>
               <a:rPr lang="en-US" altLang="zh-CN" spc="150" dirty="0"/>
-              <a:t>Combining Markov Random Fields and Convolutional Neural Networks for Image </a:t>
-            </a:r>
-            <a:r>
-              <a:rPr lang="en-US" altLang="zh-CN" spc="150" dirty="0"/>
-              <a:t>Synthesis </a:t>
+              <a:t>Combining Markov Random Fields and Convolutional Neural Networks for Image Synthesis </a:t>
             </a:r>
             <a:r>
               <a:rPr lang="zh-CN" altLang="en-US" spc="150" dirty="0"/>
@@ -4681,9 +4668,9 @@
         <p:grpSpPr>
           <a:xfrm>
             <a:off x="1272321" y="1266692"/>
-            <a:ext cx="7086029" cy="4138599"/>
+            <a:ext cx="7086029" cy="3988642"/>
             <a:chOff x="1245118" y="1116735"/>
-            <a:chExt cx="7086029" cy="4138599"/>
+            <a:chExt cx="7086029" cy="3988642"/>
           </a:xfrm>
         </p:grpSpPr>
         <p:sp>
@@ -4775,7 +4762,7 @@
           </p:nvSpPr>
           <p:spPr>
             <a:xfrm>
-              <a:off x="1394633" y="3501008"/>
+              <a:off x="1394633" y="3351051"/>
               <a:ext cx="6936514" cy="1754326"/>
             </a:xfrm>
             <a:prstGeom prst="rect">
@@ -6012,8 +5999,8 @@
               <a:chExt cx="4815421" cy="708399"/>
             </a:xfrm>
           </p:grpSpPr>
-          <mc:AlternateContent xmlns:mc="http://schemas.openxmlformats.org/markup-compatibility/2006">
-            <mc:Choice xmlns:a14="http://schemas.microsoft.com/office/drawing/2010/main" Requires="a14">
+          <mc:AlternateContent xmlns:mc="http://schemas.openxmlformats.org/markup-compatibility/2006" xmlns:a14="http://schemas.microsoft.com/office/drawing/2010/main">
+            <mc:Choice Requires="a14">
               <p:sp>
                 <p:nvSpPr>
                   <p:cNvPr id="10" name="TextBox 9"/>
@@ -6094,7 +6081,7 @@
                 </p:txBody>
               </p:sp>
             </mc:Choice>
-            <mc:Fallback>
+            <mc:Fallback xmlns="">
               <p:sp>
                 <p:nvSpPr>
                   <p:cNvPr id="10" name="TextBox 9"/>
@@ -7047,15 +7034,7 @@
             </a:r>
             <a:r>
               <a:rPr lang="zh-CN" altLang="en-US" spc="150" dirty="0"/>
-              <a:t>大</a:t>
-            </a:r>
-            <a:r>
-              <a:rPr lang="zh-CN" altLang="en-US" spc="150" dirty="0"/>
-              <a:t>小定</a:t>
-            </a:r>
-            <a:r>
-              <a:rPr lang="zh-CN" altLang="en-US" spc="150" dirty="0"/>
-              <a:t>义为</a:t>
+              <a:t>大小定义为</a:t>
             </a:r>
             <a:r>
               <a:rPr lang="en-US" altLang="zh-CN" spc="150" dirty="0"/>
@@ -7546,7 +7525,6 @@
               <a:rPr lang="zh-CN" altLang="en-US" spc="150" dirty="0"/>
               <a:t>此外作者也分析了在应用卷积神经网络合成图像时产生噪声的原因，在于提取特征时没有考虑特征之间的相关性，以及深层和浅层之间缺乏联系</a:t>
             </a:r>
-            <a:endParaRPr lang="zh-CN" altLang="en-US" spc="150" dirty="0"/>
           </a:p>
         </p:txBody>
       </p:sp>
